--- a/devuserguide/en-GB/images/architecture slides.pptx
+++ b/devuserguide/en-GB/images/architecture slides.pptx
@@ -8729,8 +8729,21 @@
                   <a:schemeClr val="tx1"/>
                 </a:solidFill>
               </a:rPr>
-              <a:t>GWT face server</a:t>
-            </a:r>
+              <a:t>GWT face </a:t>
+            </a:r>
+            <a:r>
+              <a:rPr lang="nl-BE" dirty="0" smtClean="0">
+                <a:solidFill>
+                  <a:schemeClr val="tx1"/>
+                </a:solidFill>
+              </a:rPr>
+              <a:t>server</a:t>
+            </a:r>
+            <a:endParaRPr lang="nl-BE" dirty="0">
+              <a:solidFill>
+                <a:schemeClr val="tx1"/>
+              </a:solidFill>
+            </a:endParaRPr>
           </a:p>
         </p:txBody>
       </p:sp>
@@ -8927,12 +8940,12 @@
               <a:t> </a:t>
             </a:r>
             <a:r>
-              <a:rPr lang="nl-BE" dirty="0" err="1">
+              <a:rPr lang="nl-BE" dirty="0" smtClean="0">
                 <a:solidFill>
                   <a:schemeClr val="tx1"/>
                 </a:solidFill>
               </a:rPr>
-              <a:t>extension</a:t>
+              <a:t>plug-in</a:t>
             </a:r>
             <a:endParaRPr lang="nl-BE" dirty="0">
               <a:solidFill>
@@ -8999,21 +9012,18 @@
               <a:t> </a:t>
             </a:r>
             <a:r>
-              <a:rPr lang="nl-BE" dirty="0" err="1">
+              <a:rPr lang="nl-BE" dirty="0" err="1" smtClean="0">
                 <a:solidFill>
                   <a:schemeClr val="tx1"/>
                 </a:solidFill>
               </a:rPr>
               <a:t>layer</a:t>
             </a:r>
-            <a:r>
-              <a:rPr lang="nl-BE" dirty="0">
-                <a:solidFill>
-                  <a:schemeClr val="tx1"/>
-                </a:solidFill>
-              </a:rPr>
-              <a:t> model</a:t>
-            </a:r>
+            <a:endParaRPr lang="nl-BE" dirty="0">
+              <a:solidFill>
+                <a:schemeClr val="tx1"/>
+              </a:solidFill>
+            </a:endParaRPr>
           </a:p>
         </p:txBody>
       </p:sp>
@@ -10229,7 +10239,15 @@
                   <a:schemeClr val="tx1"/>
                 </a:solidFill>
               </a:rPr>
-              <a:t>face </a:t>
+              <a:t>F</a:t>
+            </a:r>
+            <a:r>
+              <a:rPr lang="nl-BE" dirty="0" smtClean="0">
+                <a:solidFill>
+                  <a:schemeClr val="tx1"/>
+                </a:solidFill>
+              </a:rPr>
+              <a:t>ace </a:t>
             </a:r>
             <a:r>
               <a:rPr lang="nl-BE" dirty="0" err="1">
@@ -11164,7 +11182,7 @@
                 <a:effectLst/>
                 <a:latin typeface="Arial" charset="0"/>
               </a:rPr>
-              <a:t>ommandRequest</a:t>
+              <a:t>ommandResponse</a:t>
             </a:r>
             <a:endParaRPr kumimoji="0" lang="nl-BE" sz="1200" b="0" i="0" u="none" strike="noStrike" cap="none" normalizeH="0" baseline="0" dirty="0" smtClean="0">
               <a:ln>
@@ -11417,7 +11435,7 @@
                   <a:schemeClr val="tx1"/>
                 </a:solidFill>
               </a:rPr>
-              <a:t>GeoSecurityManager</a:t>
+              <a:t>SecurityManager</a:t>
             </a:r>
             <a:endParaRPr lang="nl-BE" dirty="0">
               <a:solidFill>
@@ -12417,8 +12435,8 @@
         </p:nvSpPr>
         <p:spPr bwMode="auto">
           <a:xfrm>
-            <a:off x="1571604" y="1071546"/>
-            <a:ext cx="6215106" cy="5214974"/>
+            <a:off x="1571604" y="1500174"/>
+            <a:ext cx="6215106" cy="3857652"/>
           </a:xfrm>
           <a:prstGeom prst="roundRect">
             <a:avLst/>
@@ -12466,8 +12484,8 @@
         </p:nvSpPr>
         <p:spPr bwMode="auto">
           <a:xfrm>
-            <a:off x="2071694" y="1785939"/>
-            <a:ext cx="3286125" cy="2500312"/>
+            <a:off x="2071694" y="2214566"/>
+            <a:ext cx="3286125" cy="2571755"/>
           </a:xfrm>
           <a:prstGeom prst="roundRect">
             <a:avLst/>
@@ -12556,7 +12574,7 @@
         </p:nvSpPr>
         <p:spPr bwMode="auto">
           <a:xfrm>
-            <a:off x="2143107" y="1214422"/>
+            <a:off x="2143107" y="1643050"/>
             <a:ext cx="2172390" cy="369332"/>
           </a:xfrm>
           <a:prstGeom prst="rect">
@@ -12608,7 +12626,7 @@
         </p:nvSpPr>
         <p:spPr bwMode="auto">
           <a:xfrm>
-            <a:off x="2357444" y="2357439"/>
+            <a:off x="2357444" y="2786067"/>
             <a:ext cx="2643188" cy="1571625"/>
           </a:xfrm>
           <a:prstGeom prst="roundRect">
@@ -12658,13 +12676,54 @@
       </p:sp>
       <p:sp>
         <p:nvSpPr>
-          <p:cNvPr id="37" name="Afgeronde rechthoek 36"/>
+          <p:cNvPr id="8200" name="Tekstvak 48"/>
+          <p:cNvSpPr txBox="1">
+            <a:spLocks noChangeArrowheads="1"/>
+          </p:cNvSpPr>
+          <p:nvPr/>
+        </p:nvSpPr>
+        <p:spPr bwMode="auto">
+          <a:xfrm>
+            <a:off x="2286007" y="2286004"/>
+            <a:ext cx="1620837" cy="369888"/>
+          </a:xfrm>
+          <a:prstGeom prst="rect">
+            <a:avLst/>
+          </a:prstGeom>
+          <a:noFill/>
+          <a:ln w="9525">
+            <a:noFill/>
+            <a:miter lim="800000"/>
+            <a:headEnd/>
+            <a:tailEnd/>
+          </a:ln>
+        </p:spPr>
+        <p:txBody>
+          <a:bodyPr wrap="none">
+            <a:spAutoFit/>
+          </a:bodyPr>
+          <a:lstStyle/>
+          <a:p>
+            <a:r>
+              <a:rPr lang="nl-BE">
+                <a:solidFill>
+                  <a:schemeClr val="tx1"/>
+                </a:solidFill>
+              </a:rPr>
+              <a:t>Geomajas-api</a:t>
+            </a:r>
+          </a:p>
+        </p:txBody>
+      </p:sp>
+      <p:sp>
+        <p:nvSpPr>
+          <p:cNvPr id="52" name="Afgeronde rechthoek 51"/>
           <p:cNvSpPr/>
           <p:nvPr/>
         </p:nvSpPr>
         <p:spPr bwMode="auto">
           <a:xfrm>
-            <a:off x="3929069" y="4643439"/>
+            <a:off x="5857882" y="2214567"/>
             <a:ext cx="1428750" cy="1143000"/>
           </a:xfrm>
           <a:prstGeom prst="roundRect">
@@ -12702,16 +12761,13 @@
                   <a:schemeClr val="tx1"/>
                 </a:solidFill>
               </a:rPr>
-              <a:t>layer</a:t>
-            </a:r>
-            <a:r>
-              <a:rPr lang="nl-BE" dirty="0" smtClean="0">
-                <a:solidFill>
-                  <a:schemeClr val="tx1"/>
-                </a:solidFill>
-              </a:rPr>
-              <a:t> model</a:t>
-            </a:r>
+              <a:t>command</a:t>
+            </a:r>
+            <a:endParaRPr lang="nl-BE" dirty="0" smtClean="0">
+              <a:solidFill>
+                <a:schemeClr val="tx1"/>
+              </a:solidFill>
+            </a:endParaRPr>
           </a:p>
           <a:p>
             <a:pPr>
@@ -12735,54 +12791,13 @@
       </p:sp>
       <p:sp>
         <p:nvSpPr>
-          <p:cNvPr id="8200" name="Tekstvak 48"/>
-          <p:cNvSpPr txBox="1">
-            <a:spLocks noChangeArrowheads="1"/>
-          </p:cNvSpPr>
-          <p:nvPr/>
-        </p:nvSpPr>
-        <p:spPr bwMode="auto">
-          <a:xfrm>
-            <a:off x="2286007" y="1857376"/>
-            <a:ext cx="1620837" cy="369888"/>
-          </a:xfrm>
-          <a:prstGeom prst="rect">
-            <a:avLst/>
-          </a:prstGeom>
-          <a:noFill/>
-          <a:ln w="9525">
-            <a:noFill/>
-            <a:miter lim="800000"/>
-            <a:headEnd/>
-            <a:tailEnd/>
-          </a:ln>
-        </p:spPr>
-        <p:txBody>
-          <a:bodyPr wrap="none">
-            <a:spAutoFit/>
-          </a:bodyPr>
-          <a:lstStyle/>
-          <a:p>
-            <a:r>
-              <a:rPr lang="nl-BE">
-                <a:solidFill>
-                  <a:schemeClr val="tx1"/>
-                </a:solidFill>
-              </a:rPr>
-              <a:t>Geomajas-api</a:t>
-            </a:r>
-          </a:p>
-        </p:txBody>
-      </p:sp>
-      <p:sp>
-        <p:nvSpPr>
-          <p:cNvPr id="50" name="Afgeronde rechthoek 49"/>
+          <p:cNvPr id="55" name="Afgeronde rechthoek 54"/>
           <p:cNvSpPr/>
           <p:nvPr/>
         </p:nvSpPr>
         <p:spPr bwMode="auto">
           <a:xfrm>
-            <a:off x="2000257" y="4643439"/>
+            <a:off x="5857882" y="3643317"/>
             <a:ext cx="1428750" cy="1143000"/>
           </a:xfrm>
           <a:prstGeom prst="roundRect">
@@ -12820,7 +12835,15 @@
                   <a:schemeClr val="tx1"/>
                 </a:solidFill>
               </a:rPr>
-              <a:t>security</a:t>
+              <a:t>c</a:t>
+            </a:r>
+            <a:r>
+              <a:rPr lang="nl-BE" dirty="0" err="1" smtClean="0">
+                <a:solidFill>
+                  <a:schemeClr val="tx1"/>
+                </a:solidFill>
+              </a:rPr>
+              <a:t>ommon-servlet</a:t>
             </a:r>
             <a:endParaRPr lang="nl-BE" dirty="0" smtClean="0">
               <a:solidFill>
@@ -12839,254 +12862,6 @@
                 </a:solidFill>
               </a:rPr>
               <a:t>…</a:t>
-            </a:r>
-            <a:endParaRPr lang="nl-BE" dirty="0">
-              <a:solidFill>
-                <a:schemeClr val="tx1"/>
-              </a:solidFill>
-            </a:endParaRPr>
-          </a:p>
-        </p:txBody>
-      </p:sp>
-      <p:sp>
-        <p:nvSpPr>
-          <p:cNvPr id="52" name="Afgeronde rechthoek 51"/>
-          <p:cNvSpPr/>
-          <p:nvPr/>
-        </p:nvSpPr>
-        <p:spPr bwMode="auto">
-          <a:xfrm>
-            <a:off x="5857882" y="1785939"/>
-            <a:ext cx="1428750" cy="1143000"/>
-          </a:xfrm>
-          <a:prstGeom prst="roundRect">
-            <a:avLst/>
-          </a:prstGeom>
-          <a:ln>
-            <a:headEnd type="none" w="med" len="med"/>
-            <a:tailEnd type="none" w="med" len="med"/>
-          </a:ln>
-        </p:spPr>
-        <p:style>
-          <a:lnRef idx="1">
-            <a:schemeClr val="accent2"/>
-          </a:lnRef>
-          <a:fillRef idx="2">
-            <a:schemeClr val="accent2"/>
-          </a:fillRef>
-          <a:effectRef idx="1">
-            <a:schemeClr val="accent2"/>
-          </a:effectRef>
-          <a:fontRef idx="minor">
-            <a:schemeClr val="dk1"/>
-          </a:fontRef>
-        </p:style>
-        <p:txBody>
-          <a:bodyPr/>
-          <a:lstStyle/>
-          <a:p>
-            <a:pPr>
-              <a:defRPr/>
-            </a:pPr>
-            <a:r>
-              <a:rPr lang="nl-BE" dirty="0" err="1" smtClean="0">
-                <a:solidFill>
-                  <a:schemeClr val="tx1"/>
-                </a:solidFill>
-              </a:rPr>
-              <a:t>command</a:t>
-            </a:r>
-            <a:endParaRPr lang="nl-BE" dirty="0" smtClean="0">
-              <a:solidFill>
-                <a:schemeClr val="tx1"/>
-              </a:solidFill>
-            </a:endParaRPr>
-          </a:p>
-          <a:p>
-            <a:pPr>
-              <a:defRPr/>
-            </a:pPr>
-            <a:r>
-              <a:rPr lang="nl-BE" dirty="0" smtClean="0">
-                <a:solidFill>
-                  <a:schemeClr val="tx1"/>
-                </a:solidFill>
-              </a:rPr>
-              <a:t>…</a:t>
-            </a:r>
-            <a:endParaRPr lang="nl-BE" dirty="0">
-              <a:solidFill>
-                <a:schemeClr val="tx1"/>
-              </a:solidFill>
-            </a:endParaRPr>
-          </a:p>
-        </p:txBody>
-      </p:sp>
-      <p:sp>
-        <p:nvSpPr>
-          <p:cNvPr id="55" name="Afgeronde rechthoek 54"/>
-          <p:cNvSpPr/>
-          <p:nvPr/>
-        </p:nvSpPr>
-        <p:spPr bwMode="auto">
-          <a:xfrm>
-            <a:off x="5857882" y="3214689"/>
-            <a:ext cx="1428750" cy="1143000"/>
-          </a:xfrm>
-          <a:prstGeom prst="roundRect">
-            <a:avLst/>
-          </a:prstGeom>
-          <a:ln>
-            <a:headEnd type="none" w="med" len="med"/>
-            <a:tailEnd type="none" w="med" len="med"/>
-          </a:ln>
-        </p:spPr>
-        <p:style>
-          <a:lnRef idx="1">
-            <a:schemeClr val="accent2"/>
-          </a:lnRef>
-          <a:fillRef idx="2">
-            <a:schemeClr val="accent2"/>
-          </a:fillRef>
-          <a:effectRef idx="1">
-            <a:schemeClr val="accent2"/>
-          </a:effectRef>
-          <a:fontRef idx="minor">
-            <a:schemeClr val="dk1"/>
-          </a:fontRef>
-        </p:style>
-        <p:txBody>
-          <a:bodyPr/>
-          <a:lstStyle/>
-          <a:p>
-            <a:pPr>
-              <a:defRPr/>
-            </a:pPr>
-            <a:r>
-              <a:rPr lang="nl-BE" dirty="0" err="1" smtClean="0">
-                <a:solidFill>
-                  <a:schemeClr val="tx1"/>
-                </a:solidFill>
-              </a:rPr>
-              <a:t>rendering</a:t>
-            </a:r>
-            <a:endParaRPr lang="nl-BE" dirty="0" smtClean="0">
-              <a:solidFill>
-                <a:schemeClr val="tx1"/>
-              </a:solidFill>
-            </a:endParaRPr>
-          </a:p>
-          <a:p>
-            <a:pPr>
-              <a:defRPr/>
-            </a:pPr>
-            <a:r>
-              <a:rPr lang="nl-BE" dirty="0" err="1" smtClean="0">
-                <a:solidFill>
-                  <a:schemeClr val="tx1"/>
-                </a:solidFill>
-              </a:rPr>
-              <a:t>strategy</a:t>
-            </a:r>
-            <a:endParaRPr lang="nl-BE" dirty="0" smtClean="0">
-              <a:solidFill>
-                <a:schemeClr val="tx1"/>
-              </a:solidFill>
-            </a:endParaRPr>
-          </a:p>
-          <a:p>
-            <a:pPr>
-              <a:defRPr/>
-            </a:pPr>
-            <a:r>
-              <a:rPr lang="nl-BE" dirty="0" smtClean="0">
-                <a:solidFill>
-                  <a:schemeClr val="tx1"/>
-                </a:solidFill>
-              </a:rPr>
-              <a:t>…</a:t>
-            </a:r>
-            <a:endParaRPr lang="nl-BE" dirty="0">
-              <a:solidFill>
-                <a:schemeClr val="tx1"/>
-              </a:solidFill>
-            </a:endParaRPr>
-          </a:p>
-        </p:txBody>
-      </p:sp>
-      <p:sp>
-        <p:nvSpPr>
-          <p:cNvPr id="58" name="Afgeronde rechthoek 57"/>
-          <p:cNvSpPr/>
-          <p:nvPr/>
-        </p:nvSpPr>
-        <p:spPr bwMode="auto">
-          <a:xfrm>
-            <a:off x="5857882" y="4643439"/>
-            <a:ext cx="1428750" cy="1143000"/>
-          </a:xfrm>
-          <a:prstGeom prst="roundRect">
-            <a:avLst/>
-          </a:prstGeom>
-          <a:ln>
-            <a:headEnd type="none" w="med" len="med"/>
-            <a:tailEnd type="none" w="med" len="med"/>
-          </a:ln>
-        </p:spPr>
-        <p:style>
-          <a:lnRef idx="1">
-            <a:schemeClr val="accent2"/>
-          </a:lnRef>
-          <a:fillRef idx="2">
-            <a:schemeClr val="accent2"/>
-          </a:fillRef>
-          <a:effectRef idx="1">
-            <a:schemeClr val="accent2"/>
-          </a:effectRef>
-          <a:fontRef idx="minor">
-            <a:schemeClr val="dk1"/>
-          </a:fontRef>
-        </p:style>
-        <p:txBody>
-          <a:bodyPr/>
-          <a:lstStyle/>
-          <a:p>
-            <a:pPr>
-              <a:defRPr/>
-            </a:pPr>
-            <a:r>
-              <a:rPr lang="nl-BE" dirty="0" err="1" smtClean="0">
-                <a:solidFill>
-                  <a:schemeClr val="tx1"/>
-                </a:solidFill>
-              </a:rPr>
-              <a:t>caching</a:t>
-            </a:r>
-            <a:endParaRPr lang="nl-BE" dirty="0" smtClean="0">
-              <a:solidFill>
-                <a:schemeClr val="tx1"/>
-              </a:solidFill>
-            </a:endParaRPr>
-          </a:p>
-          <a:p>
-            <a:pPr>
-              <a:defRPr/>
-            </a:pPr>
-            <a:r>
-              <a:rPr lang="nl-BE" dirty="0" err="1" smtClean="0">
-                <a:solidFill>
-                  <a:schemeClr val="tx1"/>
-                </a:solidFill>
-              </a:rPr>
-              <a:t>strategy</a:t>
-            </a:r>
-            <a:r>
-              <a:rPr lang="nl-BE" dirty="0" smtClean="0">
-                <a:solidFill>
-                  <a:schemeClr val="tx1"/>
-                </a:solidFill>
-              </a:rPr>
-              <a:t> …</a:t>
             </a:r>
             <a:endParaRPr lang="nl-BE" dirty="0">
               <a:solidFill>

--- a/devuserguide/en-GB/images/architecture slides.pptx
+++ b/devuserguide/en-GB/images/architecture slides.pptx
@@ -5,7 +5,7 @@
     <p:sldMasterId id="2147483648" r:id="rId1"/>
   </p:sldMasterIdLst>
   <p:notesMasterIdLst>
-    <p:notesMasterId r:id="rId10"/>
+    <p:notesMasterId r:id="rId13"/>
   </p:notesMasterIdLst>
   <p:sldIdLst>
     <p:sldId id="257" r:id="rId2"/>
@@ -16,6 +16,9 @@
     <p:sldId id="264" r:id="rId7"/>
     <p:sldId id="265" r:id="rId8"/>
     <p:sldId id="266" r:id="rId9"/>
+    <p:sldId id="267" r:id="rId10"/>
+    <p:sldId id="268" r:id="rId11"/>
+    <p:sldId id="269" r:id="rId12"/>
   </p:sldIdLst>
   <p:sldSz cx="9144000" cy="6858000" type="screen4x3"/>
   <p:notesSz cx="6858000" cy="9144000"/>
@@ -554,6 +557,196 @@
 </p:notes>
 </file>
 
+<file path=ppt/notesSlides/notesSlide10.xml><?xml version="1.0" encoding="utf-8"?>
+<p:notes xmlns:a="http://schemas.openxmlformats.org/drawingml/2006/main" xmlns:r="http://schemas.openxmlformats.org/officeDocument/2006/relationships" xmlns:p="http://schemas.openxmlformats.org/presentationml/2006/main">
+  <p:cSld>
+    <p:bg>
+      <p:bgPr>
+        <a:solidFill>
+          <a:srgbClr val="FFFFFF"/>
+        </a:solidFill>
+        <a:effectLst/>
+      </p:bgPr>
+    </p:bg>
+    <p:spTree>
+      <p:nvGrpSpPr>
+        <p:cNvPr id="1" name=""/>
+        <p:cNvGrpSpPr/>
+        <p:nvPr/>
+      </p:nvGrpSpPr>
+      <p:grpSpPr>
+        <a:xfrm>
+          <a:off x="0" y="0"/>
+          <a:ext cx="0" cy="0"/>
+          <a:chOff x="0" y="0"/>
+          <a:chExt cx="0" cy="0"/>
+        </a:xfrm>
+      </p:grpSpPr>
+      <p:sp>
+        <p:nvSpPr>
+          <p:cNvPr id="14338" name="Text Box 1"/>
+          <p:cNvSpPr txBox="1">
+            <a:spLocks noChangeArrowheads="1"/>
+          </p:cNvSpPr>
+          <p:nvPr/>
+        </p:nvSpPr>
+        <p:spPr bwMode="auto">
+          <a:xfrm>
+            <a:off x="2143125" y="695325"/>
+            <a:ext cx="2571750" cy="3429000"/>
+          </a:xfrm>
+          <a:prstGeom prst="rect">
+            <a:avLst/>
+          </a:prstGeom>
+          <a:solidFill>
+            <a:srgbClr val="FFFFFF"/>
+          </a:solidFill>
+          <a:ln w="9525">
+            <a:solidFill>
+              <a:srgbClr val="000000"/>
+            </a:solidFill>
+            <a:miter lim="800000"/>
+            <a:headEnd/>
+            <a:tailEnd/>
+          </a:ln>
+        </p:spPr>
+        <p:txBody>
+          <a:bodyPr wrap="none" anchor="ctr"/>
+          <a:lstStyle/>
+          <a:p>
+            <a:endParaRPr lang="nl-BE"/>
+          </a:p>
+        </p:txBody>
+      </p:sp>
+      <p:sp>
+        <p:nvSpPr>
+          <p:cNvPr id="14339" name="Rectangle 2"/>
+          <p:cNvSpPr>
+            <a:spLocks noGrp="1" noChangeArrowheads="1"/>
+          </p:cNvSpPr>
+          <p:nvPr>
+            <p:ph type="body"/>
+          </p:nvPr>
+        </p:nvSpPr>
+        <p:spPr>
+          <a:xfrm>
+            <a:off x="685800" y="4343400"/>
+            <a:ext cx="5484813" cy="4114800"/>
+          </a:xfrm>
+          <a:noFill/>
+          <a:ln/>
+        </p:spPr>
+        <p:txBody>
+          <a:bodyPr wrap="none" anchor="ctr"/>
+          <a:lstStyle/>
+          <a:p>
+            <a:endParaRPr lang="nl-BE" smtClean="0"/>
+          </a:p>
+        </p:txBody>
+      </p:sp>
+    </p:spTree>
+  </p:cSld>
+  <p:clrMapOvr>
+    <a:masterClrMapping/>
+  </p:clrMapOvr>
+</p:notes>
+</file>
+
+<file path=ppt/notesSlides/notesSlide11.xml><?xml version="1.0" encoding="utf-8"?>
+<p:notes xmlns:a="http://schemas.openxmlformats.org/drawingml/2006/main" xmlns:r="http://schemas.openxmlformats.org/officeDocument/2006/relationships" xmlns:p="http://schemas.openxmlformats.org/presentationml/2006/main">
+  <p:cSld>
+    <p:bg>
+      <p:bgPr>
+        <a:solidFill>
+          <a:srgbClr val="FFFFFF"/>
+        </a:solidFill>
+        <a:effectLst/>
+      </p:bgPr>
+    </p:bg>
+    <p:spTree>
+      <p:nvGrpSpPr>
+        <p:cNvPr id="1" name=""/>
+        <p:cNvGrpSpPr/>
+        <p:nvPr/>
+      </p:nvGrpSpPr>
+      <p:grpSpPr>
+        <a:xfrm>
+          <a:off x="0" y="0"/>
+          <a:ext cx="0" cy="0"/>
+          <a:chOff x="0" y="0"/>
+          <a:chExt cx="0" cy="0"/>
+        </a:xfrm>
+      </p:grpSpPr>
+      <p:sp>
+        <p:nvSpPr>
+          <p:cNvPr id="14338" name="Text Box 1"/>
+          <p:cNvSpPr txBox="1">
+            <a:spLocks noChangeArrowheads="1"/>
+          </p:cNvSpPr>
+          <p:nvPr/>
+        </p:nvSpPr>
+        <p:spPr bwMode="auto">
+          <a:xfrm>
+            <a:off x="2143125" y="695325"/>
+            <a:ext cx="2571750" cy="3429000"/>
+          </a:xfrm>
+          <a:prstGeom prst="rect">
+            <a:avLst/>
+          </a:prstGeom>
+          <a:solidFill>
+            <a:srgbClr val="FFFFFF"/>
+          </a:solidFill>
+          <a:ln w="9525">
+            <a:solidFill>
+              <a:srgbClr val="000000"/>
+            </a:solidFill>
+            <a:miter lim="800000"/>
+            <a:headEnd/>
+            <a:tailEnd/>
+          </a:ln>
+        </p:spPr>
+        <p:txBody>
+          <a:bodyPr wrap="none" anchor="ctr"/>
+          <a:lstStyle/>
+          <a:p>
+            <a:endParaRPr lang="nl-BE"/>
+          </a:p>
+        </p:txBody>
+      </p:sp>
+      <p:sp>
+        <p:nvSpPr>
+          <p:cNvPr id="14339" name="Rectangle 2"/>
+          <p:cNvSpPr>
+            <a:spLocks noGrp="1" noChangeArrowheads="1"/>
+          </p:cNvSpPr>
+          <p:nvPr>
+            <p:ph type="body"/>
+          </p:nvPr>
+        </p:nvSpPr>
+        <p:spPr>
+          <a:xfrm>
+            <a:off x="685800" y="4343400"/>
+            <a:ext cx="5484813" cy="4114800"/>
+          </a:xfrm>
+          <a:noFill/>
+          <a:ln/>
+        </p:spPr>
+        <p:txBody>
+          <a:bodyPr wrap="none" anchor="ctr"/>
+          <a:lstStyle/>
+          <a:p>
+            <a:endParaRPr lang="nl-BE" smtClean="0"/>
+          </a:p>
+        </p:txBody>
+      </p:sp>
+    </p:spTree>
+  </p:cSld>
+  <p:clrMapOvr>
+    <a:masterClrMapping/>
+  </p:clrMapOvr>
+</p:notes>
+</file>
+
 <file path=ppt/notesSlides/notesSlide2.xml><?xml version="1.0" encoding="utf-8"?>
 <p:notes xmlns:a="http://schemas.openxmlformats.org/drawingml/2006/main" xmlns:r="http://schemas.openxmlformats.org/officeDocument/2006/relationships" xmlns:p="http://schemas.openxmlformats.org/presentationml/2006/main">
   <p:cSld>
@@ -1188,6 +1381,101 @@
       <p:sp>
         <p:nvSpPr>
           <p:cNvPr id="16387" name="Rectangle 2"/>
+          <p:cNvSpPr>
+            <a:spLocks noGrp="1" noChangeArrowheads="1"/>
+          </p:cNvSpPr>
+          <p:nvPr>
+            <p:ph type="body"/>
+          </p:nvPr>
+        </p:nvSpPr>
+        <p:spPr>
+          <a:xfrm>
+            <a:off x="685800" y="4343400"/>
+            <a:ext cx="5484813" cy="4114800"/>
+          </a:xfrm>
+          <a:noFill/>
+          <a:ln/>
+        </p:spPr>
+        <p:txBody>
+          <a:bodyPr wrap="none" anchor="ctr"/>
+          <a:lstStyle/>
+          <a:p>
+            <a:endParaRPr lang="nl-BE" smtClean="0"/>
+          </a:p>
+        </p:txBody>
+      </p:sp>
+    </p:spTree>
+  </p:cSld>
+  <p:clrMapOvr>
+    <a:masterClrMapping/>
+  </p:clrMapOvr>
+</p:notes>
+</file>
+
+<file path=ppt/notesSlides/notesSlide9.xml><?xml version="1.0" encoding="utf-8"?>
+<p:notes xmlns:a="http://schemas.openxmlformats.org/drawingml/2006/main" xmlns:r="http://schemas.openxmlformats.org/officeDocument/2006/relationships" xmlns:p="http://schemas.openxmlformats.org/presentationml/2006/main">
+  <p:cSld>
+    <p:bg>
+      <p:bgPr>
+        <a:solidFill>
+          <a:srgbClr val="FFFFFF"/>
+        </a:solidFill>
+        <a:effectLst/>
+      </p:bgPr>
+    </p:bg>
+    <p:spTree>
+      <p:nvGrpSpPr>
+        <p:cNvPr id="1" name=""/>
+        <p:cNvGrpSpPr/>
+        <p:nvPr/>
+      </p:nvGrpSpPr>
+      <p:grpSpPr>
+        <a:xfrm>
+          <a:off x="0" y="0"/>
+          <a:ext cx="0" cy="0"/>
+          <a:chOff x="0" y="0"/>
+          <a:chExt cx="0" cy="0"/>
+        </a:xfrm>
+      </p:grpSpPr>
+      <p:sp>
+        <p:nvSpPr>
+          <p:cNvPr id="14338" name="Text Box 1"/>
+          <p:cNvSpPr txBox="1">
+            <a:spLocks noChangeArrowheads="1"/>
+          </p:cNvSpPr>
+          <p:nvPr/>
+        </p:nvSpPr>
+        <p:spPr bwMode="auto">
+          <a:xfrm>
+            <a:off x="2143125" y="695325"/>
+            <a:ext cx="2571750" cy="3429000"/>
+          </a:xfrm>
+          <a:prstGeom prst="rect">
+            <a:avLst/>
+          </a:prstGeom>
+          <a:solidFill>
+            <a:srgbClr val="FFFFFF"/>
+          </a:solidFill>
+          <a:ln w="9525">
+            <a:solidFill>
+              <a:srgbClr val="000000"/>
+            </a:solidFill>
+            <a:miter lim="800000"/>
+            <a:headEnd/>
+            <a:tailEnd/>
+          </a:ln>
+        </p:spPr>
+        <p:txBody>
+          <a:bodyPr wrap="none" anchor="ctr"/>
+          <a:lstStyle/>
+          <a:p>
+            <a:endParaRPr lang="nl-BE"/>
+          </a:p>
+        </p:txBody>
+      </p:sp>
+      <p:sp>
+        <p:nvSpPr>
+          <p:cNvPr id="14339" name="Rectangle 2"/>
           <p:cNvSpPr>
             <a:spLocks noGrp="1" noChangeArrowheads="1"/>
           </p:cNvSpPr>
@@ -4939,6 +5227,3468 @@
 </p:sld>
 </file>
 
+<file path=ppt/slides/slide10.xml><?xml version="1.0" encoding="utf-8"?>
+<p:sld xmlns:a="http://schemas.openxmlformats.org/drawingml/2006/main" xmlns:r="http://schemas.openxmlformats.org/officeDocument/2006/relationships" xmlns:p="http://schemas.openxmlformats.org/presentationml/2006/main">
+  <p:cSld>
+    <p:spTree>
+      <p:nvGrpSpPr>
+        <p:cNvPr id="1" name=""/>
+        <p:cNvGrpSpPr/>
+        <p:nvPr/>
+      </p:nvGrpSpPr>
+      <p:grpSpPr>
+        <a:xfrm>
+          <a:off x="0" y="0"/>
+          <a:ext cx="0" cy="0"/>
+          <a:chOff x="0" y="0"/>
+          <a:chExt cx="0" cy="0"/>
+        </a:xfrm>
+      </p:grpSpPr>
+      <p:pic>
+        <p:nvPicPr>
+          <p:cNvPr id="6146" name="Picture 27"/>
+          <p:cNvPicPr>
+            <a:picLocks noChangeAspect="1" noChangeArrowheads="1"/>
+          </p:cNvPicPr>
+          <p:nvPr/>
+        </p:nvPicPr>
+        <p:blipFill>
+          <a:blip r:embed="rId3"/>
+          <a:srcRect/>
+          <a:stretch>
+            <a:fillRect/>
+          </a:stretch>
+        </p:blipFill>
+        <p:spPr bwMode="auto">
+          <a:xfrm>
+            <a:off x="285750" y="285750"/>
+            <a:ext cx="1981200" cy="508000"/>
+          </a:xfrm>
+          <a:prstGeom prst="rect">
+            <a:avLst/>
+          </a:prstGeom>
+          <a:noFill/>
+          <a:ln w="9525">
+            <a:noFill/>
+            <a:round/>
+            <a:headEnd/>
+            <a:tailEnd/>
+          </a:ln>
+        </p:spPr>
+      </p:pic>
+      <p:sp>
+        <p:nvSpPr>
+          <p:cNvPr id="33" name="Afgeronde rechthoek 32"/>
+          <p:cNvSpPr/>
+          <p:nvPr/>
+        </p:nvSpPr>
+        <p:spPr bwMode="auto">
+          <a:xfrm>
+            <a:off x="857224" y="3357562"/>
+            <a:ext cx="7500990" cy="1714512"/>
+          </a:xfrm>
+          <a:prstGeom prst="roundRect">
+            <a:avLst/>
+          </a:prstGeom>
+          <a:ln>
+            <a:headEnd type="none" w="med" len="med"/>
+            <a:tailEnd type="none" w="med" len="med"/>
+          </a:ln>
+        </p:spPr>
+        <p:style>
+          <a:lnRef idx="2">
+            <a:schemeClr val="accent2"/>
+          </a:lnRef>
+          <a:fillRef idx="1">
+            <a:schemeClr val="lt1"/>
+          </a:fillRef>
+          <a:effectRef idx="0">
+            <a:schemeClr val="accent2"/>
+          </a:effectRef>
+          <a:fontRef idx="minor">
+            <a:schemeClr val="dk1"/>
+          </a:fontRef>
+        </p:style>
+        <p:txBody>
+          <a:bodyPr/>
+          <a:lstStyle/>
+          <a:p>
+            <a:pPr>
+              <a:defRPr/>
+            </a:pPr>
+            <a:endParaRPr lang="nl-BE">
+              <a:solidFill>
+                <a:schemeClr val="bg1"/>
+              </a:solidFill>
+            </a:endParaRPr>
+          </a:p>
+        </p:txBody>
+      </p:sp>
+      <p:sp>
+        <p:nvSpPr>
+          <p:cNvPr id="6151" name="Tekstvak 33"/>
+          <p:cNvSpPr txBox="1">
+            <a:spLocks noChangeArrowheads="1"/>
+          </p:cNvSpPr>
+          <p:nvPr/>
+        </p:nvSpPr>
+        <p:spPr bwMode="auto">
+          <a:xfrm>
+            <a:off x="928662" y="3429000"/>
+            <a:ext cx="2813655" cy="369332"/>
+          </a:xfrm>
+          <a:prstGeom prst="rect">
+            <a:avLst/>
+          </a:prstGeom>
+          <a:noFill/>
+          <a:ln w="9525">
+            <a:noFill/>
+            <a:miter lim="800000"/>
+            <a:headEnd/>
+            <a:tailEnd/>
+          </a:ln>
+        </p:spPr>
+        <p:txBody>
+          <a:bodyPr wrap="none">
+            <a:spAutoFit/>
+          </a:bodyPr>
+          <a:lstStyle/>
+          <a:p>
+            <a:r>
+              <a:rPr lang="nl-BE" dirty="0" err="1" smtClean="0">
+                <a:solidFill>
+                  <a:schemeClr val="tx1"/>
+                </a:solidFill>
+              </a:rPr>
+              <a:t>Spatial</a:t>
+            </a:r>
+            <a:r>
+              <a:rPr lang="nl-BE" dirty="0" smtClean="0">
+                <a:solidFill>
+                  <a:schemeClr val="tx1"/>
+                </a:solidFill>
+              </a:rPr>
+              <a:t> </a:t>
+            </a:r>
+            <a:r>
+              <a:rPr lang="nl-BE" dirty="0" err="1" smtClean="0">
+                <a:solidFill>
+                  <a:schemeClr val="tx1"/>
+                </a:solidFill>
+              </a:rPr>
+              <a:t>Application</a:t>
+            </a:r>
+            <a:r>
+              <a:rPr lang="nl-BE" dirty="0" smtClean="0">
+                <a:solidFill>
+                  <a:schemeClr val="tx1"/>
+                </a:solidFill>
+              </a:rPr>
+              <a:t> Server</a:t>
+            </a:r>
+            <a:endParaRPr lang="nl-BE" dirty="0">
+              <a:solidFill>
+                <a:schemeClr val="tx1"/>
+              </a:solidFill>
+            </a:endParaRPr>
+          </a:p>
+        </p:txBody>
+      </p:sp>
+      <p:sp>
+        <p:nvSpPr>
+          <p:cNvPr id="37" name="Afgeronde rechthoek 36"/>
+          <p:cNvSpPr/>
+          <p:nvPr/>
+        </p:nvSpPr>
+        <p:spPr bwMode="auto">
+          <a:xfrm>
+            <a:off x="5214942" y="3857628"/>
+            <a:ext cx="1928826" cy="1000132"/>
+          </a:xfrm>
+          <a:prstGeom prst="roundRect">
+            <a:avLst/>
+          </a:prstGeom>
+          <a:ln>
+            <a:headEnd type="none" w="med" len="med"/>
+            <a:tailEnd type="none" w="med" len="med"/>
+          </a:ln>
+        </p:spPr>
+        <p:style>
+          <a:lnRef idx="1">
+            <a:schemeClr val="accent2"/>
+          </a:lnRef>
+          <a:fillRef idx="2">
+            <a:schemeClr val="accent2"/>
+          </a:fillRef>
+          <a:effectRef idx="1">
+            <a:schemeClr val="accent2"/>
+          </a:effectRef>
+          <a:fontRef idx="minor">
+            <a:schemeClr val="dk1"/>
+          </a:fontRef>
+        </p:style>
+        <p:txBody>
+          <a:bodyPr/>
+          <a:lstStyle/>
+          <a:p>
+            <a:pPr>
+              <a:defRPr/>
+            </a:pPr>
+            <a:r>
+              <a:rPr lang="nl-BE" dirty="0" err="1" smtClean="0">
+                <a:solidFill>
+                  <a:schemeClr val="tx1"/>
+                </a:solidFill>
+              </a:rPr>
+              <a:t>Geomajas</a:t>
+            </a:r>
+            <a:r>
+              <a:rPr lang="nl-BE" dirty="0" smtClean="0">
+                <a:solidFill>
+                  <a:schemeClr val="tx1"/>
+                </a:solidFill>
+              </a:rPr>
+              <a:t> GIS</a:t>
+            </a:r>
+            <a:endParaRPr lang="nl-BE" dirty="0">
+              <a:solidFill>
+                <a:schemeClr val="tx1"/>
+              </a:solidFill>
+            </a:endParaRPr>
+          </a:p>
+        </p:txBody>
+      </p:sp>
+      <p:sp>
+        <p:nvSpPr>
+          <p:cNvPr id="96" name="Afgeronde rechthoek 95"/>
+          <p:cNvSpPr/>
+          <p:nvPr/>
+        </p:nvSpPr>
+        <p:spPr bwMode="auto">
+          <a:xfrm>
+            <a:off x="2000232" y="3857628"/>
+            <a:ext cx="1928826" cy="1000119"/>
+          </a:xfrm>
+          <a:prstGeom prst="roundRect">
+            <a:avLst/>
+          </a:prstGeom>
+          <a:ln>
+            <a:headEnd type="none" w="med" len="med"/>
+            <a:tailEnd type="none" w="med" len="med"/>
+          </a:ln>
+        </p:spPr>
+        <p:style>
+          <a:lnRef idx="1">
+            <a:schemeClr val="accent1"/>
+          </a:lnRef>
+          <a:fillRef idx="2">
+            <a:schemeClr val="accent1"/>
+          </a:fillRef>
+          <a:effectRef idx="1">
+            <a:schemeClr val="accent1"/>
+          </a:effectRef>
+          <a:fontRef idx="minor">
+            <a:schemeClr val="dk1"/>
+          </a:fontRef>
+        </p:style>
+        <p:txBody>
+          <a:bodyPr/>
+          <a:lstStyle/>
+          <a:p>
+            <a:pPr>
+              <a:defRPr/>
+            </a:pPr>
+            <a:r>
+              <a:rPr lang="nl-BE" dirty="0" smtClean="0">
+                <a:solidFill>
+                  <a:schemeClr val="tx1"/>
+                </a:solidFill>
+              </a:rPr>
+              <a:t>ERP</a:t>
+            </a:r>
+            <a:endParaRPr lang="nl-BE" dirty="0">
+              <a:solidFill>
+                <a:schemeClr val="tx1"/>
+              </a:solidFill>
+            </a:endParaRPr>
+          </a:p>
+        </p:txBody>
+      </p:sp>
+      <p:cxnSp>
+        <p:nvCxnSpPr>
+          <p:cNvPr id="103" name="Rechte verbindingslijn met pijl 69"/>
+          <p:cNvCxnSpPr>
+            <a:cxnSpLocks noChangeShapeType="1"/>
+            <a:stCxn id="47" idx="2"/>
+            <a:endCxn id="96" idx="2"/>
+          </p:cNvCxnSpPr>
+          <p:nvPr/>
+        </p:nvCxnSpPr>
+        <p:spPr bwMode="auto">
+          <a:xfrm rot="10800000">
+            <a:off x="2964646" y="4857747"/>
+            <a:ext cx="1321603" cy="1250178"/>
+          </a:xfrm>
+          <a:prstGeom prst="straightConnector1">
+            <a:avLst/>
+          </a:prstGeom>
+          <a:noFill/>
+          <a:ln w="25400" algn="ctr">
+            <a:solidFill>
+              <a:schemeClr val="tx1"/>
+            </a:solidFill>
+            <a:round/>
+            <a:headEnd type="stealth" w="med" len="med"/>
+            <a:tailEnd type="stealth" w="med" len="med"/>
+          </a:ln>
+        </p:spPr>
+      </p:cxnSp>
+      <p:pic>
+        <p:nvPicPr>
+          <p:cNvPr id="45" name="Afbeelding 44" descr="mashup.png"/>
+          <p:cNvPicPr>
+            <a:picLocks noChangeAspect="1"/>
+          </p:cNvPicPr>
+          <p:nvPr/>
+        </p:nvPicPr>
+        <p:blipFill>
+          <a:blip r:embed="rId4"/>
+          <a:stretch>
+            <a:fillRect/>
+          </a:stretch>
+        </p:blipFill>
+        <p:spPr>
+          <a:xfrm>
+            <a:off x="2357422" y="928670"/>
+            <a:ext cx="4572000" cy="2009203"/>
+          </a:xfrm>
+          <a:prstGeom prst="rect">
+            <a:avLst/>
+          </a:prstGeom>
+        </p:spPr>
+      </p:pic>
+      <p:sp>
+        <p:nvSpPr>
+          <p:cNvPr id="47" name="Cilinder 46"/>
+          <p:cNvSpPr/>
+          <p:nvPr/>
+        </p:nvSpPr>
+        <p:spPr bwMode="auto">
+          <a:xfrm>
+            <a:off x="4286248" y="5572140"/>
+            <a:ext cx="857256" cy="1071570"/>
+          </a:xfrm>
+          <a:prstGeom prst="can">
+            <a:avLst/>
+          </a:prstGeom>
+          <a:ln>
+            <a:headEnd type="none" w="med" len="med"/>
+            <a:tailEnd type="none" w="med" len="med"/>
+          </a:ln>
+        </p:spPr>
+        <p:style>
+          <a:lnRef idx="1">
+            <a:schemeClr val="dk1"/>
+          </a:lnRef>
+          <a:fillRef idx="2">
+            <a:schemeClr val="dk1"/>
+          </a:fillRef>
+          <a:effectRef idx="1">
+            <a:schemeClr val="dk1"/>
+          </a:effectRef>
+          <a:fontRef idx="minor">
+            <a:schemeClr val="dk1"/>
+          </a:fontRef>
+        </p:style>
+        <p:txBody>
+          <a:bodyPr vert="horz" wrap="square" lIns="91440" tIns="45720" rIns="91440" bIns="45720" numCol="1" rtlCol="0" anchor="t" anchorCtr="0" compatLnSpc="1">
+            <a:prstTxWarp prst="textNoShape">
+              <a:avLst/>
+            </a:prstTxWarp>
+          </a:bodyPr>
+          <a:lstStyle/>
+          <a:p>
+            <a:pPr marL="0" marR="0" indent="0" algn="l" defTabSz="457200" rtl="0" eaLnBrk="1" fontAlgn="base" latinLnBrk="0" hangingPunct="1">
+              <a:lnSpc>
+                <a:spcPct val="100000"/>
+              </a:lnSpc>
+              <a:spcBef>
+                <a:spcPct val="0"/>
+              </a:spcBef>
+              <a:spcAft>
+                <a:spcPct val="0"/>
+              </a:spcAft>
+              <a:buClr>
+                <a:srgbClr val="000000"/>
+              </a:buClr>
+              <a:buSzPct val="100000"/>
+              <a:buFont typeface="Times New Roman" pitchFamily="16" charset="0"/>
+              <a:buNone/>
+              <a:tabLst/>
+            </a:pPr>
+            <a:r>
+              <a:rPr kumimoji="0" lang="nl-BE" sz="1800" b="1" i="0" u="none" strike="noStrike" cap="all" normalizeH="0" baseline="0" dirty="0" smtClean="0">
+                <a:ln w="9000" cmpd="sng">
+                  <a:solidFill>
+                    <a:schemeClr val="accent4">
+                      <a:shade val="50000"/>
+                      <a:satMod val="120000"/>
+                    </a:schemeClr>
+                  </a:solidFill>
+                  <a:prstDash val="solid"/>
+                </a:ln>
+                <a:gradFill>
+                  <a:gsLst>
+                    <a:gs pos="0">
+                      <a:schemeClr val="accent4">
+                        <a:shade val="20000"/>
+                        <a:satMod val="245000"/>
+                      </a:schemeClr>
+                    </a:gs>
+                    <a:gs pos="43000">
+                      <a:schemeClr val="accent4">
+                        <a:satMod val="255000"/>
+                      </a:schemeClr>
+                    </a:gs>
+                    <a:gs pos="48000">
+                      <a:schemeClr val="accent4">
+                        <a:shade val="85000"/>
+                        <a:satMod val="255000"/>
+                      </a:schemeClr>
+                    </a:gs>
+                    <a:gs pos="100000">
+                      <a:schemeClr val="accent4">
+                        <a:shade val="20000"/>
+                        <a:satMod val="245000"/>
+                      </a:schemeClr>
+                    </a:gs>
+                  </a:gsLst>
+                  <a:lin ang="5400000"/>
+                </a:gradFill>
+                <a:effectLst>
+                  <a:reflection blurRad="12700" stA="28000" endPos="45000" dist="1000" dir="5400000" sy="-100000" algn="bl" rotWithShape="0"/>
+                </a:effectLst>
+                <a:latin typeface="Arial" charset="0"/>
+              </a:rPr>
+              <a:t>data</a:t>
+            </a:r>
+            <a:endParaRPr kumimoji="0" lang="nl-BE" sz="1800" b="1" i="0" u="none" strike="noStrike" cap="all" normalizeH="0" baseline="0" dirty="0" smtClean="0">
+              <a:ln w="9000" cmpd="sng">
+                <a:solidFill>
+                  <a:schemeClr val="accent4">
+                    <a:shade val="50000"/>
+                    <a:satMod val="120000"/>
+                  </a:schemeClr>
+                </a:solidFill>
+                <a:prstDash val="solid"/>
+              </a:ln>
+              <a:gradFill>
+                <a:gsLst>
+                  <a:gs pos="0">
+                    <a:schemeClr val="accent4">
+                      <a:shade val="20000"/>
+                      <a:satMod val="245000"/>
+                    </a:schemeClr>
+                  </a:gs>
+                  <a:gs pos="43000">
+                    <a:schemeClr val="accent4">
+                      <a:satMod val="255000"/>
+                    </a:schemeClr>
+                  </a:gs>
+                  <a:gs pos="48000">
+                    <a:schemeClr val="accent4">
+                      <a:shade val="85000"/>
+                      <a:satMod val="255000"/>
+                    </a:schemeClr>
+                  </a:gs>
+                  <a:gs pos="100000">
+                    <a:schemeClr val="accent4">
+                      <a:shade val="20000"/>
+                      <a:satMod val="245000"/>
+                    </a:schemeClr>
+                  </a:gs>
+                </a:gsLst>
+                <a:lin ang="5400000"/>
+              </a:gradFill>
+              <a:effectLst>
+                <a:reflection blurRad="12700" stA="28000" endPos="45000" dist="1000" dir="5400000" sy="-100000" algn="bl" rotWithShape="0"/>
+              </a:effectLst>
+              <a:latin typeface="Arial" charset="0"/>
+            </a:endParaRPr>
+          </a:p>
+        </p:txBody>
+      </p:sp>
+      <p:sp>
+        <p:nvSpPr>
+          <p:cNvPr id="48" name="Ovaal 47"/>
+          <p:cNvSpPr/>
+          <p:nvPr/>
+        </p:nvSpPr>
+        <p:spPr bwMode="auto">
+          <a:xfrm>
+            <a:off x="2571736" y="1428736"/>
+            <a:ext cx="2000264" cy="1643074"/>
+          </a:xfrm>
+          <a:prstGeom prst="ellipse">
+            <a:avLst/>
+          </a:prstGeom>
+          <a:noFill/>
+          <a:ln>
+            <a:headEnd type="none" w="med" len="med"/>
+            <a:tailEnd type="none" w="med" len="med"/>
+          </a:ln>
+        </p:spPr>
+        <p:style>
+          <a:lnRef idx="2">
+            <a:schemeClr val="accent1"/>
+          </a:lnRef>
+          <a:fillRef idx="1">
+            <a:schemeClr val="lt1"/>
+          </a:fillRef>
+          <a:effectRef idx="0">
+            <a:schemeClr val="accent1"/>
+          </a:effectRef>
+          <a:fontRef idx="minor">
+            <a:schemeClr val="dk1"/>
+          </a:fontRef>
+        </p:style>
+        <p:txBody>
+          <a:bodyPr vert="horz" wrap="square" lIns="91440" tIns="45720" rIns="91440" bIns="45720" numCol="1" rtlCol="0" anchor="t" anchorCtr="0" compatLnSpc="1">
+            <a:prstTxWarp prst="textNoShape">
+              <a:avLst/>
+            </a:prstTxWarp>
+          </a:bodyPr>
+          <a:lstStyle/>
+          <a:p>
+            <a:pPr marL="0" marR="0" indent="0" algn="l" defTabSz="457200" rtl="0" eaLnBrk="1" fontAlgn="base" latinLnBrk="0" hangingPunct="1">
+              <a:lnSpc>
+                <a:spcPct val="100000"/>
+              </a:lnSpc>
+              <a:spcBef>
+                <a:spcPct val="0"/>
+              </a:spcBef>
+              <a:spcAft>
+                <a:spcPct val="0"/>
+              </a:spcAft>
+              <a:buClr>
+                <a:srgbClr val="000000"/>
+              </a:buClr>
+              <a:buSzPct val="100000"/>
+              <a:buFont typeface="Times New Roman" pitchFamily="16" charset="0"/>
+              <a:buNone/>
+              <a:tabLst/>
+            </a:pPr>
+            <a:endParaRPr kumimoji="0" lang="nl-BE" sz="1800" b="0" i="0" u="none" strike="noStrike" cap="none" normalizeH="0" baseline="0" smtClean="0">
+              <a:ln>
+                <a:noFill/>
+              </a:ln>
+              <a:solidFill>
+                <a:schemeClr val="bg1"/>
+              </a:solidFill>
+              <a:effectLst/>
+              <a:latin typeface="Arial" charset="0"/>
+            </a:endParaRPr>
+          </a:p>
+        </p:txBody>
+      </p:sp>
+      <p:sp>
+        <p:nvSpPr>
+          <p:cNvPr id="49" name="Ovaal 48"/>
+          <p:cNvSpPr/>
+          <p:nvPr/>
+        </p:nvSpPr>
+        <p:spPr bwMode="auto">
+          <a:xfrm>
+            <a:off x="4786314" y="1428736"/>
+            <a:ext cx="2000264" cy="1643074"/>
+          </a:xfrm>
+          <a:prstGeom prst="ellipse">
+            <a:avLst/>
+          </a:prstGeom>
+          <a:noFill/>
+          <a:ln>
+            <a:headEnd type="none" w="med" len="med"/>
+            <a:tailEnd type="none" w="med" len="med"/>
+          </a:ln>
+        </p:spPr>
+        <p:style>
+          <a:lnRef idx="2">
+            <a:schemeClr val="accent2"/>
+          </a:lnRef>
+          <a:fillRef idx="1">
+            <a:schemeClr val="lt1"/>
+          </a:fillRef>
+          <a:effectRef idx="0">
+            <a:schemeClr val="accent2"/>
+          </a:effectRef>
+          <a:fontRef idx="minor">
+            <a:schemeClr val="dk1"/>
+          </a:fontRef>
+        </p:style>
+        <p:txBody>
+          <a:bodyPr vert="horz" wrap="square" lIns="91440" tIns="45720" rIns="91440" bIns="45720" numCol="1" rtlCol="0" anchor="t" anchorCtr="0" compatLnSpc="1">
+            <a:prstTxWarp prst="textNoShape">
+              <a:avLst/>
+            </a:prstTxWarp>
+          </a:bodyPr>
+          <a:lstStyle/>
+          <a:p>
+            <a:pPr marL="0" marR="0" indent="0" algn="l" defTabSz="457200" rtl="0" eaLnBrk="1" fontAlgn="base" latinLnBrk="0" hangingPunct="1">
+              <a:lnSpc>
+                <a:spcPct val="100000"/>
+              </a:lnSpc>
+              <a:spcBef>
+                <a:spcPct val="0"/>
+              </a:spcBef>
+              <a:spcAft>
+                <a:spcPct val="0"/>
+              </a:spcAft>
+              <a:buClr>
+                <a:srgbClr val="000000"/>
+              </a:buClr>
+              <a:buSzPct val="100000"/>
+              <a:buFont typeface="Times New Roman" pitchFamily="16" charset="0"/>
+              <a:buNone/>
+              <a:tabLst/>
+            </a:pPr>
+            <a:endParaRPr kumimoji="0" lang="nl-BE" sz="1800" b="0" i="0" u="none" strike="noStrike" cap="none" normalizeH="0" baseline="0" smtClean="0">
+              <a:ln>
+                <a:noFill/>
+              </a:ln>
+              <a:solidFill>
+                <a:schemeClr val="bg1"/>
+              </a:solidFill>
+              <a:effectLst/>
+              <a:latin typeface="Arial" charset="0"/>
+            </a:endParaRPr>
+          </a:p>
+        </p:txBody>
+      </p:sp>
+      <p:cxnSp>
+        <p:nvCxnSpPr>
+          <p:cNvPr id="50" name="Rechte verbindingslijn met pijl 69"/>
+          <p:cNvCxnSpPr>
+            <a:cxnSpLocks noChangeShapeType="1"/>
+            <a:stCxn id="47" idx="4"/>
+            <a:endCxn id="37" idx="2"/>
+          </p:cNvCxnSpPr>
+          <p:nvPr/>
+        </p:nvCxnSpPr>
+        <p:spPr bwMode="auto">
+          <a:xfrm flipV="1">
+            <a:off x="5143504" y="4857760"/>
+            <a:ext cx="1035851" cy="1250165"/>
+          </a:xfrm>
+          <a:prstGeom prst="straightConnector1">
+            <a:avLst/>
+          </a:prstGeom>
+          <a:noFill/>
+          <a:ln w="25400" algn="ctr">
+            <a:solidFill>
+              <a:schemeClr val="tx1"/>
+            </a:solidFill>
+            <a:round/>
+            <a:headEnd type="stealth" w="med" len="med"/>
+            <a:tailEnd type="stealth" w="med" len="med"/>
+          </a:ln>
+        </p:spPr>
+      </p:cxnSp>
+      <p:cxnSp>
+        <p:nvCxnSpPr>
+          <p:cNvPr id="51" name="Rechte verbindingslijn met pijl 69"/>
+          <p:cNvCxnSpPr>
+            <a:cxnSpLocks noChangeShapeType="1"/>
+            <a:stCxn id="96" idx="0"/>
+            <a:endCxn id="48" idx="4"/>
+          </p:cNvCxnSpPr>
+          <p:nvPr/>
+        </p:nvCxnSpPr>
+        <p:spPr bwMode="auto">
+          <a:xfrm rot="5400000" flipH="1" flipV="1">
+            <a:off x="2875347" y="3161108"/>
+            <a:ext cx="785818" cy="607223"/>
+          </a:xfrm>
+          <a:prstGeom prst="straightConnector1">
+            <a:avLst/>
+          </a:prstGeom>
+          <a:noFill/>
+          <a:ln w="25400" algn="ctr">
+            <a:solidFill>
+              <a:schemeClr val="tx1"/>
+            </a:solidFill>
+            <a:round/>
+            <a:headEnd type="stealth" w="med" len="med"/>
+            <a:tailEnd type="stealth" w="med" len="med"/>
+          </a:ln>
+        </p:spPr>
+      </p:cxnSp>
+      <p:cxnSp>
+        <p:nvCxnSpPr>
+          <p:cNvPr id="52" name="Rechte verbindingslijn met pijl 69"/>
+          <p:cNvCxnSpPr>
+            <a:cxnSpLocks noChangeShapeType="1"/>
+            <a:stCxn id="37" idx="0"/>
+            <a:endCxn id="49" idx="4"/>
+          </p:cNvCxnSpPr>
+          <p:nvPr/>
+        </p:nvCxnSpPr>
+        <p:spPr bwMode="auto">
+          <a:xfrm rot="16200000" flipV="1">
+            <a:off x="5589992" y="3268264"/>
+            <a:ext cx="785818" cy="392909"/>
+          </a:xfrm>
+          <a:prstGeom prst="straightConnector1">
+            <a:avLst/>
+          </a:prstGeom>
+          <a:noFill/>
+          <a:ln w="25400" algn="ctr">
+            <a:solidFill>
+              <a:schemeClr val="tx1"/>
+            </a:solidFill>
+            <a:round/>
+            <a:headEnd type="stealth" w="med" len="med"/>
+            <a:tailEnd type="stealth" w="med" len="med"/>
+          </a:ln>
+        </p:spPr>
+      </p:cxnSp>
+      <p:cxnSp>
+        <p:nvCxnSpPr>
+          <p:cNvPr id="61" name="Rechte verbindingslijn met pijl 69"/>
+          <p:cNvCxnSpPr>
+            <a:cxnSpLocks noChangeShapeType="1"/>
+            <a:stCxn id="37" idx="1"/>
+            <a:endCxn id="96" idx="3"/>
+          </p:cNvCxnSpPr>
+          <p:nvPr/>
+        </p:nvCxnSpPr>
+        <p:spPr bwMode="auto">
+          <a:xfrm rot="10800000">
+            <a:off x="3929058" y="4357688"/>
+            <a:ext cx="1285884" cy="6"/>
+          </a:xfrm>
+          <a:prstGeom prst="straightConnector1">
+            <a:avLst/>
+          </a:prstGeom>
+          <a:noFill/>
+          <a:ln w="25400" algn="ctr">
+            <a:solidFill>
+              <a:schemeClr val="tx1"/>
+            </a:solidFill>
+            <a:prstDash val="sysDot"/>
+            <a:round/>
+            <a:headEnd type="stealth" w="med" len="med"/>
+            <a:tailEnd type="stealth" w="med" len="med"/>
+          </a:ln>
+        </p:spPr>
+      </p:cxnSp>
+      <p:sp>
+        <p:nvSpPr>
+          <p:cNvPr id="64" name="Tekstvak 33"/>
+          <p:cNvSpPr txBox="1">
+            <a:spLocks noChangeArrowheads="1"/>
+          </p:cNvSpPr>
+          <p:nvPr/>
+        </p:nvSpPr>
+        <p:spPr bwMode="auto">
+          <a:xfrm>
+            <a:off x="3929058" y="3929066"/>
+            <a:ext cx="1313180" cy="784830"/>
+          </a:xfrm>
+          <a:prstGeom prst="rect">
+            <a:avLst/>
+          </a:prstGeom>
+          <a:noFill/>
+          <a:ln w="9525">
+            <a:noFill/>
+            <a:miter lim="800000"/>
+            <a:headEnd/>
+            <a:tailEnd/>
+          </a:ln>
+        </p:spPr>
+        <p:txBody>
+          <a:bodyPr wrap="none">
+            <a:spAutoFit/>
+          </a:bodyPr>
+          <a:lstStyle/>
+          <a:p>
+            <a:pPr algn="ctr">
+              <a:lnSpc>
+                <a:spcPct val="150000"/>
+              </a:lnSpc>
+            </a:pPr>
+            <a:r>
+              <a:rPr lang="nl-BE" dirty="0" err="1" smtClean="0">
+                <a:solidFill>
+                  <a:schemeClr val="tx1"/>
+                </a:solidFill>
+              </a:rPr>
+              <a:t>s</a:t>
+            </a:r>
+            <a:r>
+              <a:rPr lang="nl-BE" dirty="0" err="1" smtClean="0">
+                <a:solidFill>
+                  <a:schemeClr val="tx1"/>
+                </a:solidFill>
+              </a:rPr>
+              <a:t>hared</a:t>
+            </a:r>
+            <a:endParaRPr lang="nl-BE" dirty="0" smtClean="0">
+              <a:solidFill>
+                <a:schemeClr val="tx1"/>
+              </a:solidFill>
+            </a:endParaRPr>
+          </a:p>
+          <a:p>
+            <a:pPr algn="ctr"/>
+            <a:r>
+              <a:rPr lang="nl-BE" dirty="0" err="1" smtClean="0">
+                <a:solidFill>
+                  <a:schemeClr val="tx1"/>
+                </a:solidFill>
+              </a:rPr>
+              <a:t>transaction</a:t>
+            </a:r>
+            <a:endParaRPr lang="nl-BE" dirty="0">
+              <a:solidFill>
+                <a:schemeClr val="tx1"/>
+              </a:solidFill>
+            </a:endParaRPr>
+          </a:p>
+        </p:txBody>
+      </p:sp>
+    </p:spTree>
+  </p:cSld>
+  <p:clrMapOvr>
+    <a:masterClrMapping/>
+  </p:clrMapOvr>
+  <p:transition spd="med"/>
+  <p:timing>
+    <p:tnLst>
+      <p:par>
+        <p:cTn id="1" dur="indefinite" restart="never" nodeType="tmRoot">
+          <p:childTnLst>
+            <p:seq concurrent="1" nextAc="seek">
+              <p:cTn id="2" dur="indefinite" nodeType="mainSeq"/>
+              <p:prevCondLst>
+                <p:cond evt="onPrev" delay="0">
+                  <p:tgtEl>
+                    <p:sldTgt/>
+                  </p:tgtEl>
+                </p:cond>
+              </p:prevCondLst>
+              <p:nextCondLst>
+                <p:cond evt="onNext" delay="0">
+                  <p:tgtEl>
+                    <p:sldTgt/>
+                  </p:tgtEl>
+                </p:cond>
+              </p:nextCondLst>
+            </p:seq>
+          </p:childTnLst>
+        </p:cTn>
+      </p:par>
+    </p:tnLst>
+  </p:timing>
+</p:sld>
+</file>
+
+<file path=ppt/slides/slide11.xml><?xml version="1.0" encoding="utf-8"?>
+<p:sld xmlns:a="http://schemas.openxmlformats.org/drawingml/2006/main" xmlns:r="http://schemas.openxmlformats.org/officeDocument/2006/relationships" xmlns:p="http://schemas.openxmlformats.org/presentationml/2006/main">
+  <p:cSld>
+    <p:spTree>
+      <p:nvGrpSpPr>
+        <p:cNvPr id="1" name=""/>
+        <p:cNvGrpSpPr/>
+        <p:nvPr/>
+      </p:nvGrpSpPr>
+      <p:grpSpPr>
+        <a:xfrm>
+          <a:off x="0" y="0"/>
+          <a:ext cx="0" cy="0"/>
+          <a:chOff x="0" y="0"/>
+          <a:chExt cx="0" cy="0"/>
+        </a:xfrm>
+      </p:grpSpPr>
+      <p:pic>
+        <p:nvPicPr>
+          <p:cNvPr id="6146" name="Picture 27"/>
+          <p:cNvPicPr>
+            <a:picLocks noChangeAspect="1" noChangeArrowheads="1"/>
+          </p:cNvPicPr>
+          <p:nvPr/>
+        </p:nvPicPr>
+        <p:blipFill>
+          <a:blip r:embed="rId3"/>
+          <a:srcRect/>
+          <a:stretch>
+            <a:fillRect/>
+          </a:stretch>
+        </p:blipFill>
+        <p:spPr bwMode="auto">
+          <a:xfrm>
+            <a:off x="285750" y="285750"/>
+            <a:ext cx="1981200" cy="508000"/>
+          </a:xfrm>
+          <a:prstGeom prst="rect">
+            <a:avLst/>
+          </a:prstGeom>
+          <a:noFill/>
+          <a:ln w="9525">
+            <a:noFill/>
+            <a:round/>
+            <a:headEnd/>
+            <a:tailEnd/>
+          </a:ln>
+        </p:spPr>
+      </p:pic>
+      <p:sp>
+        <p:nvSpPr>
+          <p:cNvPr id="33" name="Afgeronde rechthoek 32"/>
+          <p:cNvSpPr/>
+          <p:nvPr/>
+        </p:nvSpPr>
+        <p:spPr bwMode="auto">
+          <a:xfrm>
+            <a:off x="553613" y="1571612"/>
+            <a:ext cx="8036775" cy="3214710"/>
+          </a:xfrm>
+          <a:prstGeom prst="roundRect">
+            <a:avLst/>
+          </a:prstGeom>
+          <a:ln w="127000" cmpd="dbl">
+            <a:gradFill>
+              <a:gsLst>
+                <a:gs pos="0">
+                  <a:srgbClr val="3399FF"/>
+                </a:gs>
+                <a:gs pos="16000">
+                  <a:srgbClr val="00CCCC"/>
+                </a:gs>
+                <a:gs pos="47000">
+                  <a:srgbClr val="9999FF"/>
+                </a:gs>
+                <a:gs pos="60001">
+                  <a:srgbClr val="2E6792"/>
+                </a:gs>
+                <a:gs pos="71001">
+                  <a:srgbClr val="3333CC"/>
+                </a:gs>
+                <a:gs pos="81000">
+                  <a:srgbClr val="1170FF"/>
+                </a:gs>
+                <a:gs pos="100000">
+                  <a:srgbClr val="006699"/>
+                </a:gs>
+              </a:gsLst>
+              <a:lin ang="5400000" scaled="0"/>
+            </a:gradFill>
+            <a:headEnd type="none" w="med" len="med"/>
+            <a:tailEnd type="none" w="med" len="med"/>
+          </a:ln>
+        </p:spPr>
+        <p:style>
+          <a:lnRef idx="2">
+            <a:schemeClr val="accent2"/>
+          </a:lnRef>
+          <a:fillRef idx="1">
+            <a:schemeClr val="lt1"/>
+          </a:fillRef>
+          <a:effectRef idx="0">
+            <a:schemeClr val="accent2"/>
+          </a:effectRef>
+          <a:fontRef idx="minor">
+            <a:schemeClr val="dk1"/>
+          </a:fontRef>
+        </p:style>
+        <p:txBody>
+          <a:bodyPr/>
+          <a:lstStyle/>
+          <a:p>
+            <a:pPr>
+              <a:defRPr/>
+            </a:pPr>
+            <a:endParaRPr lang="nl-BE">
+              <a:solidFill>
+                <a:schemeClr val="bg1"/>
+              </a:solidFill>
+            </a:endParaRPr>
+          </a:p>
+        </p:txBody>
+      </p:sp>
+      <p:sp>
+        <p:nvSpPr>
+          <p:cNvPr id="6151" name="Tekstvak 33"/>
+          <p:cNvSpPr txBox="1">
+            <a:spLocks noChangeArrowheads="1"/>
+          </p:cNvSpPr>
+          <p:nvPr/>
+        </p:nvSpPr>
+        <p:spPr bwMode="auto">
+          <a:xfrm>
+            <a:off x="642910" y="1643050"/>
+            <a:ext cx="1043876" cy="646331"/>
+          </a:xfrm>
+          <a:prstGeom prst="rect">
+            <a:avLst/>
+          </a:prstGeom>
+          <a:noFill/>
+          <a:ln w="9525">
+            <a:noFill/>
+            <a:miter lim="800000"/>
+            <a:headEnd/>
+            <a:tailEnd/>
+          </a:ln>
+        </p:spPr>
+        <p:txBody>
+          <a:bodyPr wrap="none">
+            <a:spAutoFit/>
+          </a:bodyPr>
+          <a:lstStyle/>
+          <a:p>
+            <a:pPr algn="ctr"/>
+            <a:r>
+              <a:rPr lang="nl-BE" dirty="0" err="1" smtClean="0">
+                <a:solidFill>
+                  <a:schemeClr val="tx1"/>
+                </a:solidFill>
+              </a:rPr>
+              <a:t>Secured</a:t>
+            </a:r>
+            <a:endParaRPr lang="nl-BE" dirty="0" smtClean="0">
+              <a:solidFill>
+                <a:schemeClr val="tx1"/>
+              </a:solidFill>
+            </a:endParaRPr>
+          </a:p>
+          <a:p>
+            <a:pPr algn="ctr"/>
+            <a:r>
+              <a:rPr lang="nl-BE" dirty="0" smtClean="0">
+                <a:solidFill>
+                  <a:schemeClr val="tx1"/>
+                </a:solidFill>
+              </a:rPr>
+              <a:t>zone</a:t>
+            </a:r>
+            <a:endParaRPr lang="nl-BE" dirty="0">
+              <a:solidFill>
+                <a:schemeClr val="tx1"/>
+              </a:solidFill>
+            </a:endParaRPr>
+          </a:p>
+        </p:txBody>
+      </p:sp>
+      <p:sp>
+        <p:nvSpPr>
+          <p:cNvPr id="37" name="Afgeronde rechthoek 36"/>
+          <p:cNvSpPr/>
+          <p:nvPr/>
+        </p:nvSpPr>
+        <p:spPr bwMode="auto">
+          <a:xfrm>
+            <a:off x="857224" y="3286124"/>
+            <a:ext cx="2357454" cy="500066"/>
+          </a:xfrm>
+          <a:prstGeom prst="roundRect">
+            <a:avLst/>
+          </a:prstGeom>
+          <a:ln>
+            <a:headEnd type="none" w="med" len="med"/>
+            <a:tailEnd type="none" w="med" len="med"/>
+          </a:ln>
+        </p:spPr>
+        <p:style>
+          <a:lnRef idx="1">
+            <a:schemeClr val="accent2"/>
+          </a:lnRef>
+          <a:fillRef idx="2">
+            <a:schemeClr val="accent2"/>
+          </a:fillRef>
+          <a:effectRef idx="1">
+            <a:schemeClr val="accent2"/>
+          </a:effectRef>
+          <a:fontRef idx="minor">
+            <a:schemeClr val="dk1"/>
+          </a:fontRef>
+        </p:style>
+        <p:txBody>
+          <a:bodyPr/>
+          <a:lstStyle/>
+          <a:p>
+            <a:pPr>
+              <a:defRPr/>
+            </a:pPr>
+            <a:r>
+              <a:rPr lang="nl-BE" dirty="0" smtClean="0">
+                <a:solidFill>
+                  <a:schemeClr val="tx1"/>
+                </a:solidFill>
+              </a:rPr>
+              <a:t>Raster </a:t>
+            </a:r>
+            <a:r>
+              <a:rPr lang="nl-BE" dirty="0" err="1" smtClean="0">
+                <a:solidFill>
+                  <a:schemeClr val="tx1"/>
+                </a:solidFill>
+              </a:rPr>
+              <a:t>layer</a:t>
+            </a:r>
+            <a:r>
+              <a:rPr lang="nl-BE" dirty="0" smtClean="0">
+                <a:solidFill>
+                  <a:schemeClr val="tx1"/>
+                </a:solidFill>
+              </a:rPr>
+              <a:t> service</a:t>
+            </a:r>
+            <a:endParaRPr lang="nl-BE" dirty="0">
+              <a:solidFill>
+                <a:schemeClr val="tx1"/>
+              </a:solidFill>
+            </a:endParaRPr>
+          </a:p>
+        </p:txBody>
+      </p:sp>
+      <p:sp>
+        <p:nvSpPr>
+          <p:cNvPr id="96" name="Afgeronde rechthoek 95"/>
+          <p:cNvSpPr/>
+          <p:nvPr/>
+        </p:nvSpPr>
+        <p:spPr bwMode="auto">
+          <a:xfrm>
+            <a:off x="5857884" y="3929066"/>
+            <a:ext cx="2357454" cy="500066"/>
+          </a:xfrm>
+          <a:prstGeom prst="roundRect">
+            <a:avLst/>
+          </a:prstGeom>
+          <a:ln>
+            <a:headEnd type="none" w="med" len="med"/>
+            <a:tailEnd type="none" w="med" len="med"/>
+          </a:ln>
+        </p:spPr>
+        <p:style>
+          <a:lnRef idx="1">
+            <a:schemeClr val="accent1"/>
+          </a:lnRef>
+          <a:fillRef idx="2">
+            <a:schemeClr val="accent1"/>
+          </a:fillRef>
+          <a:effectRef idx="1">
+            <a:schemeClr val="accent1"/>
+          </a:effectRef>
+          <a:fontRef idx="minor">
+            <a:schemeClr val="dk1"/>
+          </a:fontRef>
+        </p:style>
+        <p:txBody>
+          <a:bodyPr/>
+          <a:lstStyle/>
+          <a:p>
+            <a:pPr>
+              <a:defRPr/>
+            </a:pPr>
+            <a:r>
+              <a:rPr lang="nl-BE" dirty="0" err="1" smtClean="0">
+                <a:solidFill>
+                  <a:schemeClr val="tx1"/>
+                </a:solidFill>
+              </a:rPr>
+              <a:t>Custom</a:t>
+            </a:r>
+            <a:r>
+              <a:rPr lang="nl-BE" dirty="0" smtClean="0">
+                <a:solidFill>
+                  <a:schemeClr val="tx1"/>
+                </a:solidFill>
+              </a:rPr>
+              <a:t> service</a:t>
+            </a:r>
+            <a:endParaRPr lang="nl-BE" dirty="0">
+              <a:solidFill>
+                <a:schemeClr val="tx1"/>
+              </a:solidFill>
+            </a:endParaRPr>
+          </a:p>
+        </p:txBody>
+      </p:sp>
+      <p:cxnSp>
+        <p:nvCxnSpPr>
+          <p:cNvPr id="103" name="Rechte verbindingslijn met pijl 69"/>
+          <p:cNvCxnSpPr>
+            <a:cxnSpLocks noChangeShapeType="1"/>
+            <a:stCxn id="47" idx="1"/>
+          </p:cNvCxnSpPr>
+          <p:nvPr/>
+        </p:nvCxnSpPr>
+        <p:spPr bwMode="auto">
+          <a:xfrm rot="5400000" flipH="1" flipV="1">
+            <a:off x="3946918" y="5661437"/>
+            <a:ext cx="785818" cy="464349"/>
+          </a:xfrm>
+          <a:prstGeom prst="straightConnector1">
+            <a:avLst/>
+          </a:prstGeom>
+          <a:noFill/>
+          <a:ln w="25400" algn="ctr">
+            <a:solidFill>
+              <a:schemeClr val="tx1"/>
+            </a:solidFill>
+            <a:round/>
+            <a:headEnd type="stealth" w="med" len="med"/>
+            <a:tailEnd type="stealth" w="med" len="med"/>
+          </a:ln>
+        </p:spPr>
+      </p:cxnSp>
+      <p:sp>
+        <p:nvSpPr>
+          <p:cNvPr id="47" name="Cilinder 46"/>
+          <p:cNvSpPr/>
+          <p:nvPr/>
+        </p:nvSpPr>
+        <p:spPr bwMode="auto">
+          <a:xfrm>
+            <a:off x="3714744" y="6286520"/>
+            <a:ext cx="785818" cy="428628"/>
+          </a:xfrm>
+          <a:prstGeom prst="can">
+            <a:avLst/>
+          </a:prstGeom>
+          <a:ln>
+            <a:headEnd type="none" w="med" len="med"/>
+            <a:tailEnd type="none" w="med" len="med"/>
+          </a:ln>
+        </p:spPr>
+        <p:style>
+          <a:lnRef idx="1">
+            <a:schemeClr val="dk1"/>
+          </a:lnRef>
+          <a:fillRef idx="2">
+            <a:schemeClr val="dk1"/>
+          </a:fillRef>
+          <a:effectRef idx="1">
+            <a:schemeClr val="dk1"/>
+          </a:effectRef>
+          <a:fontRef idx="minor">
+            <a:schemeClr val="dk1"/>
+          </a:fontRef>
+        </p:style>
+        <p:txBody>
+          <a:bodyPr vert="horz" wrap="square" lIns="91440" tIns="45720" rIns="91440" bIns="45720" numCol="1" rtlCol="0" anchor="t" anchorCtr="0" compatLnSpc="1">
+            <a:prstTxWarp prst="textNoShape">
+              <a:avLst/>
+            </a:prstTxWarp>
+          </a:bodyPr>
+          <a:lstStyle/>
+          <a:p>
+            <a:pPr marL="0" marR="0" indent="0" algn="l" defTabSz="457200" rtl="0" eaLnBrk="1" fontAlgn="base" latinLnBrk="0" hangingPunct="1">
+              <a:lnSpc>
+                <a:spcPct val="100000"/>
+              </a:lnSpc>
+              <a:spcBef>
+                <a:spcPct val="0"/>
+              </a:spcBef>
+              <a:spcAft>
+                <a:spcPct val="0"/>
+              </a:spcAft>
+              <a:buClr>
+                <a:srgbClr val="000000"/>
+              </a:buClr>
+              <a:buSzPct val="100000"/>
+              <a:buFont typeface="Times New Roman" pitchFamily="16" charset="0"/>
+              <a:buNone/>
+              <a:tabLst/>
+            </a:pPr>
+            <a:endParaRPr kumimoji="0" lang="nl-BE" sz="1800" b="1" i="0" u="none" strike="noStrike" cap="all" normalizeH="0" baseline="0" dirty="0" smtClean="0">
+              <a:ln w="9000" cmpd="sng">
+                <a:solidFill>
+                  <a:schemeClr val="accent4">
+                    <a:shade val="50000"/>
+                    <a:satMod val="120000"/>
+                  </a:schemeClr>
+                </a:solidFill>
+                <a:prstDash val="solid"/>
+              </a:ln>
+              <a:gradFill>
+                <a:gsLst>
+                  <a:gs pos="0">
+                    <a:schemeClr val="accent4">
+                      <a:shade val="20000"/>
+                      <a:satMod val="245000"/>
+                    </a:schemeClr>
+                  </a:gs>
+                  <a:gs pos="43000">
+                    <a:schemeClr val="accent4">
+                      <a:satMod val="255000"/>
+                    </a:schemeClr>
+                  </a:gs>
+                  <a:gs pos="48000">
+                    <a:schemeClr val="accent4">
+                      <a:shade val="85000"/>
+                      <a:satMod val="255000"/>
+                    </a:schemeClr>
+                  </a:gs>
+                  <a:gs pos="100000">
+                    <a:schemeClr val="accent4">
+                      <a:shade val="20000"/>
+                      <a:satMod val="245000"/>
+                    </a:schemeClr>
+                  </a:gs>
+                </a:gsLst>
+                <a:lin ang="5400000"/>
+              </a:gradFill>
+              <a:effectLst>
+                <a:reflection blurRad="12700" stA="28000" endPos="45000" dist="1000" dir="5400000" sy="-100000" algn="bl" rotWithShape="0"/>
+              </a:effectLst>
+              <a:latin typeface="Arial" charset="0"/>
+            </a:endParaRPr>
+          </a:p>
+        </p:txBody>
+      </p:sp>
+      <p:sp>
+        <p:nvSpPr>
+          <p:cNvPr id="17" name="Afgeronde rechthoek 16"/>
+          <p:cNvSpPr/>
+          <p:nvPr/>
+        </p:nvSpPr>
+        <p:spPr bwMode="auto">
+          <a:xfrm>
+            <a:off x="3607587" y="142852"/>
+            <a:ext cx="1928826" cy="500066"/>
+          </a:xfrm>
+          <a:prstGeom prst="roundRect">
+            <a:avLst/>
+          </a:prstGeom>
+          <a:ln>
+            <a:headEnd type="none" w="med" len="med"/>
+            <a:tailEnd type="none" w="med" len="med"/>
+          </a:ln>
+        </p:spPr>
+        <p:style>
+          <a:lnRef idx="1">
+            <a:schemeClr val="accent2"/>
+          </a:lnRef>
+          <a:fillRef idx="2">
+            <a:schemeClr val="accent2"/>
+          </a:fillRef>
+          <a:effectRef idx="1">
+            <a:schemeClr val="accent2"/>
+          </a:effectRef>
+          <a:fontRef idx="minor">
+            <a:schemeClr val="dk1"/>
+          </a:fontRef>
+        </p:style>
+        <p:txBody>
+          <a:bodyPr/>
+          <a:lstStyle/>
+          <a:p>
+            <a:pPr>
+              <a:defRPr/>
+            </a:pPr>
+            <a:r>
+              <a:rPr lang="nl-BE" dirty="0" err="1" smtClean="0">
+                <a:solidFill>
+                  <a:schemeClr val="tx1"/>
+                </a:solidFill>
+              </a:rPr>
+              <a:t>Client</a:t>
+            </a:r>
+            <a:r>
+              <a:rPr lang="nl-BE" dirty="0" smtClean="0">
+                <a:solidFill>
+                  <a:schemeClr val="tx1"/>
+                </a:solidFill>
+              </a:rPr>
+              <a:t> / </a:t>
+            </a:r>
+            <a:r>
+              <a:rPr lang="nl-BE" dirty="0" err="1" smtClean="0">
+                <a:solidFill>
+                  <a:schemeClr val="tx1"/>
+                </a:solidFill>
+              </a:rPr>
+              <a:t>faces</a:t>
+            </a:r>
+            <a:endParaRPr lang="nl-BE" dirty="0">
+              <a:solidFill>
+                <a:schemeClr val="tx1"/>
+              </a:solidFill>
+            </a:endParaRPr>
+          </a:p>
+        </p:txBody>
+      </p:sp>
+      <p:sp>
+        <p:nvSpPr>
+          <p:cNvPr id="18" name="Wolk 17"/>
+          <p:cNvSpPr/>
+          <p:nvPr/>
+        </p:nvSpPr>
+        <p:spPr bwMode="auto">
+          <a:xfrm>
+            <a:off x="1643042" y="785794"/>
+            <a:ext cx="5857916" cy="571504"/>
+          </a:xfrm>
+          <a:prstGeom prst="cloud">
+            <a:avLst/>
+          </a:prstGeom>
+          <a:solidFill>
+            <a:schemeClr val="bg1">
+              <a:lumMod val="85000"/>
+              <a:alpha val="50000"/>
+            </a:schemeClr>
+          </a:solidFill>
+          <a:ln w="9525" cap="flat" cmpd="sng" algn="ctr">
+            <a:solidFill>
+              <a:schemeClr val="tx1"/>
+            </a:solidFill>
+            <a:prstDash val="solid"/>
+            <a:round/>
+            <a:headEnd type="none" w="med" len="med"/>
+            <a:tailEnd type="none" w="med" len="med"/>
+          </a:ln>
+          <a:effectLst/>
+        </p:spPr>
+        <p:txBody>
+          <a:bodyPr vert="horz" wrap="square" lIns="91440" tIns="45720" rIns="91440" bIns="45720" numCol="1" rtlCol="0" anchor="t" anchorCtr="0" compatLnSpc="1">
+            <a:prstTxWarp prst="textNoShape">
+              <a:avLst/>
+            </a:prstTxWarp>
+          </a:bodyPr>
+          <a:lstStyle/>
+          <a:p>
+            <a:pPr marL="0" marR="0" indent="0" algn="l" defTabSz="457200" rtl="0" eaLnBrk="1" fontAlgn="base" latinLnBrk="0" hangingPunct="1">
+              <a:lnSpc>
+                <a:spcPct val="100000"/>
+              </a:lnSpc>
+              <a:spcBef>
+                <a:spcPct val="0"/>
+              </a:spcBef>
+              <a:spcAft>
+                <a:spcPct val="0"/>
+              </a:spcAft>
+              <a:buClr>
+                <a:srgbClr val="000000"/>
+              </a:buClr>
+              <a:buSzPct val="100000"/>
+              <a:buFont typeface="Times New Roman" pitchFamily="16" charset="0"/>
+              <a:buNone/>
+              <a:tabLst/>
+            </a:pPr>
+            <a:endParaRPr kumimoji="0" lang="nl-BE" sz="1800" b="0" i="0" u="none" strike="noStrike" cap="none" normalizeH="0" baseline="0" smtClean="0">
+              <a:ln>
+                <a:noFill/>
+              </a:ln>
+              <a:solidFill>
+                <a:schemeClr val="bg1"/>
+              </a:solidFill>
+              <a:effectLst/>
+              <a:latin typeface="Arial" charset="0"/>
+            </a:endParaRPr>
+          </a:p>
+        </p:txBody>
+      </p:sp>
+      <p:sp>
+        <p:nvSpPr>
+          <p:cNvPr id="21" name="Afgeronde rechthoek 20"/>
+          <p:cNvSpPr/>
+          <p:nvPr/>
+        </p:nvSpPr>
+        <p:spPr bwMode="auto">
+          <a:xfrm>
+            <a:off x="2857488" y="1714488"/>
+            <a:ext cx="3429024" cy="428628"/>
+          </a:xfrm>
+          <a:prstGeom prst="roundRect">
+            <a:avLst/>
+          </a:prstGeom>
+          <a:ln>
+            <a:headEnd type="none" w="med" len="med"/>
+            <a:tailEnd type="none" w="med" len="med"/>
+          </a:ln>
+        </p:spPr>
+        <p:style>
+          <a:lnRef idx="1">
+            <a:schemeClr val="accent2"/>
+          </a:lnRef>
+          <a:fillRef idx="2">
+            <a:schemeClr val="accent2"/>
+          </a:fillRef>
+          <a:effectRef idx="1">
+            <a:schemeClr val="accent2"/>
+          </a:effectRef>
+          <a:fontRef idx="minor">
+            <a:schemeClr val="dk1"/>
+          </a:fontRef>
+        </p:style>
+        <p:txBody>
+          <a:bodyPr/>
+          <a:lstStyle/>
+          <a:p>
+            <a:pPr>
+              <a:defRPr/>
+            </a:pPr>
+            <a:r>
+              <a:rPr lang="nl-BE" dirty="0" err="1" smtClean="0">
+                <a:solidFill>
+                  <a:schemeClr val="tx1"/>
+                </a:solidFill>
+              </a:rPr>
+              <a:t>Command</a:t>
+            </a:r>
+            <a:r>
+              <a:rPr lang="nl-BE" dirty="0" smtClean="0">
+                <a:solidFill>
+                  <a:schemeClr val="tx1"/>
+                </a:solidFill>
+              </a:rPr>
+              <a:t> </a:t>
+            </a:r>
+            <a:r>
+              <a:rPr lang="nl-BE" dirty="0" err="1" smtClean="0">
+                <a:solidFill>
+                  <a:schemeClr val="tx1"/>
+                </a:solidFill>
+              </a:rPr>
+              <a:t>dispatcher</a:t>
+            </a:r>
+            <a:endParaRPr lang="nl-BE" dirty="0">
+              <a:solidFill>
+                <a:schemeClr val="tx1"/>
+              </a:solidFill>
+            </a:endParaRPr>
+          </a:p>
+        </p:txBody>
+      </p:sp>
+      <p:sp>
+        <p:nvSpPr>
+          <p:cNvPr id="22" name="Afgeronde rechthoek 21"/>
+          <p:cNvSpPr/>
+          <p:nvPr/>
+        </p:nvSpPr>
+        <p:spPr bwMode="auto">
+          <a:xfrm>
+            <a:off x="1000100" y="2500306"/>
+            <a:ext cx="1357322" cy="428628"/>
+          </a:xfrm>
+          <a:prstGeom prst="roundRect">
+            <a:avLst/>
+          </a:prstGeom>
+          <a:ln>
+            <a:headEnd type="none" w="med" len="med"/>
+            <a:tailEnd type="none" w="med" len="med"/>
+          </a:ln>
+        </p:spPr>
+        <p:style>
+          <a:lnRef idx="1">
+            <a:schemeClr val="accent2"/>
+          </a:lnRef>
+          <a:fillRef idx="2">
+            <a:schemeClr val="accent2"/>
+          </a:fillRef>
+          <a:effectRef idx="1">
+            <a:schemeClr val="accent2"/>
+          </a:effectRef>
+          <a:fontRef idx="minor">
+            <a:schemeClr val="dk1"/>
+          </a:fontRef>
+        </p:style>
+        <p:txBody>
+          <a:bodyPr/>
+          <a:lstStyle/>
+          <a:p>
+            <a:pPr>
+              <a:defRPr/>
+            </a:pPr>
+            <a:r>
+              <a:rPr lang="nl-BE" dirty="0" err="1" smtClean="0">
+                <a:solidFill>
+                  <a:schemeClr val="tx1"/>
+                </a:solidFill>
+              </a:rPr>
+              <a:t>Command</a:t>
+            </a:r>
+            <a:endParaRPr lang="nl-BE" dirty="0">
+              <a:solidFill>
+                <a:schemeClr val="tx1"/>
+              </a:solidFill>
+            </a:endParaRPr>
+          </a:p>
+        </p:txBody>
+      </p:sp>
+      <p:sp>
+        <p:nvSpPr>
+          <p:cNvPr id="23" name="Afgeronde rechthoek 22"/>
+          <p:cNvSpPr/>
+          <p:nvPr/>
+        </p:nvSpPr>
+        <p:spPr bwMode="auto">
+          <a:xfrm>
+            <a:off x="2928926" y="2500306"/>
+            <a:ext cx="1357322" cy="428628"/>
+          </a:xfrm>
+          <a:prstGeom prst="roundRect">
+            <a:avLst/>
+          </a:prstGeom>
+          <a:ln>
+            <a:headEnd type="none" w="med" len="med"/>
+            <a:tailEnd type="none" w="med" len="med"/>
+          </a:ln>
+        </p:spPr>
+        <p:style>
+          <a:lnRef idx="1">
+            <a:schemeClr val="accent2"/>
+          </a:lnRef>
+          <a:fillRef idx="2">
+            <a:schemeClr val="accent2"/>
+          </a:fillRef>
+          <a:effectRef idx="1">
+            <a:schemeClr val="accent2"/>
+          </a:effectRef>
+          <a:fontRef idx="minor">
+            <a:schemeClr val="dk1"/>
+          </a:fontRef>
+        </p:style>
+        <p:txBody>
+          <a:bodyPr/>
+          <a:lstStyle/>
+          <a:p>
+            <a:pPr>
+              <a:defRPr/>
+            </a:pPr>
+            <a:r>
+              <a:rPr lang="nl-BE" dirty="0" err="1" smtClean="0">
+                <a:solidFill>
+                  <a:schemeClr val="tx1"/>
+                </a:solidFill>
+              </a:rPr>
+              <a:t>Command</a:t>
+            </a:r>
+            <a:endParaRPr lang="nl-BE" dirty="0">
+              <a:solidFill>
+                <a:schemeClr val="tx1"/>
+              </a:solidFill>
+            </a:endParaRPr>
+          </a:p>
+        </p:txBody>
+      </p:sp>
+      <p:sp>
+        <p:nvSpPr>
+          <p:cNvPr id="26" name="Afgeronde rechthoek 25"/>
+          <p:cNvSpPr/>
+          <p:nvPr/>
+        </p:nvSpPr>
+        <p:spPr bwMode="auto">
+          <a:xfrm>
+            <a:off x="4857752" y="2500306"/>
+            <a:ext cx="1357322" cy="428628"/>
+          </a:xfrm>
+          <a:prstGeom prst="roundRect">
+            <a:avLst/>
+          </a:prstGeom>
+          <a:ln>
+            <a:headEnd type="none" w="med" len="med"/>
+            <a:tailEnd type="none" w="med" len="med"/>
+          </a:ln>
+        </p:spPr>
+        <p:style>
+          <a:lnRef idx="1">
+            <a:schemeClr val="accent1"/>
+          </a:lnRef>
+          <a:fillRef idx="2">
+            <a:schemeClr val="accent1"/>
+          </a:fillRef>
+          <a:effectRef idx="1">
+            <a:schemeClr val="accent1"/>
+          </a:effectRef>
+          <a:fontRef idx="minor">
+            <a:schemeClr val="dk1"/>
+          </a:fontRef>
+        </p:style>
+        <p:txBody>
+          <a:bodyPr/>
+          <a:lstStyle/>
+          <a:p>
+            <a:pPr>
+              <a:defRPr/>
+            </a:pPr>
+            <a:r>
+              <a:rPr lang="nl-BE" dirty="0" err="1" smtClean="0">
+                <a:solidFill>
+                  <a:schemeClr val="tx1"/>
+                </a:solidFill>
+              </a:rPr>
+              <a:t>Command</a:t>
+            </a:r>
+            <a:endParaRPr lang="nl-BE" dirty="0">
+              <a:solidFill>
+                <a:schemeClr val="tx1"/>
+              </a:solidFill>
+            </a:endParaRPr>
+          </a:p>
+        </p:txBody>
+      </p:sp>
+      <p:sp>
+        <p:nvSpPr>
+          <p:cNvPr id="27" name="Afgeronde rechthoek 26"/>
+          <p:cNvSpPr/>
+          <p:nvPr/>
+        </p:nvSpPr>
+        <p:spPr bwMode="auto">
+          <a:xfrm>
+            <a:off x="6786578" y="2500306"/>
+            <a:ext cx="1357322" cy="428628"/>
+          </a:xfrm>
+          <a:prstGeom prst="roundRect">
+            <a:avLst/>
+          </a:prstGeom>
+          <a:ln>
+            <a:headEnd type="none" w="med" len="med"/>
+            <a:tailEnd type="none" w="med" len="med"/>
+          </a:ln>
+        </p:spPr>
+        <p:style>
+          <a:lnRef idx="1">
+            <a:schemeClr val="accent1"/>
+          </a:lnRef>
+          <a:fillRef idx="2">
+            <a:schemeClr val="accent1"/>
+          </a:fillRef>
+          <a:effectRef idx="1">
+            <a:schemeClr val="accent1"/>
+          </a:effectRef>
+          <a:fontRef idx="minor">
+            <a:schemeClr val="dk1"/>
+          </a:fontRef>
+        </p:style>
+        <p:txBody>
+          <a:bodyPr/>
+          <a:lstStyle/>
+          <a:p>
+            <a:pPr>
+              <a:defRPr/>
+            </a:pPr>
+            <a:r>
+              <a:rPr lang="nl-BE" dirty="0" err="1" smtClean="0">
+                <a:solidFill>
+                  <a:schemeClr val="tx1"/>
+                </a:solidFill>
+              </a:rPr>
+              <a:t>Command</a:t>
+            </a:r>
+            <a:endParaRPr lang="nl-BE" dirty="0">
+              <a:solidFill>
+                <a:schemeClr val="tx1"/>
+              </a:solidFill>
+            </a:endParaRPr>
+          </a:p>
+        </p:txBody>
+      </p:sp>
+      <p:cxnSp>
+        <p:nvCxnSpPr>
+          <p:cNvPr id="29" name="Rechte verbindingslijn 29"/>
+          <p:cNvCxnSpPr>
+            <a:cxnSpLocks noChangeShapeType="1"/>
+          </p:cNvCxnSpPr>
+          <p:nvPr/>
+        </p:nvCxnSpPr>
+        <p:spPr bwMode="auto">
+          <a:xfrm>
+            <a:off x="178563" y="2357430"/>
+            <a:ext cx="8786874" cy="1588"/>
+          </a:xfrm>
+          <a:prstGeom prst="line">
+            <a:avLst/>
+          </a:prstGeom>
+          <a:noFill/>
+          <a:ln w="38100" algn="ctr">
+            <a:solidFill>
+              <a:schemeClr val="tx1"/>
+            </a:solidFill>
+            <a:prstDash val="dash"/>
+            <a:round/>
+            <a:headEnd/>
+            <a:tailEnd/>
+          </a:ln>
+        </p:spPr>
+      </p:cxnSp>
+      <p:cxnSp>
+        <p:nvCxnSpPr>
+          <p:cNvPr id="32" name="Rechte verbindingslijn 29"/>
+          <p:cNvCxnSpPr>
+            <a:cxnSpLocks noChangeShapeType="1"/>
+          </p:cNvCxnSpPr>
+          <p:nvPr/>
+        </p:nvCxnSpPr>
+        <p:spPr bwMode="auto">
+          <a:xfrm>
+            <a:off x="178563" y="3143248"/>
+            <a:ext cx="8786874" cy="1588"/>
+          </a:xfrm>
+          <a:prstGeom prst="line">
+            <a:avLst/>
+          </a:prstGeom>
+          <a:noFill/>
+          <a:ln w="38100" algn="ctr">
+            <a:solidFill>
+              <a:schemeClr val="tx1"/>
+            </a:solidFill>
+            <a:prstDash val="dash"/>
+            <a:round/>
+            <a:headEnd/>
+            <a:tailEnd/>
+          </a:ln>
+        </p:spPr>
+      </p:cxnSp>
+      <p:cxnSp>
+        <p:nvCxnSpPr>
+          <p:cNvPr id="34" name="Rechte verbindingslijn met pijl 69"/>
+          <p:cNvCxnSpPr>
+            <a:cxnSpLocks noChangeShapeType="1"/>
+          </p:cNvCxnSpPr>
+          <p:nvPr/>
+        </p:nvCxnSpPr>
+        <p:spPr bwMode="auto">
+          <a:xfrm rot="5400000" flipH="1" flipV="1">
+            <a:off x="8572530" y="2357428"/>
+            <a:ext cx="428626" cy="2"/>
+          </a:xfrm>
+          <a:prstGeom prst="straightConnector1">
+            <a:avLst/>
+          </a:prstGeom>
+          <a:noFill/>
+          <a:ln w="25400" algn="ctr">
+            <a:solidFill>
+              <a:schemeClr val="tx1"/>
+            </a:solidFill>
+            <a:round/>
+            <a:headEnd type="stealth" w="med" len="med"/>
+            <a:tailEnd type="stealth" w="med" len="med"/>
+          </a:ln>
+        </p:spPr>
+      </p:cxnSp>
+      <p:cxnSp>
+        <p:nvCxnSpPr>
+          <p:cNvPr id="40" name="Rechte verbindingslijn met pijl 69"/>
+          <p:cNvCxnSpPr>
+            <a:cxnSpLocks noChangeShapeType="1"/>
+          </p:cNvCxnSpPr>
+          <p:nvPr/>
+        </p:nvCxnSpPr>
+        <p:spPr bwMode="auto">
+          <a:xfrm rot="5400000" flipH="1" flipV="1">
+            <a:off x="8572530" y="3143246"/>
+            <a:ext cx="428626" cy="2"/>
+          </a:xfrm>
+          <a:prstGeom prst="straightConnector1">
+            <a:avLst/>
+          </a:prstGeom>
+          <a:noFill/>
+          <a:ln w="25400" algn="ctr">
+            <a:solidFill>
+              <a:schemeClr val="tx1"/>
+            </a:solidFill>
+            <a:round/>
+            <a:headEnd type="stealth" w="med" len="med"/>
+            <a:tailEnd type="stealth" w="med" len="med"/>
+          </a:ln>
+        </p:spPr>
+      </p:cxnSp>
+      <p:cxnSp>
+        <p:nvCxnSpPr>
+          <p:cNvPr id="41" name="Rechte verbindingslijn met pijl 69"/>
+          <p:cNvCxnSpPr>
+            <a:cxnSpLocks noChangeShapeType="1"/>
+          </p:cNvCxnSpPr>
+          <p:nvPr/>
+        </p:nvCxnSpPr>
+        <p:spPr bwMode="auto">
+          <a:xfrm rot="5400000" flipH="1" flipV="1">
+            <a:off x="8572530" y="1071544"/>
+            <a:ext cx="428626" cy="2"/>
+          </a:xfrm>
+          <a:prstGeom prst="straightConnector1">
+            <a:avLst/>
+          </a:prstGeom>
+          <a:noFill/>
+          <a:ln w="25400" algn="ctr">
+            <a:solidFill>
+              <a:schemeClr val="tx1"/>
+            </a:solidFill>
+            <a:round/>
+            <a:headEnd type="stealth" w="med" len="med"/>
+            <a:tailEnd type="stealth" w="med" len="med"/>
+          </a:ln>
+        </p:spPr>
+      </p:cxnSp>
+      <p:cxnSp>
+        <p:nvCxnSpPr>
+          <p:cNvPr id="42" name="Rechte verbindingslijn 29"/>
+          <p:cNvCxnSpPr>
+            <a:cxnSpLocks noChangeShapeType="1"/>
+          </p:cNvCxnSpPr>
+          <p:nvPr/>
+        </p:nvCxnSpPr>
+        <p:spPr bwMode="auto">
+          <a:xfrm>
+            <a:off x="178563" y="1071546"/>
+            <a:ext cx="8786874" cy="1588"/>
+          </a:xfrm>
+          <a:prstGeom prst="line">
+            <a:avLst/>
+          </a:prstGeom>
+          <a:noFill/>
+          <a:ln w="38100" algn="ctr">
+            <a:solidFill>
+              <a:schemeClr val="tx1"/>
+            </a:solidFill>
+            <a:prstDash val="dash"/>
+            <a:round/>
+            <a:headEnd/>
+            <a:tailEnd/>
+          </a:ln>
+        </p:spPr>
+      </p:cxnSp>
+      <p:sp>
+        <p:nvSpPr>
+          <p:cNvPr id="43" name="Tekstvak 33"/>
+          <p:cNvSpPr txBox="1">
+            <a:spLocks noChangeArrowheads="1"/>
+          </p:cNvSpPr>
+          <p:nvPr/>
+        </p:nvSpPr>
+        <p:spPr bwMode="auto">
+          <a:xfrm>
+            <a:off x="571472" y="2857496"/>
+            <a:ext cx="1927130" cy="307777"/>
+          </a:xfrm>
+          <a:prstGeom prst="rect">
+            <a:avLst/>
+          </a:prstGeom>
+          <a:noFill/>
+          <a:ln w="9525">
+            <a:noFill/>
+            <a:miter lim="800000"/>
+            <a:headEnd/>
+            <a:tailEnd/>
+          </a:ln>
+        </p:spPr>
+        <p:txBody>
+          <a:bodyPr wrap="none">
+            <a:spAutoFit/>
+          </a:bodyPr>
+          <a:lstStyle/>
+          <a:p>
+            <a:pPr algn="ctr"/>
+            <a:r>
+              <a:rPr lang="nl-BE" sz="1400" dirty="0" err="1" smtClean="0">
+                <a:solidFill>
+                  <a:schemeClr val="tx1"/>
+                </a:solidFill>
+              </a:rPr>
+              <a:t>Action</a:t>
+            </a:r>
+            <a:r>
+              <a:rPr lang="nl-BE" sz="1400" dirty="0" smtClean="0">
+                <a:solidFill>
+                  <a:schemeClr val="tx1"/>
+                </a:solidFill>
+              </a:rPr>
+              <a:t> </a:t>
+            </a:r>
+            <a:r>
+              <a:rPr lang="nl-BE" sz="1400" dirty="0" err="1" smtClean="0">
+                <a:solidFill>
+                  <a:schemeClr val="tx1"/>
+                </a:solidFill>
+              </a:rPr>
+              <a:t>based</a:t>
+            </a:r>
+            <a:r>
+              <a:rPr lang="nl-BE" sz="1400" dirty="0" smtClean="0">
+                <a:solidFill>
+                  <a:schemeClr val="tx1"/>
+                </a:solidFill>
+              </a:rPr>
+              <a:t> services</a:t>
+            </a:r>
+            <a:endParaRPr lang="nl-BE" sz="1400" dirty="0">
+              <a:solidFill>
+                <a:schemeClr val="tx1"/>
+              </a:solidFill>
+            </a:endParaRPr>
+          </a:p>
+        </p:txBody>
+      </p:sp>
+      <p:sp>
+        <p:nvSpPr>
+          <p:cNvPr id="44" name="Tekstvak 33"/>
+          <p:cNvSpPr txBox="1">
+            <a:spLocks noChangeArrowheads="1"/>
+          </p:cNvSpPr>
+          <p:nvPr/>
+        </p:nvSpPr>
+        <p:spPr bwMode="auto">
+          <a:xfrm>
+            <a:off x="857224" y="4429132"/>
+            <a:ext cx="1846339" cy="307777"/>
+          </a:xfrm>
+          <a:prstGeom prst="rect">
+            <a:avLst/>
+          </a:prstGeom>
+          <a:noFill/>
+          <a:ln w="9525">
+            <a:noFill/>
+            <a:miter lim="800000"/>
+            <a:headEnd/>
+            <a:tailEnd/>
+          </a:ln>
+        </p:spPr>
+        <p:txBody>
+          <a:bodyPr wrap="none">
+            <a:spAutoFit/>
+          </a:bodyPr>
+          <a:lstStyle/>
+          <a:p>
+            <a:pPr algn="ctr"/>
+            <a:r>
+              <a:rPr lang="nl-BE" sz="1400" dirty="0" smtClean="0">
+                <a:solidFill>
+                  <a:schemeClr val="tx1"/>
+                </a:solidFill>
+              </a:rPr>
+              <a:t>Topic </a:t>
+            </a:r>
+            <a:r>
+              <a:rPr lang="nl-BE" sz="1400" dirty="0" err="1" smtClean="0">
+                <a:solidFill>
+                  <a:schemeClr val="tx1"/>
+                </a:solidFill>
+              </a:rPr>
+              <a:t>based</a:t>
+            </a:r>
+            <a:r>
+              <a:rPr lang="nl-BE" sz="1400" dirty="0" smtClean="0">
+                <a:solidFill>
+                  <a:schemeClr val="tx1"/>
+                </a:solidFill>
+              </a:rPr>
+              <a:t> services</a:t>
+            </a:r>
+            <a:endParaRPr lang="nl-BE" sz="1400" dirty="0">
+              <a:solidFill>
+                <a:schemeClr val="tx1"/>
+              </a:solidFill>
+            </a:endParaRPr>
+          </a:p>
+        </p:txBody>
+      </p:sp>
+      <p:sp>
+        <p:nvSpPr>
+          <p:cNvPr id="46" name="Afgeronde rechthoek 45"/>
+          <p:cNvSpPr/>
+          <p:nvPr/>
+        </p:nvSpPr>
+        <p:spPr bwMode="auto">
+          <a:xfrm>
+            <a:off x="4143372" y="5072074"/>
+            <a:ext cx="1571636" cy="428628"/>
+          </a:xfrm>
+          <a:prstGeom prst="roundRect">
+            <a:avLst/>
+          </a:prstGeom>
+          <a:ln>
+            <a:headEnd type="none" w="med" len="med"/>
+            <a:tailEnd type="none" w="med" len="med"/>
+          </a:ln>
+        </p:spPr>
+        <p:style>
+          <a:lnRef idx="1">
+            <a:schemeClr val="accent2"/>
+          </a:lnRef>
+          <a:fillRef idx="2">
+            <a:schemeClr val="accent2"/>
+          </a:fillRef>
+          <a:effectRef idx="1">
+            <a:schemeClr val="accent2"/>
+          </a:effectRef>
+          <a:fontRef idx="minor">
+            <a:schemeClr val="dk1"/>
+          </a:fontRef>
+        </p:style>
+        <p:txBody>
+          <a:bodyPr/>
+          <a:lstStyle/>
+          <a:p>
+            <a:pPr>
+              <a:defRPr/>
+            </a:pPr>
+            <a:r>
+              <a:rPr lang="nl-BE" dirty="0" smtClean="0">
+                <a:solidFill>
+                  <a:schemeClr val="tx1"/>
+                </a:solidFill>
+              </a:rPr>
+              <a:t>Raster </a:t>
+            </a:r>
+            <a:r>
+              <a:rPr lang="nl-BE" dirty="0" err="1" smtClean="0">
+                <a:solidFill>
+                  <a:schemeClr val="tx1"/>
+                </a:solidFill>
+              </a:rPr>
+              <a:t>Layer</a:t>
+            </a:r>
+            <a:endParaRPr lang="nl-BE" dirty="0">
+              <a:solidFill>
+                <a:schemeClr val="tx1"/>
+              </a:solidFill>
+            </a:endParaRPr>
+          </a:p>
+        </p:txBody>
+      </p:sp>
+      <p:sp>
+        <p:nvSpPr>
+          <p:cNvPr id="53" name="Afgeronde rechthoek 52"/>
+          <p:cNvSpPr/>
+          <p:nvPr/>
+        </p:nvSpPr>
+        <p:spPr bwMode="auto">
+          <a:xfrm>
+            <a:off x="6643702" y="5072074"/>
+            <a:ext cx="1571636" cy="428628"/>
+          </a:xfrm>
+          <a:prstGeom prst="roundRect">
+            <a:avLst/>
+          </a:prstGeom>
+          <a:ln>
+            <a:headEnd type="none" w="med" len="med"/>
+            <a:tailEnd type="none" w="med" len="med"/>
+          </a:ln>
+        </p:spPr>
+        <p:style>
+          <a:lnRef idx="1">
+            <a:schemeClr val="accent2"/>
+          </a:lnRef>
+          <a:fillRef idx="2">
+            <a:schemeClr val="accent2"/>
+          </a:fillRef>
+          <a:effectRef idx="1">
+            <a:schemeClr val="accent2"/>
+          </a:effectRef>
+          <a:fontRef idx="minor">
+            <a:schemeClr val="dk1"/>
+          </a:fontRef>
+        </p:style>
+        <p:txBody>
+          <a:bodyPr/>
+          <a:lstStyle/>
+          <a:p>
+            <a:pPr>
+              <a:defRPr/>
+            </a:pPr>
+            <a:r>
+              <a:rPr lang="nl-BE" dirty="0" smtClean="0">
+                <a:solidFill>
+                  <a:schemeClr val="tx1"/>
+                </a:solidFill>
+              </a:rPr>
+              <a:t>Vector </a:t>
+            </a:r>
+            <a:r>
+              <a:rPr lang="nl-BE" dirty="0" err="1" smtClean="0">
+                <a:solidFill>
+                  <a:schemeClr val="tx1"/>
+                </a:solidFill>
+              </a:rPr>
+              <a:t>Layer</a:t>
+            </a:r>
+            <a:endParaRPr lang="nl-BE" dirty="0">
+              <a:solidFill>
+                <a:schemeClr val="tx1"/>
+              </a:solidFill>
+            </a:endParaRPr>
+          </a:p>
+        </p:txBody>
+      </p:sp>
+      <p:sp>
+        <p:nvSpPr>
+          <p:cNvPr id="59" name="Afgeronde rechthoek 58"/>
+          <p:cNvSpPr/>
+          <p:nvPr/>
+        </p:nvSpPr>
+        <p:spPr bwMode="auto">
+          <a:xfrm>
+            <a:off x="857224" y="3929066"/>
+            <a:ext cx="2357454" cy="500066"/>
+          </a:xfrm>
+          <a:prstGeom prst="roundRect">
+            <a:avLst/>
+          </a:prstGeom>
+          <a:ln>
+            <a:headEnd type="none" w="med" len="med"/>
+            <a:tailEnd type="none" w="med" len="med"/>
+          </a:ln>
+        </p:spPr>
+        <p:style>
+          <a:lnRef idx="1">
+            <a:schemeClr val="accent2"/>
+          </a:lnRef>
+          <a:fillRef idx="2">
+            <a:schemeClr val="accent2"/>
+          </a:fillRef>
+          <a:effectRef idx="1">
+            <a:schemeClr val="accent2"/>
+          </a:effectRef>
+          <a:fontRef idx="minor">
+            <a:schemeClr val="dk1"/>
+          </a:fontRef>
+        </p:style>
+        <p:txBody>
+          <a:bodyPr/>
+          <a:lstStyle/>
+          <a:p>
+            <a:pPr>
+              <a:defRPr/>
+            </a:pPr>
+            <a:r>
+              <a:rPr lang="nl-BE" dirty="0" smtClean="0">
+                <a:solidFill>
+                  <a:schemeClr val="tx1"/>
+                </a:solidFill>
+              </a:rPr>
+              <a:t>Vector </a:t>
+            </a:r>
+            <a:r>
+              <a:rPr lang="nl-BE" dirty="0" err="1" smtClean="0">
+                <a:solidFill>
+                  <a:schemeClr val="tx1"/>
+                </a:solidFill>
+              </a:rPr>
+              <a:t>layer</a:t>
+            </a:r>
+            <a:r>
+              <a:rPr lang="nl-BE" dirty="0" smtClean="0">
+                <a:solidFill>
+                  <a:schemeClr val="tx1"/>
+                </a:solidFill>
+              </a:rPr>
+              <a:t> service</a:t>
+            </a:r>
+            <a:endParaRPr lang="nl-BE" dirty="0">
+              <a:solidFill>
+                <a:schemeClr val="tx1"/>
+              </a:solidFill>
+            </a:endParaRPr>
+          </a:p>
+        </p:txBody>
+      </p:sp>
+      <p:sp>
+        <p:nvSpPr>
+          <p:cNvPr id="60" name="Afgeronde rechthoek 59"/>
+          <p:cNvSpPr/>
+          <p:nvPr/>
+        </p:nvSpPr>
+        <p:spPr bwMode="auto">
+          <a:xfrm>
+            <a:off x="5857884" y="3286124"/>
+            <a:ext cx="2357454" cy="500066"/>
+          </a:xfrm>
+          <a:prstGeom prst="roundRect">
+            <a:avLst/>
+          </a:prstGeom>
+          <a:ln>
+            <a:headEnd type="none" w="med" len="med"/>
+            <a:tailEnd type="none" w="med" len="med"/>
+          </a:ln>
+        </p:spPr>
+        <p:style>
+          <a:lnRef idx="1">
+            <a:schemeClr val="accent1"/>
+          </a:lnRef>
+          <a:fillRef idx="2">
+            <a:schemeClr val="accent1"/>
+          </a:fillRef>
+          <a:effectRef idx="1">
+            <a:schemeClr val="accent1"/>
+          </a:effectRef>
+          <a:fontRef idx="minor">
+            <a:schemeClr val="dk1"/>
+          </a:fontRef>
+        </p:style>
+        <p:txBody>
+          <a:bodyPr/>
+          <a:lstStyle/>
+          <a:p>
+            <a:pPr>
+              <a:defRPr/>
+            </a:pPr>
+            <a:r>
+              <a:rPr lang="nl-BE" dirty="0" err="1" smtClean="0">
+                <a:solidFill>
+                  <a:schemeClr val="tx1"/>
+                </a:solidFill>
+              </a:rPr>
+              <a:t>Custom</a:t>
+            </a:r>
+            <a:r>
+              <a:rPr lang="nl-BE" dirty="0" smtClean="0">
+                <a:solidFill>
+                  <a:schemeClr val="tx1"/>
+                </a:solidFill>
+              </a:rPr>
+              <a:t> service</a:t>
+            </a:r>
+            <a:endParaRPr lang="nl-BE" dirty="0">
+              <a:solidFill>
+                <a:schemeClr val="tx1"/>
+              </a:solidFill>
+            </a:endParaRPr>
+          </a:p>
+        </p:txBody>
+      </p:sp>
+      <p:sp>
+        <p:nvSpPr>
+          <p:cNvPr id="62" name="Afgeronde rechthoek 61"/>
+          <p:cNvSpPr/>
+          <p:nvPr/>
+        </p:nvSpPr>
+        <p:spPr bwMode="auto">
+          <a:xfrm>
+            <a:off x="3357554" y="3286124"/>
+            <a:ext cx="2357454" cy="500066"/>
+          </a:xfrm>
+          <a:prstGeom prst="roundRect">
+            <a:avLst/>
+          </a:prstGeom>
+          <a:ln>
+            <a:headEnd type="none" w="med" len="med"/>
+            <a:tailEnd type="none" w="med" len="med"/>
+          </a:ln>
+        </p:spPr>
+        <p:style>
+          <a:lnRef idx="1">
+            <a:schemeClr val="accent2"/>
+          </a:lnRef>
+          <a:fillRef idx="2">
+            <a:schemeClr val="accent2"/>
+          </a:fillRef>
+          <a:effectRef idx="1">
+            <a:schemeClr val="accent2"/>
+          </a:effectRef>
+          <a:fontRef idx="minor">
+            <a:schemeClr val="dk1"/>
+          </a:fontRef>
+        </p:style>
+        <p:txBody>
+          <a:bodyPr/>
+          <a:lstStyle/>
+          <a:p>
+            <a:pPr>
+              <a:defRPr/>
+            </a:pPr>
+            <a:r>
+              <a:rPr lang="nl-BE" dirty="0" err="1" smtClean="0">
+                <a:solidFill>
+                  <a:schemeClr val="tx1"/>
+                </a:solidFill>
+              </a:rPr>
+              <a:t>Other</a:t>
+            </a:r>
+            <a:r>
+              <a:rPr lang="nl-BE" dirty="0" smtClean="0">
+                <a:solidFill>
+                  <a:schemeClr val="tx1"/>
+                </a:solidFill>
+              </a:rPr>
+              <a:t> services</a:t>
+            </a:r>
+            <a:endParaRPr lang="nl-BE" dirty="0">
+              <a:solidFill>
+                <a:schemeClr val="tx1"/>
+              </a:solidFill>
+            </a:endParaRPr>
+          </a:p>
+        </p:txBody>
+      </p:sp>
+      <p:cxnSp>
+        <p:nvCxnSpPr>
+          <p:cNvPr id="63" name="Rechte verbindingslijn 29"/>
+          <p:cNvCxnSpPr>
+            <a:cxnSpLocks noChangeShapeType="1"/>
+          </p:cNvCxnSpPr>
+          <p:nvPr/>
+        </p:nvCxnSpPr>
+        <p:spPr bwMode="auto">
+          <a:xfrm>
+            <a:off x="3571868" y="4929198"/>
+            <a:ext cx="5393569" cy="1588"/>
+          </a:xfrm>
+          <a:prstGeom prst="line">
+            <a:avLst/>
+          </a:prstGeom>
+          <a:noFill/>
+          <a:ln w="38100" algn="ctr">
+            <a:solidFill>
+              <a:schemeClr val="tx1"/>
+            </a:solidFill>
+            <a:prstDash val="dash"/>
+            <a:round/>
+            <a:headEnd/>
+            <a:tailEnd/>
+          </a:ln>
+        </p:spPr>
+      </p:cxnSp>
+      <p:cxnSp>
+        <p:nvCxnSpPr>
+          <p:cNvPr id="65" name="Rechte verbindingslijn met pijl 69"/>
+          <p:cNvCxnSpPr>
+            <a:cxnSpLocks noChangeShapeType="1"/>
+          </p:cNvCxnSpPr>
+          <p:nvPr/>
+        </p:nvCxnSpPr>
+        <p:spPr bwMode="auto">
+          <a:xfrm rot="5400000" flipH="1" flipV="1">
+            <a:off x="8572530" y="4929196"/>
+            <a:ext cx="428626" cy="2"/>
+          </a:xfrm>
+          <a:prstGeom prst="straightConnector1">
+            <a:avLst/>
+          </a:prstGeom>
+          <a:noFill/>
+          <a:ln w="25400" algn="ctr">
+            <a:solidFill>
+              <a:schemeClr val="tx1"/>
+            </a:solidFill>
+            <a:round/>
+            <a:headEnd type="stealth" w="med" len="med"/>
+            <a:tailEnd type="stealth" w="med" len="med"/>
+          </a:ln>
+        </p:spPr>
+      </p:cxnSp>
+      <p:sp>
+        <p:nvSpPr>
+          <p:cNvPr id="68" name="Afgeronde rechthoek 67"/>
+          <p:cNvSpPr/>
+          <p:nvPr/>
+        </p:nvSpPr>
+        <p:spPr bwMode="auto">
+          <a:xfrm>
+            <a:off x="4857752" y="5643578"/>
+            <a:ext cx="1643074" cy="500066"/>
+          </a:xfrm>
+          <a:prstGeom prst="roundRect">
+            <a:avLst/>
+          </a:prstGeom>
+          <a:ln>
+            <a:headEnd type="none" w="med" len="med"/>
+            <a:tailEnd type="none" w="med" len="med"/>
+          </a:ln>
+        </p:spPr>
+        <p:style>
+          <a:lnRef idx="1">
+            <a:schemeClr val="accent1"/>
+          </a:lnRef>
+          <a:fillRef idx="2">
+            <a:schemeClr val="accent1"/>
+          </a:fillRef>
+          <a:effectRef idx="1">
+            <a:schemeClr val="accent1"/>
+          </a:effectRef>
+          <a:fontRef idx="minor">
+            <a:schemeClr val="dk1"/>
+          </a:fontRef>
+        </p:style>
+        <p:txBody>
+          <a:bodyPr/>
+          <a:lstStyle/>
+          <a:p>
+            <a:pPr>
+              <a:defRPr/>
+            </a:pPr>
+            <a:r>
+              <a:rPr lang="nl-BE" sz="1400" dirty="0" err="1" smtClean="0">
+                <a:solidFill>
+                  <a:schemeClr val="tx1"/>
+                </a:solidFill>
+              </a:rPr>
+              <a:t>Transform</a:t>
+            </a:r>
+            <a:r>
+              <a:rPr lang="nl-BE" sz="1400" dirty="0" smtClean="0">
+                <a:solidFill>
+                  <a:schemeClr val="tx1"/>
+                </a:solidFill>
+              </a:rPr>
+              <a:t> (e.g. map/</a:t>
+            </a:r>
+            <a:r>
+              <a:rPr lang="nl-BE" sz="1400" dirty="0" err="1" smtClean="0">
+                <a:solidFill>
+                  <a:schemeClr val="tx1"/>
+                </a:solidFill>
+              </a:rPr>
+              <a:t>geo-server</a:t>
+            </a:r>
+            <a:r>
+              <a:rPr lang="nl-BE" sz="1400" dirty="0" smtClean="0">
+                <a:solidFill>
+                  <a:schemeClr val="tx1"/>
+                </a:solidFill>
+              </a:rPr>
+              <a:t>)</a:t>
+            </a:r>
+            <a:endParaRPr lang="nl-BE" sz="1400" dirty="0">
+              <a:solidFill>
+                <a:schemeClr val="tx1"/>
+              </a:solidFill>
+            </a:endParaRPr>
+          </a:p>
+        </p:txBody>
+      </p:sp>
+      <p:sp>
+        <p:nvSpPr>
+          <p:cNvPr id="69" name="Cilinder 68"/>
+          <p:cNvSpPr/>
+          <p:nvPr/>
+        </p:nvSpPr>
+        <p:spPr bwMode="auto">
+          <a:xfrm>
+            <a:off x="5286380" y="6286520"/>
+            <a:ext cx="785818" cy="428628"/>
+          </a:xfrm>
+          <a:prstGeom prst="can">
+            <a:avLst/>
+          </a:prstGeom>
+          <a:ln>
+            <a:headEnd type="none" w="med" len="med"/>
+            <a:tailEnd type="none" w="med" len="med"/>
+          </a:ln>
+        </p:spPr>
+        <p:style>
+          <a:lnRef idx="1">
+            <a:schemeClr val="dk1"/>
+          </a:lnRef>
+          <a:fillRef idx="2">
+            <a:schemeClr val="dk1"/>
+          </a:fillRef>
+          <a:effectRef idx="1">
+            <a:schemeClr val="dk1"/>
+          </a:effectRef>
+          <a:fontRef idx="minor">
+            <a:schemeClr val="dk1"/>
+          </a:fontRef>
+        </p:style>
+        <p:txBody>
+          <a:bodyPr vert="horz" wrap="square" lIns="91440" tIns="45720" rIns="91440" bIns="45720" numCol="1" rtlCol="0" anchor="t" anchorCtr="0" compatLnSpc="1">
+            <a:prstTxWarp prst="textNoShape">
+              <a:avLst/>
+            </a:prstTxWarp>
+          </a:bodyPr>
+          <a:lstStyle/>
+          <a:p>
+            <a:pPr marL="0" marR="0" indent="0" algn="l" defTabSz="457200" rtl="0" eaLnBrk="1" fontAlgn="base" latinLnBrk="0" hangingPunct="1">
+              <a:lnSpc>
+                <a:spcPct val="100000"/>
+              </a:lnSpc>
+              <a:spcBef>
+                <a:spcPct val="0"/>
+              </a:spcBef>
+              <a:spcAft>
+                <a:spcPct val="0"/>
+              </a:spcAft>
+              <a:buClr>
+                <a:srgbClr val="000000"/>
+              </a:buClr>
+              <a:buSzPct val="100000"/>
+              <a:buFont typeface="Times New Roman" pitchFamily="16" charset="0"/>
+              <a:buNone/>
+              <a:tabLst/>
+            </a:pPr>
+            <a:endParaRPr kumimoji="0" lang="nl-BE" sz="1800" b="1" i="0" u="none" strike="noStrike" cap="all" normalizeH="0" baseline="0" dirty="0" smtClean="0">
+              <a:ln w="9000" cmpd="sng">
+                <a:solidFill>
+                  <a:schemeClr val="accent4">
+                    <a:shade val="50000"/>
+                    <a:satMod val="120000"/>
+                  </a:schemeClr>
+                </a:solidFill>
+                <a:prstDash val="solid"/>
+              </a:ln>
+              <a:gradFill>
+                <a:gsLst>
+                  <a:gs pos="0">
+                    <a:schemeClr val="accent4">
+                      <a:shade val="20000"/>
+                      <a:satMod val="245000"/>
+                    </a:schemeClr>
+                  </a:gs>
+                  <a:gs pos="43000">
+                    <a:schemeClr val="accent4">
+                      <a:satMod val="255000"/>
+                    </a:schemeClr>
+                  </a:gs>
+                  <a:gs pos="48000">
+                    <a:schemeClr val="accent4">
+                      <a:shade val="85000"/>
+                      <a:satMod val="255000"/>
+                    </a:schemeClr>
+                  </a:gs>
+                  <a:gs pos="100000">
+                    <a:schemeClr val="accent4">
+                      <a:shade val="20000"/>
+                      <a:satMod val="245000"/>
+                    </a:schemeClr>
+                  </a:gs>
+                </a:gsLst>
+                <a:lin ang="5400000"/>
+              </a:gradFill>
+              <a:effectLst>
+                <a:reflection blurRad="12700" stA="28000" endPos="45000" dist="1000" dir="5400000" sy="-100000" algn="bl" rotWithShape="0"/>
+              </a:effectLst>
+              <a:latin typeface="Arial" charset="0"/>
+            </a:endParaRPr>
+          </a:p>
+        </p:txBody>
+      </p:sp>
+      <p:cxnSp>
+        <p:nvCxnSpPr>
+          <p:cNvPr id="71" name="Rechte verbindingslijn met pijl 69"/>
+          <p:cNvCxnSpPr>
+            <a:cxnSpLocks noChangeShapeType="1"/>
+            <a:stCxn id="68" idx="0"/>
+          </p:cNvCxnSpPr>
+          <p:nvPr/>
+        </p:nvCxnSpPr>
+        <p:spPr bwMode="auto">
+          <a:xfrm rot="16200000" flipV="1">
+            <a:off x="5411397" y="5375686"/>
+            <a:ext cx="142876" cy="392908"/>
+          </a:xfrm>
+          <a:prstGeom prst="straightConnector1">
+            <a:avLst/>
+          </a:prstGeom>
+          <a:noFill/>
+          <a:ln w="25400" algn="ctr">
+            <a:solidFill>
+              <a:schemeClr val="tx1"/>
+            </a:solidFill>
+            <a:round/>
+            <a:headEnd type="stealth" w="med" len="med"/>
+            <a:tailEnd type="stealth" w="med" len="med"/>
+          </a:ln>
+        </p:spPr>
+      </p:cxnSp>
+      <p:cxnSp>
+        <p:nvCxnSpPr>
+          <p:cNvPr id="74" name="Rechte verbindingslijn met pijl 69"/>
+          <p:cNvCxnSpPr>
+            <a:cxnSpLocks noChangeShapeType="1"/>
+            <a:stCxn id="69" idx="1"/>
+            <a:endCxn id="68" idx="2"/>
+          </p:cNvCxnSpPr>
+          <p:nvPr/>
+        </p:nvCxnSpPr>
+        <p:spPr bwMode="auto">
+          <a:xfrm rot="5400000" flipH="1" flipV="1">
+            <a:off x="5607851" y="6215082"/>
+            <a:ext cx="142876" cy="1588"/>
+          </a:xfrm>
+          <a:prstGeom prst="straightConnector1">
+            <a:avLst/>
+          </a:prstGeom>
+          <a:noFill/>
+          <a:ln w="25400" algn="ctr">
+            <a:solidFill>
+              <a:schemeClr val="tx1"/>
+            </a:solidFill>
+            <a:round/>
+            <a:headEnd type="stealth" w="med" len="med"/>
+            <a:tailEnd type="stealth" w="med" len="med"/>
+          </a:ln>
+        </p:spPr>
+      </p:cxnSp>
+      <p:cxnSp>
+        <p:nvCxnSpPr>
+          <p:cNvPr id="78" name="Rechte verbindingslijn met pijl 69"/>
+          <p:cNvCxnSpPr>
+            <a:cxnSpLocks noChangeShapeType="1"/>
+            <a:stCxn id="79" idx="1"/>
+          </p:cNvCxnSpPr>
+          <p:nvPr/>
+        </p:nvCxnSpPr>
+        <p:spPr bwMode="auto">
+          <a:xfrm rot="5400000" flipH="1" flipV="1">
+            <a:off x="6447248" y="5661437"/>
+            <a:ext cx="785818" cy="464349"/>
+          </a:xfrm>
+          <a:prstGeom prst="straightConnector1">
+            <a:avLst/>
+          </a:prstGeom>
+          <a:noFill/>
+          <a:ln w="25400" algn="ctr">
+            <a:solidFill>
+              <a:schemeClr val="tx1"/>
+            </a:solidFill>
+            <a:round/>
+            <a:headEnd type="stealth" w="med" len="med"/>
+            <a:tailEnd type="stealth" w="med" len="med"/>
+          </a:ln>
+        </p:spPr>
+      </p:cxnSp>
+      <p:sp>
+        <p:nvSpPr>
+          <p:cNvPr id="79" name="Cilinder 78"/>
+          <p:cNvSpPr/>
+          <p:nvPr/>
+        </p:nvSpPr>
+        <p:spPr bwMode="auto">
+          <a:xfrm>
+            <a:off x="6215074" y="6286520"/>
+            <a:ext cx="785818" cy="428628"/>
+          </a:xfrm>
+          <a:prstGeom prst="can">
+            <a:avLst/>
+          </a:prstGeom>
+          <a:ln>
+            <a:headEnd type="none" w="med" len="med"/>
+            <a:tailEnd type="none" w="med" len="med"/>
+          </a:ln>
+        </p:spPr>
+        <p:style>
+          <a:lnRef idx="1">
+            <a:schemeClr val="dk1"/>
+          </a:lnRef>
+          <a:fillRef idx="2">
+            <a:schemeClr val="dk1"/>
+          </a:fillRef>
+          <a:effectRef idx="1">
+            <a:schemeClr val="dk1"/>
+          </a:effectRef>
+          <a:fontRef idx="minor">
+            <a:schemeClr val="dk1"/>
+          </a:fontRef>
+        </p:style>
+        <p:txBody>
+          <a:bodyPr vert="horz" wrap="square" lIns="91440" tIns="45720" rIns="91440" bIns="45720" numCol="1" rtlCol="0" anchor="t" anchorCtr="0" compatLnSpc="1">
+            <a:prstTxWarp prst="textNoShape">
+              <a:avLst/>
+            </a:prstTxWarp>
+          </a:bodyPr>
+          <a:lstStyle/>
+          <a:p>
+            <a:pPr marL="0" marR="0" indent="0" algn="l" defTabSz="457200" rtl="0" eaLnBrk="1" fontAlgn="base" latinLnBrk="0" hangingPunct="1">
+              <a:lnSpc>
+                <a:spcPct val="100000"/>
+              </a:lnSpc>
+              <a:spcBef>
+                <a:spcPct val="0"/>
+              </a:spcBef>
+              <a:spcAft>
+                <a:spcPct val="0"/>
+              </a:spcAft>
+              <a:buClr>
+                <a:srgbClr val="000000"/>
+              </a:buClr>
+              <a:buSzPct val="100000"/>
+              <a:buFont typeface="Times New Roman" pitchFamily="16" charset="0"/>
+              <a:buNone/>
+              <a:tabLst/>
+            </a:pPr>
+            <a:endParaRPr kumimoji="0" lang="nl-BE" sz="1800" b="1" i="0" u="none" strike="noStrike" cap="all" normalizeH="0" baseline="0" dirty="0" smtClean="0">
+              <a:ln w="9000" cmpd="sng">
+                <a:solidFill>
+                  <a:schemeClr val="accent4">
+                    <a:shade val="50000"/>
+                    <a:satMod val="120000"/>
+                  </a:schemeClr>
+                </a:solidFill>
+                <a:prstDash val="solid"/>
+              </a:ln>
+              <a:gradFill>
+                <a:gsLst>
+                  <a:gs pos="0">
+                    <a:schemeClr val="accent4">
+                      <a:shade val="20000"/>
+                      <a:satMod val="245000"/>
+                    </a:schemeClr>
+                  </a:gs>
+                  <a:gs pos="43000">
+                    <a:schemeClr val="accent4">
+                      <a:satMod val="255000"/>
+                    </a:schemeClr>
+                  </a:gs>
+                  <a:gs pos="48000">
+                    <a:schemeClr val="accent4">
+                      <a:shade val="85000"/>
+                      <a:satMod val="255000"/>
+                    </a:schemeClr>
+                  </a:gs>
+                  <a:gs pos="100000">
+                    <a:schemeClr val="accent4">
+                      <a:shade val="20000"/>
+                      <a:satMod val="245000"/>
+                    </a:schemeClr>
+                  </a:gs>
+                </a:gsLst>
+                <a:lin ang="5400000"/>
+              </a:gradFill>
+              <a:effectLst>
+                <a:reflection blurRad="12700" stA="28000" endPos="45000" dist="1000" dir="5400000" sy="-100000" algn="bl" rotWithShape="0"/>
+              </a:effectLst>
+              <a:latin typeface="Arial" charset="0"/>
+            </a:endParaRPr>
+          </a:p>
+        </p:txBody>
+      </p:sp>
+      <p:sp>
+        <p:nvSpPr>
+          <p:cNvPr id="84" name="Afgeronde rechthoek 83"/>
+          <p:cNvSpPr/>
+          <p:nvPr/>
+        </p:nvSpPr>
+        <p:spPr bwMode="auto">
+          <a:xfrm>
+            <a:off x="642910" y="5072074"/>
+            <a:ext cx="1857388" cy="428628"/>
+          </a:xfrm>
+          <a:prstGeom prst="roundRect">
+            <a:avLst/>
+          </a:prstGeom>
+          <a:ln>
+            <a:headEnd type="none" w="med" len="med"/>
+            <a:tailEnd type="none" w="med" len="med"/>
+          </a:ln>
+        </p:spPr>
+        <p:style>
+          <a:lnRef idx="1">
+            <a:schemeClr val="accent2"/>
+          </a:lnRef>
+          <a:fillRef idx="2">
+            <a:schemeClr val="accent2"/>
+          </a:fillRef>
+          <a:effectRef idx="1">
+            <a:schemeClr val="accent2"/>
+          </a:effectRef>
+          <a:fontRef idx="minor">
+            <a:schemeClr val="dk1"/>
+          </a:fontRef>
+        </p:style>
+        <p:txBody>
+          <a:bodyPr/>
+          <a:lstStyle/>
+          <a:p>
+            <a:pPr>
+              <a:defRPr/>
+            </a:pPr>
+            <a:r>
+              <a:rPr lang="nl-BE" dirty="0" err="1" smtClean="0">
+                <a:solidFill>
+                  <a:schemeClr val="tx1"/>
+                </a:solidFill>
+              </a:rPr>
+              <a:t>Security</a:t>
+            </a:r>
+            <a:r>
+              <a:rPr lang="nl-BE" dirty="0" smtClean="0">
+                <a:solidFill>
+                  <a:schemeClr val="tx1"/>
+                </a:solidFill>
+              </a:rPr>
+              <a:t> context</a:t>
+            </a:r>
+            <a:endParaRPr lang="nl-BE" dirty="0">
+              <a:solidFill>
+                <a:schemeClr val="tx1"/>
+              </a:solidFill>
+            </a:endParaRPr>
+          </a:p>
+        </p:txBody>
+      </p:sp>
+      <p:cxnSp>
+        <p:nvCxnSpPr>
+          <p:cNvPr id="86" name="Rechte verbindingslijn met pijl 69"/>
+          <p:cNvCxnSpPr>
+            <a:cxnSpLocks noChangeShapeType="1"/>
+            <a:stCxn id="84" idx="0"/>
+          </p:cNvCxnSpPr>
+          <p:nvPr/>
+        </p:nvCxnSpPr>
+        <p:spPr bwMode="auto">
+          <a:xfrm rot="5400000" flipH="1" flipV="1">
+            <a:off x="1428728" y="4929198"/>
+            <a:ext cx="285752" cy="1588"/>
+          </a:xfrm>
+          <a:prstGeom prst="straightConnector1">
+            <a:avLst/>
+          </a:prstGeom>
+          <a:noFill/>
+          <a:ln w="25400" algn="ctr">
+            <a:solidFill>
+              <a:schemeClr val="tx1"/>
+            </a:solidFill>
+            <a:round/>
+            <a:headEnd type="stealth" w="med" len="med"/>
+            <a:tailEnd type="stealth" w="med" len="med"/>
+          </a:ln>
+        </p:spPr>
+      </p:cxnSp>
+      <p:sp>
+        <p:nvSpPr>
+          <p:cNvPr id="91" name="Afgeronde rechthoek 90"/>
+          <p:cNvSpPr/>
+          <p:nvPr/>
+        </p:nvSpPr>
+        <p:spPr bwMode="auto">
+          <a:xfrm>
+            <a:off x="142844" y="5786454"/>
+            <a:ext cx="1714512" cy="500066"/>
+          </a:xfrm>
+          <a:prstGeom prst="roundRect">
+            <a:avLst/>
+          </a:prstGeom>
+          <a:ln>
+            <a:headEnd type="none" w="med" len="med"/>
+            <a:tailEnd type="none" w="med" len="med"/>
+          </a:ln>
+        </p:spPr>
+        <p:style>
+          <a:lnRef idx="1">
+            <a:schemeClr val="accent1"/>
+          </a:lnRef>
+          <a:fillRef idx="2">
+            <a:schemeClr val="accent1"/>
+          </a:fillRef>
+          <a:effectRef idx="1">
+            <a:schemeClr val="accent1"/>
+          </a:effectRef>
+          <a:fontRef idx="minor">
+            <a:schemeClr val="dk1"/>
+          </a:fontRef>
+        </p:style>
+        <p:txBody>
+          <a:bodyPr/>
+          <a:lstStyle/>
+          <a:p>
+            <a:pPr>
+              <a:defRPr/>
+            </a:pPr>
+            <a:r>
+              <a:rPr lang="nl-BE" sz="1400" dirty="0" err="1" smtClean="0">
+                <a:solidFill>
+                  <a:schemeClr val="tx1"/>
+                </a:solidFill>
+              </a:rPr>
+              <a:t>Authentication</a:t>
+            </a:r>
+            <a:r>
+              <a:rPr lang="nl-BE" sz="1400" dirty="0" smtClean="0">
+                <a:solidFill>
+                  <a:schemeClr val="tx1"/>
+                </a:solidFill>
+              </a:rPr>
+              <a:t> service (e.g. SSO)</a:t>
+            </a:r>
+            <a:endParaRPr lang="nl-BE" sz="1400" dirty="0">
+              <a:solidFill>
+                <a:schemeClr val="tx1"/>
+              </a:solidFill>
+            </a:endParaRPr>
+          </a:p>
+        </p:txBody>
+      </p:sp>
+      <p:sp>
+        <p:nvSpPr>
+          <p:cNvPr id="115" name="Afgeronde rechthoek 114"/>
+          <p:cNvSpPr/>
+          <p:nvPr/>
+        </p:nvSpPr>
+        <p:spPr bwMode="auto">
+          <a:xfrm>
+            <a:off x="7358050" y="5643578"/>
+            <a:ext cx="1643074" cy="500066"/>
+          </a:xfrm>
+          <a:prstGeom prst="roundRect">
+            <a:avLst/>
+          </a:prstGeom>
+          <a:ln>
+            <a:headEnd type="none" w="med" len="med"/>
+            <a:tailEnd type="none" w="med" len="med"/>
+          </a:ln>
+        </p:spPr>
+        <p:style>
+          <a:lnRef idx="1">
+            <a:schemeClr val="accent1"/>
+          </a:lnRef>
+          <a:fillRef idx="2">
+            <a:schemeClr val="accent1"/>
+          </a:fillRef>
+          <a:effectRef idx="1">
+            <a:schemeClr val="accent1"/>
+          </a:effectRef>
+          <a:fontRef idx="minor">
+            <a:schemeClr val="dk1"/>
+          </a:fontRef>
+        </p:style>
+        <p:txBody>
+          <a:bodyPr/>
+          <a:lstStyle/>
+          <a:p>
+            <a:pPr>
+              <a:defRPr/>
+            </a:pPr>
+            <a:r>
+              <a:rPr lang="nl-BE" sz="1400" dirty="0" err="1" smtClean="0">
+                <a:solidFill>
+                  <a:schemeClr val="tx1"/>
+                </a:solidFill>
+              </a:rPr>
+              <a:t>Transform</a:t>
+            </a:r>
+            <a:r>
+              <a:rPr lang="nl-BE" sz="1400" dirty="0" smtClean="0">
+                <a:solidFill>
+                  <a:schemeClr val="tx1"/>
+                </a:solidFill>
+              </a:rPr>
+              <a:t> (e.g. map/</a:t>
+            </a:r>
+            <a:r>
+              <a:rPr lang="nl-BE" sz="1400" dirty="0" err="1" smtClean="0">
+                <a:solidFill>
+                  <a:schemeClr val="tx1"/>
+                </a:solidFill>
+              </a:rPr>
+              <a:t>geo-server</a:t>
+            </a:r>
+            <a:r>
+              <a:rPr lang="nl-BE" sz="1400" dirty="0" smtClean="0">
+                <a:solidFill>
+                  <a:schemeClr val="tx1"/>
+                </a:solidFill>
+              </a:rPr>
+              <a:t>)</a:t>
+            </a:r>
+            <a:endParaRPr lang="nl-BE" sz="1400" dirty="0">
+              <a:solidFill>
+                <a:schemeClr val="tx1"/>
+              </a:solidFill>
+            </a:endParaRPr>
+          </a:p>
+        </p:txBody>
+      </p:sp>
+      <p:sp>
+        <p:nvSpPr>
+          <p:cNvPr id="116" name="Cilinder 115"/>
+          <p:cNvSpPr/>
+          <p:nvPr/>
+        </p:nvSpPr>
+        <p:spPr bwMode="auto">
+          <a:xfrm>
+            <a:off x="7786678" y="6286520"/>
+            <a:ext cx="785818" cy="428628"/>
+          </a:xfrm>
+          <a:prstGeom prst="can">
+            <a:avLst/>
+          </a:prstGeom>
+          <a:ln>
+            <a:headEnd type="none" w="med" len="med"/>
+            <a:tailEnd type="none" w="med" len="med"/>
+          </a:ln>
+        </p:spPr>
+        <p:style>
+          <a:lnRef idx="1">
+            <a:schemeClr val="dk1"/>
+          </a:lnRef>
+          <a:fillRef idx="2">
+            <a:schemeClr val="dk1"/>
+          </a:fillRef>
+          <a:effectRef idx="1">
+            <a:schemeClr val="dk1"/>
+          </a:effectRef>
+          <a:fontRef idx="minor">
+            <a:schemeClr val="dk1"/>
+          </a:fontRef>
+        </p:style>
+        <p:txBody>
+          <a:bodyPr vert="horz" wrap="square" lIns="91440" tIns="45720" rIns="91440" bIns="45720" numCol="1" rtlCol="0" anchor="t" anchorCtr="0" compatLnSpc="1">
+            <a:prstTxWarp prst="textNoShape">
+              <a:avLst/>
+            </a:prstTxWarp>
+          </a:bodyPr>
+          <a:lstStyle/>
+          <a:p>
+            <a:pPr marL="0" marR="0" indent="0" algn="l" defTabSz="457200" rtl="0" eaLnBrk="1" fontAlgn="base" latinLnBrk="0" hangingPunct="1">
+              <a:lnSpc>
+                <a:spcPct val="100000"/>
+              </a:lnSpc>
+              <a:spcBef>
+                <a:spcPct val="0"/>
+              </a:spcBef>
+              <a:spcAft>
+                <a:spcPct val="0"/>
+              </a:spcAft>
+              <a:buClr>
+                <a:srgbClr val="000000"/>
+              </a:buClr>
+              <a:buSzPct val="100000"/>
+              <a:buFont typeface="Times New Roman" pitchFamily="16" charset="0"/>
+              <a:buNone/>
+              <a:tabLst/>
+            </a:pPr>
+            <a:endParaRPr kumimoji="0" lang="nl-BE" sz="1800" b="1" i="0" u="none" strike="noStrike" cap="all" normalizeH="0" baseline="0" dirty="0" smtClean="0">
+              <a:ln w="9000" cmpd="sng">
+                <a:solidFill>
+                  <a:schemeClr val="accent4">
+                    <a:shade val="50000"/>
+                    <a:satMod val="120000"/>
+                  </a:schemeClr>
+                </a:solidFill>
+                <a:prstDash val="solid"/>
+              </a:ln>
+              <a:gradFill>
+                <a:gsLst>
+                  <a:gs pos="0">
+                    <a:schemeClr val="accent4">
+                      <a:shade val="20000"/>
+                      <a:satMod val="245000"/>
+                    </a:schemeClr>
+                  </a:gs>
+                  <a:gs pos="43000">
+                    <a:schemeClr val="accent4">
+                      <a:satMod val="255000"/>
+                    </a:schemeClr>
+                  </a:gs>
+                  <a:gs pos="48000">
+                    <a:schemeClr val="accent4">
+                      <a:shade val="85000"/>
+                      <a:satMod val="255000"/>
+                    </a:schemeClr>
+                  </a:gs>
+                  <a:gs pos="100000">
+                    <a:schemeClr val="accent4">
+                      <a:shade val="20000"/>
+                      <a:satMod val="245000"/>
+                    </a:schemeClr>
+                  </a:gs>
+                </a:gsLst>
+                <a:lin ang="5400000"/>
+              </a:gradFill>
+              <a:effectLst>
+                <a:reflection blurRad="12700" stA="28000" endPos="45000" dist="1000" dir="5400000" sy="-100000" algn="bl" rotWithShape="0"/>
+              </a:effectLst>
+              <a:latin typeface="Arial" charset="0"/>
+            </a:endParaRPr>
+          </a:p>
+        </p:txBody>
+      </p:sp>
+      <p:cxnSp>
+        <p:nvCxnSpPr>
+          <p:cNvPr id="117" name="Rechte verbindingslijn met pijl 69"/>
+          <p:cNvCxnSpPr>
+            <a:cxnSpLocks noChangeShapeType="1"/>
+            <a:stCxn id="115" idx="0"/>
+          </p:cNvCxnSpPr>
+          <p:nvPr/>
+        </p:nvCxnSpPr>
+        <p:spPr bwMode="auto">
+          <a:xfrm rot="16200000" flipV="1">
+            <a:off x="7911695" y="5375686"/>
+            <a:ext cx="142876" cy="392908"/>
+          </a:xfrm>
+          <a:prstGeom prst="straightConnector1">
+            <a:avLst/>
+          </a:prstGeom>
+          <a:noFill/>
+          <a:ln w="25400" algn="ctr">
+            <a:solidFill>
+              <a:schemeClr val="tx1"/>
+            </a:solidFill>
+            <a:round/>
+            <a:headEnd type="stealth" w="med" len="med"/>
+            <a:tailEnd type="stealth" w="med" len="med"/>
+          </a:ln>
+        </p:spPr>
+      </p:cxnSp>
+      <p:cxnSp>
+        <p:nvCxnSpPr>
+          <p:cNvPr id="118" name="Rechte verbindingslijn met pijl 69"/>
+          <p:cNvCxnSpPr>
+            <a:cxnSpLocks noChangeShapeType="1"/>
+            <a:stCxn id="116" idx="1"/>
+            <a:endCxn id="115" idx="2"/>
+          </p:cNvCxnSpPr>
+          <p:nvPr/>
+        </p:nvCxnSpPr>
+        <p:spPr bwMode="auto">
+          <a:xfrm rot="5400000" flipH="1" flipV="1">
+            <a:off x="8108149" y="6215082"/>
+            <a:ext cx="142876" cy="1588"/>
+          </a:xfrm>
+          <a:prstGeom prst="straightConnector1">
+            <a:avLst/>
+          </a:prstGeom>
+          <a:noFill/>
+          <a:ln w="25400" algn="ctr">
+            <a:solidFill>
+              <a:schemeClr val="tx1"/>
+            </a:solidFill>
+            <a:round/>
+            <a:headEnd type="stealth" w="med" len="med"/>
+            <a:tailEnd type="stealth" w="med" len="med"/>
+          </a:ln>
+        </p:spPr>
+      </p:cxnSp>
+      <p:sp>
+        <p:nvSpPr>
+          <p:cNvPr id="119" name="Afgeronde rechthoek 118"/>
+          <p:cNvSpPr/>
+          <p:nvPr/>
+        </p:nvSpPr>
+        <p:spPr bwMode="auto">
+          <a:xfrm>
+            <a:off x="2000232" y="5786454"/>
+            <a:ext cx="1357322" cy="500066"/>
+          </a:xfrm>
+          <a:prstGeom prst="roundRect">
+            <a:avLst/>
+          </a:prstGeom>
+          <a:ln>
+            <a:headEnd type="none" w="med" len="med"/>
+            <a:tailEnd type="none" w="med" len="med"/>
+          </a:ln>
+        </p:spPr>
+        <p:style>
+          <a:lnRef idx="1">
+            <a:schemeClr val="accent1"/>
+          </a:lnRef>
+          <a:fillRef idx="2">
+            <a:schemeClr val="accent1"/>
+          </a:fillRef>
+          <a:effectRef idx="1">
+            <a:schemeClr val="accent1"/>
+          </a:effectRef>
+          <a:fontRef idx="minor">
+            <a:schemeClr val="dk1"/>
+          </a:fontRef>
+        </p:style>
+        <p:txBody>
+          <a:bodyPr/>
+          <a:lstStyle/>
+          <a:p>
+            <a:pPr>
+              <a:defRPr/>
+            </a:pPr>
+            <a:r>
+              <a:rPr lang="nl-BE" sz="1400" dirty="0" err="1" smtClean="0">
+                <a:solidFill>
+                  <a:schemeClr val="tx1"/>
+                </a:solidFill>
+              </a:rPr>
+              <a:t>Policy</a:t>
+            </a:r>
+            <a:r>
+              <a:rPr lang="nl-BE" sz="1400" dirty="0" smtClean="0">
+                <a:solidFill>
+                  <a:schemeClr val="tx1"/>
+                </a:solidFill>
+              </a:rPr>
+              <a:t> service (e.g. Permis)</a:t>
+            </a:r>
+            <a:endParaRPr lang="nl-BE" sz="1400" dirty="0">
+              <a:solidFill>
+                <a:schemeClr val="tx1"/>
+              </a:solidFill>
+            </a:endParaRPr>
+          </a:p>
+        </p:txBody>
+      </p:sp>
+      <p:cxnSp>
+        <p:nvCxnSpPr>
+          <p:cNvPr id="120" name="Rechte verbindingslijn met pijl 69"/>
+          <p:cNvCxnSpPr>
+            <a:cxnSpLocks noChangeShapeType="1"/>
+            <a:endCxn id="91" idx="0"/>
+          </p:cNvCxnSpPr>
+          <p:nvPr/>
+        </p:nvCxnSpPr>
+        <p:spPr bwMode="auto">
+          <a:xfrm rot="5400000">
+            <a:off x="857224" y="5643578"/>
+            <a:ext cx="285752" cy="1588"/>
+          </a:xfrm>
+          <a:prstGeom prst="straightConnector1">
+            <a:avLst/>
+          </a:prstGeom>
+          <a:noFill/>
+          <a:ln w="25400" algn="ctr">
+            <a:solidFill>
+              <a:schemeClr val="tx1"/>
+            </a:solidFill>
+            <a:round/>
+            <a:headEnd type="stealth" w="med" len="med"/>
+            <a:tailEnd type="stealth" w="med" len="med"/>
+          </a:ln>
+        </p:spPr>
+      </p:cxnSp>
+      <p:cxnSp>
+        <p:nvCxnSpPr>
+          <p:cNvPr id="123" name="Rechte verbindingslijn met pijl 69"/>
+          <p:cNvCxnSpPr>
+            <a:cxnSpLocks noChangeShapeType="1"/>
+          </p:cNvCxnSpPr>
+          <p:nvPr/>
+        </p:nvCxnSpPr>
+        <p:spPr bwMode="auto">
+          <a:xfrm rot="5400000">
+            <a:off x="2143108" y="5643578"/>
+            <a:ext cx="285752" cy="1588"/>
+          </a:xfrm>
+          <a:prstGeom prst="straightConnector1">
+            <a:avLst/>
+          </a:prstGeom>
+          <a:noFill/>
+          <a:ln w="25400" algn="ctr">
+            <a:solidFill>
+              <a:schemeClr val="tx1"/>
+            </a:solidFill>
+            <a:round/>
+            <a:headEnd type="stealth" w="med" len="med"/>
+            <a:tailEnd type="stealth" w="med" len="med"/>
+          </a:ln>
+        </p:spPr>
+      </p:cxnSp>
+      <p:sp>
+        <p:nvSpPr>
+          <p:cNvPr id="127" name="Tekstvak 33"/>
+          <p:cNvSpPr txBox="1">
+            <a:spLocks noChangeArrowheads="1"/>
+          </p:cNvSpPr>
+          <p:nvPr/>
+        </p:nvSpPr>
+        <p:spPr bwMode="auto">
+          <a:xfrm>
+            <a:off x="2428860" y="2571744"/>
+            <a:ext cx="415499" cy="369332"/>
+          </a:xfrm>
+          <a:prstGeom prst="rect">
+            <a:avLst/>
+          </a:prstGeom>
+          <a:noFill/>
+          <a:ln w="9525">
+            <a:noFill/>
+            <a:miter lim="800000"/>
+            <a:headEnd/>
+            <a:tailEnd/>
+          </a:ln>
+        </p:spPr>
+        <p:txBody>
+          <a:bodyPr wrap="none">
+            <a:spAutoFit/>
+          </a:bodyPr>
+          <a:lstStyle/>
+          <a:p>
+            <a:pPr algn="ctr"/>
+            <a:r>
+              <a:rPr lang="nl-BE" dirty="0" smtClean="0">
+                <a:solidFill>
+                  <a:schemeClr val="tx1"/>
+                </a:solidFill>
+              </a:rPr>
+              <a:t>…</a:t>
+            </a:r>
+            <a:endParaRPr lang="nl-BE" dirty="0">
+              <a:solidFill>
+                <a:schemeClr val="tx1"/>
+              </a:solidFill>
+            </a:endParaRPr>
+          </a:p>
+        </p:txBody>
+      </p:sp>
+      <p:sp>
+        <p:nvSpPr>
+          <p:cNvPr id="128" name="Tekstvak 33"/>
+          <p:cNvSpPr txBox="1">
+            <a:spLocks noChangeArrowheads="1"/>
+          </p:cNvSpPr>
+          <p:nvPr/>
+        </p:nvSpPr>
+        <p:spPr bwMode="auto">
+          <a:xfrm>
+            <a:off x="6286512" y="2571744"/>
+            <a:ext cx="415499" cy="369332"/>
+          </a:xfrm>
+          <a:prstGeom prst="rect">
+            <a:avLst/>
+          </a:prstGeom>
+          <a:noFill/>
+          <a:ln w="9525">
+            <a:noFill/>
+            <a:miter lim="800000"/>
+            <a:headEnd/>
+            <a:tailEnd/>
+          </a:ln>
+        </p:spPr>
+        <p:txBody>
+          <a:bodyPr wrap="none">
+            <a:spAutoFit/>
+          </a:bodyPr>
+          <a:lstStyle/>
+          <a:p>
+            <a:pPr algn="ctr"/>
+            <a:r>
+              <a:rPr lang="nl-BE" dirty="0" smtClean="0">
+                <a:solidFill>
+                  <a:schemeClr val="tx1"/>
+                </a:solidFill>
+              </a:rPr>
+              <a:t>…</a:t>
+            </a:r>
+            <a:endParaRPr lang="nl-BE" dirty="0">
+              <a:solidFill>
+                <a:schemeClr val="tx1"/>
+              </a:solidFill>
+            </a:endParaRPr>
+          </a:p>
+        </p:txBody>
+      </p:sp>
+    </p:spTree>
+  </p:cSld>
+  <p:clrMapOvr>
+    <a:masterClrMapping/>
+  </p:clrMapOvr>
+  <p:transition spd="med"/>
+  <p:timing>
+    <p:tnLst>
+      <p:par>
+        <p:cTn id="1" dur="indefinite" restart="never" nodeType="tmRoot">
+          <p:childTnLst>
+            <p:seq concurrent="1" nextAc="seek">
+              <p:cTn id="2" dur="indefinite" nodeType="mainSeq"/>
+              <p:prevCondLst>
+                <p:cond evt="onPrev" delay="0">
+                  <p:tgtEl>
+                    <p:sldTgt/>
+                  </p:tgtEl>
+                </p:cond>
+              </p:prevCondLst>
+              <p:nextCondLst>
+                <p:cond evt="onNext" delay="0">
+                  <p:tgtEl>
+                    <p:sldTgt/>
+                  </p:tgtEl>
+                </p:cond>
+              </p:nextCondLst>
+            </p:seq>
+          </p:childTnLst>
+        </p:cTn>
+      </p:par>
+    </p:tnLst>
+  </p:timing>
+</p:sld>
+</file>
+
 <file path=ppt/slides/slide2.xml><?xml version="1.0" encoding="utf-8"?>
 <p:sld xmlns:a="http://schemas.openxmlformats.org/drawingml/2006/main" xmlns:r="http://schemas.openxmlformats.org/officeDocument/2006/relationships" xmlns:p="http://schemas.openxmlformats.org/presentationml/2006/main">
   <p:cSld>
@@ -12835,15 +16585,7 @@
                   <a:schemeClr val="tx1"/>
                 </a:solidFill>
               </a:rPr>
-              <a:t>c</a:t>
-            </a:r>
-            <a:r>
-              <a:rPr lang="nl-BE" dirty="0" err="1" smtClean="0">
-                <a:solidFill>
-                  <a:schemeClr val="tx1"/>
-                </a:solidFill>
-              </a:rPr>
-              <a:t>ommon-servlet</a:t>
+              <a:t>common-servlet</a:t>
             </a:r>
             <a:endParaRPr lang="nl-BE" dirty="0" smtClean="0">
               <a:solidFill>
@@ -15021,6 +18763,1864 @@
             <a:tailEnd type="arrow"/>
           </a:ln>
           <a:effectLst/>
+        </p:spPr>
+      </p:cxnSp>
+    </p:spTree>
+  </p:cSld>
+  <p:clrMapOvr>
+    <a:masterClrMapping/>
+  </p:clrMapOvr>
+  <p:transition spd="med"/>
+  <p:timing>
+    <p:tnLst>
+      <p:par>
+        <p:cTn id="1" dur="indefinite" restart="never" nodeType="tmRoot">
+          <p:childTnLst>
+            <p:seq concurrent="1" nextAc="seek">
+              <p:cTn id="2" dur="indefinite" nodeType="mainSeq"/>
+              <p:prevCondLst>
+                <p:cond evt="onPrev" delay="0">
+                  <p:tgtEl>
+                    <p:sldTgt/>
+                  </p:tgtEl>
+                </p:cond>
+              </p:prevCondLst>
+              <p:nextCondLst>
+                <p:cond evt="onNext" delay="0">
+                  <p:tgtEl>
+                    <p:sldTgt/>
+                  </p:tgtEl>
+                </p:cond>
+              </p:nextCondLst>
+            </p:seq>
+          </p:childTnLst>
+        </p:cTn>
+      </p:par>
+    </p:tnLst>
+  </p:timing>
+</p:sld>
+</file>
+
+<file path=ppt/slides/slide9.xml><?xml version="1.0" encoding="utf-8"?>
+<p:sld xmlns:a="http://schemas.openxmlformats.org/drawingml/2006/main" xmlns:r="http://schemas.openxmlformats.org/officeDocument/2006/relationships" xmlns:p="http://schemas.openxmlformats.org/presentationml/2006/main">
+  <p:cSld>
+    <p:spTree>
+      <p:nvGrpSpPr>
+        <p:cNvPr id="1" name=""/>
+        <p:cNvGrpSpPr/>
+        <p:nvPr/>
+      </p:nvGrpSpPr>
+      <p:grpSpPr>
+        <a:xfrm>
+          <a:off x="0" y="0"/>
+          <a:ext cx="0" cy="0"/>
+          <a:chOff x="0" y="0"/>
+          <a:chExt cx="0" cy="0"/>
+        </a:xfrm>
+      </p:grpSpPr>
+      <p:pic>
+        <p:nvPicPr>
+          <p:cNvPr id="6146" name="Picture 27"/>
+          <p:cNvPicPr>
+            <a:picLocks noChangeAspect="1" noChangeArrowheads="1"/>
+          </p:cNvPicPr>
+          <p:nvPr/>
+        </p:nvPicPr>
+        <p:blipFill>
+          <a:blip r:embed="rId3"/>
+          <a:srcRect/>
+          <a:stretch>
+            <a:fillRect/>
+          </a:stretch>
+        </p:blipFill>
+        <p:spPr bwMode="auto">
+          <a:xfrm>
+            <a:off x="285750" y="285750"/>
+            <a:ext cx="1981200" cy="508000"/>
+          </a:xfrm>
+          <a:prstGeom prst="rect">
+            <a:avLst/>
+          </a:prstGeom>
+          <a:noFill/>
+          <a:ln w="9525">
+            <a:noFill/>
+            <a:round/>
+            <a:headEnd/>
+            <a:tailEnd/>
+          </a:ln>
+        </p:spPr>
+      </p:pic>
+      <p:sp>
+        <p:nvSpPr>
+          <p:cNvPr id="33" name="Afgeronde rechthoek 32"/>
+          <p:cNvSpPr/>
+          <p:nvPr/>
+        </p:nvSpPr>
+        <p:spPr bwMode="auto">
+          <a:xfrm>
+            <a:off x="2357438" y="285750"/>
+            <a:ext cx="4429125" cy="6429398"/>
+          </a:xfrm>
+          <a:prstGeom prst="roundRect">
+            <a:avLst/>
+          </a:prstGeom>
+          <a:ln>
+            <a:headEnd type="none" w="med" len="med"/>
+            <a:tailEnd type="none" w="med" len="med"/>
+          </a:ln>
+        </p:spPr>
+        <p:style>
+          <a:lnRef idx="2">
+            <a:schemeClr val="accent2"/>
+          </a:lnRef>
+          <a:fillRef idx="1">
+            <a:schemeClr val="lt1"/>
+          </a:fillRef>
+          <a:effectRef idx="0">
+            <a:schemeClr val="accent2"/>
+          </a:effectRef>
+          <a:fontRef idx="minor">
+            <a:schemeClr val="dk1"/>
+          </a:fontRef>
+        </p:style>
+        <p:txBody>
+          <a:bodyPr/>
+          <a:lstStyle/>
+          <a:p>
+            <a:pPr>
+              <a:defRPr/>
+            </a:pPr>
+            <a:endParaRPr lang="nl-BE">
+              <a:solidFill>
+                <a:schemeClr val="bg1"/>
+              </a:solidFill>
+            </a:endParaRPr>
+          </a:p>
+        </p:txBody>
+      </p:sp>
+      <p:cxnSp>
+        <p:nvCxnSpPr>
+          <p:cNvPr id="6148" name="Rechte verbindingslijn 29"/>
+          <p:cNvCxnSpPr>
+            <a:cxnSpLocks noChangeShapeType="1"/>
+          </p:cNvCxnSpPr>
+          <p:nvPr/>
+        </p:nvCxnSpPr>
+        <p:spPr bwMode="auto">
+          <a:xfrm>
+            <a:off x="571472" y="5214950"/>
+            <a:ext cx="8072438" cy="1587"/>
+          </a:xfrm>
+          <a:prstGeom prst="line">
+            <a:avLst/>
+          </a:prstGeom>
+          <a:noFill/>
+          <a:ln w="38100" algn="ctr">
+            <a:solidFill>
+              <a:schemeClr val="tx1"/>
+            </a:solidFill>
+            <a:prstDash val="dash"/>
+            <a:round/>
+            <a:headEnd/>
+            <a:tailEnd/>
+          </a:ln>
+        </p:spPr>
+      </p:cxnSp>
+      <p:sp>
+        <p:nvSpPr>
+          <p:cNvPr id="6149" name="Tekstvak 30"/>
+          <p:cNvSpPr txBox="1">
+            <a:spLocks noChangeArrowheads="1"/>
+          </p:cNvSpPr>
+          <p:nvPr/>
+        </p:nvSpPr>
+        <p:spPr bwMode="auto">
+          <a:xfrm>
+            <a:off x="500035" y="4857762"/>
+            <a:ext cx="825500" cy="369888"/>
+          </a:xfrm>
+          <a:prstGeom prst="rect">
+            <a:avLst/>
+          </a:prstGeom>
+          <a:noFill/>
+          <a:ln w="9525">
+            <a:noFill/>
+            <a:miter lim="800000"/>
+            <a:headEnd/>
+            <a:tailEnd/>
+          </a:ln>
+        </p:spPr>
+        <p:txBody>
+          <a:bodyPr wrap="none">
+            <a:spAutoFit/>
+          </a:bodyPr>
+          <a:lstStyle/>
+          <a:p>
+            <a:r>
+              <a:rPr lang="nl-BE">
+                <a:solidFill>
+                  <a:schemeClr val="tx1"/>
+                </a:solidFill>
+              </a:rPr>
+              <a:t>server</a:t>
+            </a:r>
+          </a:p>
+        </p:txBody>
+      </p:sp>
+      <p:sp>
+        <p:nvSpPr>
+          <p:cNvPr id="6150" name="Tekstvak 31"/>
+          <p:cNvSpPr txBox="1">
+            <a:spLocks noChangeArrowheads="1"/>
+          </p:cNvSpPr>
+          <p:nvPr/>
+        </p:nvSpPr>
+        <p:spPr bwMode="auto">
+          <a:xfrm>
+            <a:off x="500035" y="5214950"/>
+            <a:ext cx="723900" cy="369887"/>
+          </a:xfrm>
+          <a:prstGeom prst="rect">
+            <a:avLst/>
+          </a:prstGeom>
+          <a:noFill/>
+          <a:ln w="9525">
+            <a:noFill/>
+            <a:miter lim="800000"/>
+            <a:headEnd/>
+            <a:tailEnd/>
+          </a:ln>
+        </p:spPr>
+        <p:txBody>
+          <a:bodyPr wrap="none">
+            <a:spAutoFit/>
+          </a:bodyPr>
+          <a:lstStyle/>
+          <a:p>
+            <a:r>
+              <a:rPr lang="nl-BE">
+                <a:solidFill>
+                  <a:schemeClr val="tx1"/>
+                </a:solidFill>
+              </a:rPr>
+              <a:t>client</a:t>
+            </a:r>
+          </a:p>
+        </p:txBody>
+      </p:sp>
+      <p:sp>
+        <p:nvSpPr>
+          <p:cNvPr id="6151" name="Tekstvak 33"/>
+          <p:cNvSpPr txBox="1">
+            <a:spLocks noChangeArrowheads="1"/>
+          </p:cNvSpPr>
+          <p:nvPr/>
+        </p:nvSpPr>
+        <p:spPr bwMode="auto">
+          <a:xfrm>
+            <a:off x="2714625" y="428625"/>
+            <a:ext cx="1236663" cy="369888"/>
+          </a:xfrm>
+          <a:prstGeom prst="rect">
+            <a:avLst/>
+          </a:prstGeom>
+          <a:noFill/>
+          <a:ln w="9525">
+            <a:noFill/>
+            <a:miter lim="800000"/>
+            <a:headEnd/>
+            <a:tailEnd/>
+          </a:ln>
+        </p:spPr>
+        <p:txBody>
+          <a:bodyPr wrap="none">
+            <a:spAutoFit/>
+          </a:bodyPr>
+          <a:lstStyle/>
+          <a:p>
+            <a:r>
+              <a:rPr lang="nl-BE">
+                <a:solidFill>
+                  <a:schemeClr val="tx1"/>
+                </a:solidFill>
+              </a:rPr>
+              <a:t>Geomajas</a:t>
+            </a:r>
+          </a:p>
+        </p:txBody>
+      </p:sp>
+      <p:sp>
+        <p:nvSpPr>
+          <p:cNvPr id="35" name="Afgeronde rechthoek 34"/>
+          <p:cNvSpPr/>
+          <p:nvPr/>
+        </p:nvSpPr>
+        <p:spPr bwMode="auto">
+          <a:xfrm>
+            <a:off x="2786063" y="928689"/>
+            <a:ext cx="3500437" cy="1071552"/>
+          </a:xfrm>
+          <a:prstGeom prst="roundRect">
+            <a:avLst/>
+          </a:prstGeom>
+          <a:ln>
+            <a:headEnd type="none" w="med" len="med"/>
+            <a:tailEnd type="none" w="med" len="med"/>
+          </a:ln>
+        </p:spPr>
+        <p:style>
+          <a:lnRef idx="1">
+            <a:schemeClr val="accent2"/>
+          </a:lnRef>
+          <a:fillRef idx="2">
+            <a:schemeClr val="accent2"/>
+          </a:fillRef>
+          <a:effectRef idx="1">
+            <a:schemeClr val="accent2"/>
+          </a:effectRef>
+          <a:fontRef idx="minor">
+            <a:schemeClr val="dk1"/>
+          </a:fontRef>
+        </p:style>
+        <p:txBody>
+          <a:bodyPr/>
+          <a:lstStyle/>
+          <a:p>
+            <a:pPr>
+              <a:defRPr/>
+            </a:pPr>
+            <a:r>
+              <a:rPr lang="nl-BE" dirty="0" err="1" smtClean="0">
+                <a:solidFill>
+                  <a:schemeClr val="tx1"/>
+                </a:solidFill>
+              </a:rPr>
+              <a:t>Layers</a:t>
+            </a:r>
+            <a:r>
+              <a:rPr lang="nl-BE" dirty="0" smtClean="0">
+                <a:solidFill>
+                  <a:schemeClr val="tx1"/>
+                </a:solidFill>
+              </a:rPr>
+              <a:t> / data </a:t>
+            </a:r>
+            <a:r>
+              <a:rPr lang="nl-BE" dirty="0" err="1" smtClean="0">
+                <a:solidFill>
+                  <a:schemeClr val="tx1"/>
+                </a:solidFill>
+              </a:rPr>
+              <a:t>access</a:t>
+            </a:r>
+            <a:r>
+              <a:rPr lang="nl-BE" dirty="0" smtClean="0">
+                <a:solidFill>
+                  <a:schemeClr val="tx1"/>
+                </a:solidFill>
+              </a:rPr>
+              <a:t> </a:t>
+            </a:r>
+            <a:r>
+              <a:rPr lang="nl-BE" dirty="0" err="1" smtClean="0">
+                <a:solidFill>
+                  <a:schemeClr val="tx1"/>
+                </a:solidFill>
+              </a:rPr>
+              <a:t>library</a:t>
+            </a:r>
+            <a:endParaRPr lang="nl-BE" dirty="0">
+              <a:solidFill>
+                <a:schemeClr val="tx1"/>
+              </a:solidFill>
+            </a:endParaRPr>
+          </a:p>
+        </p:txBody>
+      </p:sp>
+      <p:sp>
+        <p:nvSpPr>
+          <p:cNvPr id="36" name="Afgeronde rechthoek 35"/>
+          <p:cNvSpPr/>
+          <p:nvPr/>
+        </p:nvSpPr>
+        <p:spPr bwMode="auto">
+          <a:xfrm>
+            <a:off x="2786050" y="3929066"/>
+            <a:ext cx="1285875" cy="928686"/>
+          </a:xfrm>
+          <a:prstGeom prst="roundRect">
+            <a:avLst/>
+          </a:prstGeom>
+          <a:ln>
+            <a:headEnd type="none" w="med" len="med"/>
+            <a:tailEnd type="none" w="med" len="med"/>
+          </a:ln>
+        </p:spPr>
+        <p:style>
+          <a:lnRef idx="1">
+            <a:schemeClr val="accent2"/>
+          </a:lnRef>
+          <a:fillRef idx="2">
+            <a:schemeClr val="accent2"/>
+          </a:fillRef>
+          <a:effectRef idx="1">
+            <a:schemeClr val="accent2"/>
+          </a:effectRef>
+          <a:fontRef idx="minor">
+            <a:schemeClr val="dk1"/>
+          </a:fontRef>
+        </p:style>
+        <p:txBody>
+          <a:bodyPr/>
+          <a:lstStyle/>
+          <a:p>
+            <a:pPr>
+              <a:defRPr/>
+            </a:pPr>
+            <a:r>
+              <a:rPr lang="nl-BE" dirty="0" err="1">
+                <a:solidFill>
+                  <a:schemeClr val="tx1"/>
+                </a:solidFill>
+              </a:rPr>
+              <a:t>dojo</a:t>
+            </a:r>
+            <a:r>
+              <a:rPr lang="nl-BE" dirty="0">
+                <a:solidFill>
+                  <a:schemeClr val="tx1"/>
+                </a:solidFill>
+              </a:rPr>
+              <a:t> face server</a:t>
+            </a:r>
+          </a:p>
+        </p:txBody>
+      </p:sp>
+      <p:sp>
+        <p:nvSpPr>
+          <p:cNvPr id="37" name="Afgeronde rechthoek 36"/>
+          <p:cNvSpPr/>
+          <p:nvPr/>
+        </p:nvSpPr>
+        <p:spPr bwMode="auto">
+          <a:xfrm>
+            <a:off x="5000628" y="3929066"/>
+            <a:ext cx="1285875" cy="928686"/>
+          </a:xfrm>
+          <a:prstGeom prst="roundRect">
+            <a:avLst/>
+          </a:prstGeom>
+          <a:ln>
+            <a:headEnd type="none" w="med" len="med"/>
+            <a:tailEnd type="none" w="med" len="med"/>
+          </a:ln>
+        </p:spPr>
+        <p:style>
+          <a:lnRef idx="1">
+            <a:schemeClr val="accent2"/>
+          </a:lnRef>
+          <a:fillRef idx="2">
+            <a:schemeClr val="accent2"/>
+          </a:fillRef>
+          <a:effectRef idx="1">
+            <a:schemeClr val="accent2"/>
+          </a:effectRef>
+          <a:fontRef idx="minor">
+            <a:schemeClr val="dk1"/>
+          </a:fontRef>
+        </p:style>
+        <p:txBody>
+          <a:bodyPr/>
+          <a:lstStyle/>
+          <a:p>
+            <a:pPr>
+              <a:defRPr/>
+            </a:pPr>
+            <a:r>
+              <a:rPr lang="nl-BE" dirty="0">
+                <a:solidFill>
+                  <a:schemeClr val="tx1"/>
+                </a:solidFill>
+              </a:rPr>
+              <a:t>GWT face </a:t>
+            </a:r>
+            <a:r>
+              <a:rPr lang="nl-BE" dirty="0" smtClean="0">
+                <a:solidFill>
+                  <a:schemeClr val="tx1"/>
+                </a:solidFill>
+              </a:rPr>
+              <a:t>server</a:t>
+            </a:r>
+            <a:endParaRPr lang="nl-BE" dirty="0">
+              <a:solidFill>
+                <a:schemeClr val="tx1"/>
+              </a:solidFill>
+            </a:endParaRPr>
+          </a:p>
+        </p:txBody>
+      </p:sp>
+      <p:sp>
+        <p:nvSpPr>
+          <p:cNvPr id="38" name="Afgeronde rechthoek 37"/>
+          <p:cNvSpPr/>
+          <p:nvPr/>
+        </p:nvSpPr>
+        <p:spPr bwMode="auto">
+          <a:xfrm>
+            <a:off x="2786050" y="5572140"/>
+            <a:ext cx="1285875" cy="928694"/>
+          </a:xfrm>
+          <a:prstGeom prst="roundRect">
+            <a:avLst/>
+          </a:prstGeom>
+          <a:ln>
+            <a:headEnd type="none" w="med" len="med"/>
+            <a:tailEnd type="none" w="med" len="med"/>
+          </a:ln>
+        </p:spPr>
+        <p:style>
+          <a:lnRef idx="1">
+            <a:schemeClr val="accent2"/>
+          </a:lnRef>
+          <a:fillRef idx="2">
+            <a:schemeClr val="accent2"/>
+          </a:fillRef>
+          <a:effectRef idx="1">
+            <a:schemeClr val="accent2"/>
+          </a:effectRef>
+          <a:fontRef idx="minor">
+            <a:schemeClr val="dk1"/>
+          </a:fontRef>
+        </p:style>
+        <p:txBody>
+          <a:bodyPr/>
+          <a:lstStyle/>
+          <a:p>
+            <a:pPr>
+              <a:defRPr/>
+            </a:pPr>
+            <a:r>
+              <a:rPr lang="nl-BE" dirty="0" err="1">
+                <a:solidFill>
+                  <a:schemeClr val="tx1"/>
+                </a:solidFill>
+              </a:rPr>
+              <a:t>dojo</a:t>
+            </a:r>
+            <a:r>
+              <a:rPr lang="nl-BE" dirty="0">
+                <a:solidFill>
+                  <a:schemeClr val="tx1"/>
+                </a:solidFill>
+              </a:rPr>
+              <a:t> face </a:t>
+            </a:r>
+            <a:r>
+              <a:rPr lang="nl-BE" dirty="0" err="1">
+                <a:solidFill>
+                  <a:schemeClr val="tx1"/>
+                </a:solidFill>
+              </a:rPr>
+              <a:t>client</a:t>
+            </a:r>
+            <a:endParaRPr lang="nl-BE" dirty="0">
+              <a:solidFill>
+                <a:schemeClr val="tx1"/>
+              </a:solidFill>
+            </a:endParaRPr>
+          </a:p>
+        </p:txBody>
+      </p:sp>
+      <p:sp>
+        <p:nvSpPr>
+          <p:cNvPr id="39" name="Afgeronde rechthoek 38"/>
+          <p:cNvSpPr/>
+          <p:nvPr/>
+        </p:nvSpPr>
+        <p:spPr bwMode="auto">
+          <a:xfrm>
+            <a:off x="5000628" y="5572140"/>
+            <a:ext cx="1285875" cy="928694"/>
+          </a:xfrm>
+          <a:prstGeom prst="roundRect">
+            <a:avLst/>
+          </a:prstGeom>
+          <a:ln>
+            <a:headEnd type="none" w="med" len="med"/>
+            <a:tailEnd type="none" w="med" len="med"/>
+          </a:ln>
+        </p:spPr>
+        <p:style>
+          <a:lnRef idx="1">
+            <a:schemeClr val="accent2"/>
+          </a:lnRef>
+          <a:fillRef idx="2">
+            <a:schemeClr val="accent2"/>
+          </a:fillRef>
+          <a:effectRef idx="1">
+            <a:schemeClr val="accent2"/>
+          </a:effectRef>
+          <a:fontRef idx="minor">
+            <a:schemeClr val="dk1"/>
+          </a:fontRef>
+        </p:style>
+        <p:txBody>
+          <a:bodyPr/>
+          <a:lstStyle/>
+          <a:p>
+            <a:pPr>
+              <a:defRPr/>
+            </a:pPr>
+            <a:r>
+              <a:rPr lang="nl-BE" dirty="0">
+                <a:solidFill>
+                  <a:schemeClr val="tx1"/>
+                </a:solidFill>
+              </a:rPr>
+              <a:t>GWT face </a:t>
+            </a:r>
+            <a:r>
+              <a:rPr lang="nl-BE" dirty="0" err="1">
+                <a:solidFill>
+                  <a:schemeClr val="tx1"/>
+                </a:solidFill>
+              </a:rPr>
+              <a:t>client</a:t>
+            </a:r>
+            <a:endParaRPr lang="nl-BE" dirty="0">
+              <a:solidFill>
+                <a:schemeClr val="tx1"/>
+              </a:solidFill>
+            </a:endParaRPr>
+          </a:p>
+        </p:txBody>
+      </p:sp>
+      <p:sp>
+        <p:nvSpPr>
+          <p:cNvPr id="40" name="Afgeronde rechthoek 39"/>
+          <p:cNvSpPr/>
+          <p:nvPr/>
+        </p:nvSpPr>
+        <p:spPr bwMode="auto">
+          <a:xfrm>
+            <a:off x="7358082" y="642918"/>
+            <a:ext cx="1285875" cy="1071550"/>
+          </a:xfrm>
+          <a:prstGeom prst="roundRect">
+            <a:avLst/>
+          </a:prstGeom>
+          <a:ln>
+            <a:headEnd type="none" w="med" len="med"/>
+            <a:tailEnd type="none" w="med" len="med"/>
+          </a:ln>
+        </p:spPr>
+        <p:style>
+          <a:lnRef idx="1">
+            <a:schemeClr val="accent1"/>
+          </a:lnRef>
+          <a:fillRef idx="2">
+            <a:schemeClr val="accent1"/>
+          </a:fillRef>
+          <a:effectRef idx="1">
+            <a:schemeClr val="accent1"/>
+          </a:effectRef>
+          <a:fontRef idx="minor">
+            <a:schemeClr val="dk1"/>
+          </a:fontRef>
+        </p:style>
+        <p:txBody>
+          <a:bodyPr/>
+          <a:lstStyle/>
+          <a:p>
+            <a:pPr>
+              <a:defRPr/>
+            </a:pPr>
+            <a:r>
+              <a:rPr lang="nl-BE" dirty="0" err="1" smtClean="0">
+                <a:solidFill>
+                  <a:schemeClr val="tx1"/>
+                </a:solidFill>
+              </a:rPr>
+              <a:t>Hibernate</a:t>
+            </a:r>
+            <a:r>
+              <a:rPr lang="nl-BE" dirty="0" smtClean="0">
+                <a:solidFill>
+                  <a:schemeClr val="tx1"/>
+                </a:solidFill>
+              </a:rPr>
+              <a:t> </a:t>
+            </a:r>
+            <a:r>
+              <a:rPr lang="nl-BE" dirty="0" err="1" smtClean="0">
+                <a:solidFill>
+                  <a:schemeClr val="tx1"/>
+                </a:solidFill>
+              </a:rPr>
+              <a:t>spatial</a:t>
+            </a:r>
+            <a:endParaRPr lang="nl-BE" dirty="0">
+              <a:solidFill>
+                <a:schemeClr val="tx1"/>
+              </a:solidFill>
+            </a:endParaRPr>
+          </a:p>
+        </p:txBody>
+      </p:sp>
+      <p:sp>
+        <p:nvSpPr>
+          <p:cNvPr id="41" name="Afgeronde rechthoek 40"/>
+          <p:cNvSpPr/>
+          <p:nvPr/>
+        </p:nvSpPr>
+        <p:spPr bwMode="auto">
+          <a:xfrm>
+            <a:off x="571472" y="714356"/>
+            <a:ext cx="1285875" cy="1000119"/>
+          </a:xfrm>
+          <a:prstGeom prst="roundRect">
+            <a:avLst/>
+          </a:prstGeom>
+          <a:ln>
+            <a:headEnd type="none" w="med" len="med"/>
+            <a:tailEnd type="none" w="med" len="med"/>
+          </a:ln>
+        </p:spPr>
+        <p:style>
+          <a:lnRef idx="1">
+            <a:schemeClr val="accent1"/>
+          </a:lnRef>
+          <a:fillRef idx="2">
+            <a:schemeClr val="accent1"/>
+          </a:fillRef>
+          <a:effectRef idx="1">
+            <a:schemeClr val="accent1"/>
+          </a:effectRef>
+          <a:fontRef idx="minor">
+            <a:schemeClr val="dk1"/>
+          </a:fontRef>
+        </p:style>
+        <p:txBody>
+          <a:bodyPr/>
+          <a:lstStyle/>
+          <a:p>
+            <a:pPr>
+              <a:defRPr/>
+            </a:pPr>
+            <a:r>
+              <a:rPr lang="nl-BE" dirty="0" smtClean="0">
+                <a:solidFill>
+                  <a:schemeClr val="tx1"/>
+                </a:solidFill>
+              </a:rPr>
+              <a:t>Spring </a:t>
+            </a:r>
+            <a:r>
+              <a:rPr lang="nl-BE" dirty="0" err="1" smtClean="0">
+                <a:solidFill>
+                  <a:schemeClr val="tx1"/>
+                </a:solidFill>
+              </a:rPr>
+              <a:t>IoC</a:t>
+            </a:r>
+            <a:endParaRPr lang="nl-BE" dirty="0">
+              <a:solidFill>
+                <a:schemeClr val="tx1"/>
+              </a:solidFill>
+            </a:endParaRPr>
+          </a:p>
+        </p:txBody>
+      </p:sp>
+      <p:sp>
+        <p:nvSpPr>
+          <p:cNvPr id="42" name="Afgeronde rechthoek 41"/>
+          <p:cNvSpPr/>
+          <p:nvPr/>
+        </p:nvSpPr>
+        <p:spPr bwMode="auto">
+          <a:xfrm>
+            <a:off x="571472" y="5572140"/>
+            <a:ext cx="1285875" cy="1000132"/>
+          </a:xfrm>
+          <a:prstGeom prst="roundRect">
+            <a:avLst/>
+          </a:prstGeom>
+          <a:ln>
+            <a:headEnd type="none" w="med" len="med"/>
+            <a:tailEnd type="none" w="med" len="med"/>
+          </a:ln>
+        </p:spPr>
+        <p:style>
+          <a:lnRef idx="1">
+            <a:schemeClr val="accent1"/>
+          </a:lnRef>
+          <a:fillRef idx="2">
+            <a:schemeClr val="accent1"/>
+          </a:fillRef>
+          <a:effectRef idx="1">
+            <a:schemeClr val="accent1"/>
+          </a:effectRef>
+          <a:fontRef idx="minor">
+            <a:schemeClr val="dk1"/>
+          </a:fontRef>
+        </p:style>
+        <p:txBody>
+          <a:bodyPr/>
+          <a:lstStyle/>
+          <a:p>
+            <a:pPr>
+              <a:defRPr/>
+            </a:pPr>
+            <a:r>
+              <a:rPr lang="nl-BE" dirty="0" err="1" smtClean="0">
+                <a:solidFill>
+                  <a:schemeClr val="tx1"/>
+                </a:solidFill>
+              </a:rPr>
+              <a:t>dojo</a:t>
+            </a:r>
+            <a:endParaRPr lang="nl-BE" dirty="0">
+              <a:solidFill>
+                <a:schemeClr val="tx1"/>
+              </a:solidFill>
+            </a:endParaRPr>
+          </a:p>
+        </p:txBody>
+      </p:sp>
+      <p:sp>
+        <p:nvSpPr>
+          <p:cNvPr id="43" name="Afgeronde rechthoek 42"/>
+          <p:cNvSpPr/>
+          <p:nvPr/>
+        </p:nvSpPr>
+        <p:spPr bwMode="auto">
+          <a:xfrm>
+            <a:off x="7358082" y="5572140"/>
+            <a:ext cx="1285875" cy="1000132"/>
+          </a:xfrm>
+          <a:prstGeom prst="roundRect">
+            <a:avLst/>
+          </a:prstGeom>
+          <a:ln>
+            <a:headEnd type="none" w="med" len="med"/>
+            <a:tailEnd type="none" w="med" len="med"/>
+          </a:ln>
+        </p:spPr>
+        <p:style>
+          <a:lnRef idx="1">
+            <a:schemeClr val="accent1"/>
+          </a:lnRef>
+          <a:fillRef idx="2">
+            <a:schemeClr val="accent1"/>
+          </a:fillRef>
+          <a:effectRef idx="1">
+            <a:schemeClr val="accent1"/>
+          </a:effectRef>
+          <a:fontRef idx="minor">
+            <a:schemeClr val="dk1"/>
+          </a:fontRef>
+        </p:style>
+        <p:txBody>
+          <a:bodyPr/>
+          <a:lstStyle/>
+          <a:p>
+            <a:pPr>
+              <a:defRPr/>
+            </a:pPr>
+            <a:r>
+              <a:rPr lang="nl-BE" dirty="0" smtClean="0">
+                <a:solidFill>
+                  <a:schemeClr val="tx1"/>
+                </a:solidFill>
+              </a:rPr>
+              <a:t>GWT</a:t>
+            </a:r>
+            <a:endParaRPr lang="nl-BE" dirty="0">
+              <a:solidFill>
+                <a:schemeClr val="tx1"/>
+              </a:solidFill>
+            </a:endParaRPr>
+          </a:p>
+        </p:txBody>
+      </p:sp>
+      <p:sp>
+        <p:nvSpPr>
+          <p:cNvPr id="44" name="Afgeronde rechthoek 43"/>
+          <p:cNvSpPr/>
+          <p:nvPr/>
+        </p:nvSpPr>
+        <p:spPr bwMode="auto">
+          <a:xfrm>
+            <a:off x="7358082" y="2285992"/>
+            <a:ext cx="1285875" cy="1000127"/>
+          </a:xfrm>
+          <a:prstGeom prst="roundRect">
+            <a:avLst/>
+          </a:prstGeom>
+          <a:ln>
+            <a:headEnd type="none" w="med" len="med"/>
+            <a:tailEnd type="none" w="med" len="med"/>
+          </a:ln>
+        </p:spPr>
+        <p:style>
+          <a:lnRef idx="1">
+            <a:schemeClr val="accent1"/>
+          </a:lnRef>
+          <a:fillRef idx="2">
+            <a:schemeClr val="accent1"/>
+          </a:fillRef>
+          <a:effectRef idx="1">
+            <a:schemeClr val="accent1"/>
+          </a:effectRef>
+          <a:fontRef idx="minor">
+            <a:schemeClr val="dk1"/>
+          </a:fontRef>
+        </p:style>
+        <p:txBody>
+          <a:bodyPr/>
+          <a:lstStyle/>
+          <a:p>
+            <a:pPr>
+              <a:defRPr/>
+            </a:pPr>
+            <a:r>
+              <a:rPr lang="nl-BE" dirty="0" err="1" smtClean="0">
+                <a:solidFill>
+                  <a:schemeClr val="tx1"/>
+                </a:solidFill>
+              </a:rPr>
+              <a:t>Geotools</a:t>
+            </a:r>
+            <a:endParaRPr lang="nl-BE" dirty="0">
+              <a:solidFill>
+                <a:schemeClr val="tx1"/>
+              </a:solidFill>
+            </a:endParaRPr>
+          </a:p>
+        </p:txBody>
+      </p:sp>
+      <p:cxnSp>
+        <p:nvCxnSpPr>
+          <p:cNvPr id="6162" name="Rechte verbindingslijn met pijl 47"/>
+          <p:cNvCxnSpPr>
+            <a:cxnSpLocks noChangeShapeType="1"/>
+            <a:stCxn id="39" idx="3"/>
+            <a:endCxn id="43" idx="1"/>
+          </p:cNvCxnSpPr>
+          <p:nvPr/>
+        </p:nvCxnSpPr>
+        <p:spPr bwMode="auto">
+          <a:xfrm>
+            <a:off x="6286503" y="6036487"/>
+            <a:ext cx="1071579" cy="35719"/>
+          </a:xfrm>
+          <a:prstGeom prst="straightConnector1">
+            <a:avLst/>
+          </a:prstGeom>
+          <a:noFill/>
+          <a:ln w="25400" algn="ctr">
+            <a:solidFill>
+              <a:schemeClr val="tx1"/>
+            </a:solidFill>
+            <a:round/>
+            <a:headEnd type="stealth" w="med" len="med"/>
+            <a:tailEnd type="stealth" w="med" len="med"/>
+          </a:ln>
+        </p:spPr>
+      </p:cxnSp>
+      <p:cxnSp>
+        <p:nvCxnSpPr>
+          <p:cNvPr id="6163" name="Rechte verbindingslijn met pijl 50"/>
+          <p:cNvCxnSpPr>
+            <a:cxnSpLocks noChangeShapeType="1"/>
+            <a:stCxn id="38" idx="1"/>
+            <a:endCxn id="42" idx="3"/>
+          </p:cNvCxnSpPr>
+          <p:nvPr/>
+        </p:nvCxnSpPr>
+        <p:spPr bwMode="auto">
+          <a:xfrm rot="10800000" flipV="1">
+            <a:off x="1857348" y="6036486"/>
+            <a:ext cx="928703" cy="35719"/>
+          </a:xfrm>
+          <a:prstGeom prst="straightConnector1">
+            <a:avLst/>
+          </a:prstGeom>
+          <a:noFill/>
+          <a:ln w="25400" algn="ctr">
+            <a:solidFill>
+              <a:schemeClr val="tx1"/>
+            </a:solidFill>
+            <a:round/>
+            <a:headEnd type="stealth" w="med" len="med"/>
+            <a:tailEnd type="stealth" w="med" len="med"/>
+          </a:ln>
+        </p:spPr>
+      </p:cxnSp>
+      <p:cxnSp>
+        <p:nvCxnSpPr>
+          <p:cNvPr id="6166" name="Rechte verbindingslijn met pijl 60"/>
+          <p:cNvCxnSpPr>
+            <a:cxnSpLocks noChangeShapeType="1"/>
+            <a:stCxn id="36" idx="2"/>
+            <a:endCxn id="38" idx="0"/>
+          </p:cNvCxnSpPr>
+          <p:nvPr/>
+        </p:nvCxnSpPr>
+        <p:spPr bwMode="auto">
+          <a:xfrm rot="5400000">
+            <a:off x="3071794" y="5214946"/>
+            <a:ext cx="714388" cy="1588"/>
+          </a:xfrm>
+          <a:prstGeom prst="straightConnector1">
+            <a:avLst/>
+          </a:prstGeom>
+          <a:noFill/>
+          <a:ln w="25400" algn="ctr">
+            <a:solidFill>
+              <a:srgbClr val="00B0F0"/>
+            </a:solidFill>
+            <a:round/>
+            <a:headEnd type="stealth" w="med" len="med"/>
+            <a:tailEnd type="stealth" w="med" len="med"/>
+          </a:ln>
+        </p:spPr>
+      </p:cxnSp>
+      <p:cxnSp>
+        <p:nvCxnSpPr>
+          <p:cNvPr id="6167" name="Rechte verbindingslijn met pijl 63"/>
+          <p:cNvCxnSpPr>
+            <a:cxnSpLocks noChangeShapeType="1"/>
+            <a:stCxn id="37" idx="2"/>
+            <a:endCxn id="39" idx="0"/>
+          </p:cNvCxnSpPr>
+          <p:nvPr/>
+        </p:nvCxnSpPr>
+        <p:spPr bwMode="auto">
+          <a:xfrm rot="5400000">
+            <a:off x="5286372" y="5214946"/>
+            <a:ext cx="714388" cy="1588"/>
+          </a:xfrm>
+          <a:prstGeom prst="straightConnector1">
+            <a:avLst/>
+          </a:prstGeom>
+          <a:noFill/>
+          <a:ln w="25400" algn="ctr">
+            <a:solidFill>
+              <a:srgbClr val="00B0F0"/>
+            </a:solidFill>
+            <a:round/>
+            <a:headEnd type="stealth" w="med" len="med"/>
+            <a:tailEnd type="stealth" w="med" len="med"/>
+          </a:ln>
+        </p:spPr>
+      </p:cxnSp>
+      <p:cxnSp>
+        <p:nvCxnSpPr>
+          <p:cNvPr id="6168" name="Rechte verbindingslijn met pijl 66"/>
+          <p:cNvCxnSpPr>
+            <a:cxnSpLocks noChangeShapeType="1"/>
+            <a:stCxn id="40" idx="1"/>
+          </p:cNvCxnSpPr>
+          <p:nvPr/>
+        </p:nvCxnSpPr>
+        <p:spPr bwMode="auto">
+          <a:xfrm rot="10800000" flipV="1">
+            <a:off x="6286512" y="1178692"/>
+            <a:ext cx="1071570" cy="107167"/>
+          </a:xfrm>
+          <a:prstGeom prst="straightConnector1">
+            <a:avLst/>
+          </a:prstGeom>
+          <a:noFill/>
+          <a:ln w="25400" algn="ctr">
+            <a:solidFill>
+              <a:schemeClr val="tx1"/>
+            </a:solidFill>
+            <a:round/>
+            <a:headEnd type="stealth" w="med" len="med"/>
+            <a:tailEnd type="stealth" w="med" len="med"/>
+          </a:ln>
+        </p:spPr>
+      </p:cxnSp>
+      <p:cxnSp>
+        <p:nvCxnSpPr>
+          <p:cNvPr id="6169" name="Rechte verbindingslijn met pijl 69"/>
+          <p:cNvCxnSpPr>
+            <a:cxnSpLocks noChangeShapeType="1"/>
+          </p:cNvCxnSpPr>
+          <p:nvPr/>
+        </p:nvCxnSpPr>
+        <p:spPr bwMode="auto">
+          <a:xfrm rot="16200000" flipV="1">
+            <a:off x="6286512" y="1571612"/>
+            <a:ext cx="1071570" cy="1071570"/>
+          </a:xfrm>
+          <a:prstGeom prst="straightConnector1">
+            <a:avLst/>
+          </a:prstGeom>
+          <a:noFill/>
+          <a:ln w="25400" algn="ctr">
+            <a:solidFill>
+              <a:schemeClr val="tx1"/>
+            </a:solidFill>
+            <a:round/>
+            <a:headEnd type="stealth" w="med" len="med"/>
+            <a:tailEnd type="stealth" w="med" len="med"/>
+          </a:ln>
+        </p:spPr>
+      </p:cxnSp>
+      <p:cxnSp>
+        <p:nvCxnSpPr>
+          <p:cNvPr id="6170" name="Rechte verbindingslijn met pijl 72"/>
+          <p:cNvCxnSpPr>
+            <a:cxnSpLocks noChangeShapeType="1"/>
+            <a:stCxn id="41" idx="3"/>
+          </p:cNvCxnSpPr>
+          <p:nvPr/>
+        </p:nvCxnSpPr>
+        <p:spPr bwMode="auto">
+          <a:xfrm>
+            <a:off x="1857347" y="1214416"/>
+            <a:ext cx="500075" cy="6"/>
+          </a:xfrm>
+          <a:prstGeom prst="straightConnector1">
+            <a:avLst/>
+          </a:prstGeom>
+          <a:noFill/>
+          <a:ln w="25400" algn="ctr">
+            <a:solidFill>
+              <a:schemeClr val="tx1"/>
+            </a:solidFill>
+            <a:round/>
+            <a:headEnd type="stealth" w="med" len="med"/>
+            <a:tailEnd type="stealth" w="med" len="med"/>
+          </a:ln>
+        </p:spPr>
+      </p:cxnSp>
+      <p:sp>
+        <p:nvSpPr>
+          <p:cNvPr id="6176" name="Tekstvak 80"/>
+          <p:cNvSpPr txBox="1">
+            <a:spLocks noChangeArrowheads="1"/>
+          </p:cNvSpPr>
+          <p:nvPr/>
+        </p:nvSpPr>
+        <p:spPr bwMode="auto">
+          <a:xfrm>
+            <a:off x="3429003" y="4786314"/>
+            <a:ext cx="685800" cy="461962"/>
+          </a:xfrm>
+          <a:prstGeom prst="rect">
+            <a:avLst/>
+          </a:prstGeom>
+          <a:noFill/>
+          <a:ln w="9525">
+            <a:noFill/>
+            <a:miter lim="800000"/>
+            <a:headEnd/>
+            <a:tailEnd/>
+          </a:ln>
+        </p:spPr>
+        <p:txBody>
+          <a:bodyPr wrap="none">
+            <a:spAutoFit/>
+          </a:bodyPr>
+          <a:lstStyle/>
+          <a:p>
+            <a:pPr algn="ctr"/>
+            <a:r>
+              <a:rPr lang="nl-BE" sz="1200" dirty="0">
+                <a:solidFill>
+                  <a:schemeClr val="tx1"/>
+                </a:solidFill>
+              </a:rPr>
+              <a:t>face</a:t>
+            </a:r>
+          </a:p>
+          <a:p>
+            <a:pPr algn="ctr"/>
+            <a:r>
+              <a:rPr lang="nl-BE" sz="1200" dirty="0" err="1">
+                <a:solidFill>
+                  <a:schemeClr val="tx1"/>
+                </a:solidFill>
+              </a:rPr>
+              <a:t>internal</a:t>
+            </a:r>
+            <a:endParaRPr lang="nl-BE" sz="1200" dirty="0">
+              <a:solidFill>
+                <a:schemeClr val="tx1"/>
+              </a:solidFill>
+            </a:endParaRPr>
+          </a:p>
+        </p:txBody>
+      </p:sp>
+      <p:sp>
+        <p:nvSpPr>
+          <p:cNvPr id="6179" name="Tekstvak 85"/>
+          <p:cNvSpPr txBox="1">
+            <a:spLocks noChangeArrowheads="1"/>
+          </p:cNvSpPr>
+          <p:nvPr/>
+        </p:nvSpPr>
+        <p:spPr bwMode="auto">
+          <a:xfrm>
+            <a:off x="4929191" y="4786314"/>
+            <a:ext cx="685800" cy="461962"/>
+          </a:xfrm>
+          <a:prstGeom prst="rect">
+            <a:avLst/>
+          </a:prstGeom>
+          <a:noFill/>
+          <a:ln w="9525">
+            <a:noFill/>
+            <a:miter lim="800000"/>
+            <a:headEnd/>
+            <a:tailEnd/>
+          </a:ln>
+        </p:spPr>
+        <p:txBody>
+          <a:bodyPr wrap="none">
+            <a:spAutoFit/>
+          </a:bodyPr>
+          <a:lstStyle/>
+          <a:p>
+            <a:pPr algn="ctr"/>
+            <a:r>
+              <a:rPr lang="nl-BE" sz="1200">
+                <a:solidFill>
+                  <a:schemeClr val="tx1"/>
+                </a:solidFill>
+              </a:rPr>
+              <a:t>face</a:t>
+            </a:r>
+          </a:p>
+          <a:p>
+            <a:pPr algn="ctr"/>
+            <a:r>
+              <a:rPr lang="nl-BE" sz="1200">
+                <a:solidFill>
+                  <a:schemeClr val="tx1"/>
+                </a:solidFill>
+              </a:rPr>
+              <a:t>internal</a:t>
+            </a:r>
+          </a:p>
+        </p:txBody>
+      </p:sp>
+      <p:sp>
+        <p:nvSpPr>
+          <p:cNvPr id="86" name="Afgeronde rechthoek 85"/>
+          <p:cNvSpPr/>
+          <p:nvPr/>
+        </p:nvSpPr>
+        <p:spPr bwMode="auto">
+          <a:xfrm>
+            <a:off x="2786050" y="2143116"/>
+            <a:ext cx="1857388" cy="500066"/>
+          </a:xfrm>
+          <a:prstGeom prst="roundRect">
+            <a:avLst/>
+          </a:prstGeom>
+          <a:ln>
+            <a:headEnd type="none" w="med" len="med"/>
+            <a:tailEnd type="none" w="med" len="med"/>
+          </a:ln>
+        </p:spPr>
+        <p:style>
+          <a:lnRef idx="1">
+            <a:schemeClr val="accent2"/>
+          </a:lnRef>
+          <a:fillRef idx="2">
+            <a:schemeClr val="accent2"/>
+          </a:fillRef>
+          <a:effectRef idx="1">
+            <a:schemeClr val="accent2"/>
+          </a:effectRef>
+          <a:fontRef idx="minor">
+            <a:schemeClr val="dk1"/>
+          </a:fontRef>
+        </p:style>
+        <p:txBody>
+          <a:bodyPr/>
+          <a:lstStyle/>
+          <a:p>
+            <a:pPr>
+              <a:defRPr/>
+            </a:pPr>
+            <a:r>
+              <a:rPr lang="nl-BE" dirty="0" smtClean="0">
+                <a:solidFill>
+                  <a:schemeClr val="tx1"/>
+                </a:solidFill>
+              </a:rPr>
+              <a:t>Printing plug-in</a:t>
+            </a:r>
+            <a:endParaRPr lang="nl-BE" dirty="0">
+              <a:solidFill>
+                <a:schemeClr val="tx1"/>
+              </a:solidFill>
+            </a:endParaRPr>
+          </a:p>
+        </p:txBody>
+      </p:sp>
+      <p:sp>
+        <p:nvSpPr>
+          <p:cNvPr id="89" name="Afgeronde rechthoek 88"/>
+          <p:cNvSpPr/>
+          <p:nvPr/>
+        </p:nvSpPr>
+        <p:spPr bwMode="auto">
+          <a:xfrm>
+            <a:off x="5000628" y="2143116"/>
+            <a:ext cx="1285875" cy="1643074"/>
+          </a:xfrm>
+          <a:prstGeom prst="roundRect">
+            <a:avLst/>
+          </a:prstGeom>
+          <a:ln>
+            <a:headEnd type="none" w="med" len="med"/>
+            <a:tailEnd type="none" w="med" len="med"/>
+          </a:ln>
+        </p:spPr>
+        <p:style>
+          <a:lnRef idx="1">
+            <a:schemeClr val="accent2"/>
+          </a:lnRef>
+          <a:fillRef idx="2">
+            <a:schemeClr val="accent2"/>
+          </a:fillRef>
+          <a:effectRef idx="1">
+            <a:schemeClr val="accent2"/>
+          </a:effectRef>
+          <a:fontRef idx="minor">
+            <a:schemeClr val="dk1"/>
+          </a:fontRef>
+        </p:style>
+        <p:txBody>
+          <a:bodyPr/>
+          <a:lstStyle/>
+          <a:p>
+            <a:pPr>
+              <a:defRPr/>
+            </a:pPr>
+            <a:r>
+              <a:rPr lang="nl-BE" dirty="0" err="1" smtClean="0">
+                <a:solidFill>
+                  <a:schemeClr val="tx1"/>
+                </a:solidFill>
+              </a:rPr>
+              <a:t>Spatial</a:t>
+            </a:r>
+            <a:r>
+              <a:rPr lang="nl-BE" dirty="0" smtClean="0">
+                <a:solidFill>
+                  <a:schemeClr val="tx1"/>
+                </a:solidFill>
+              </a:rPr>
+              <a:t> services</a:t>
+            </a:r>
+            <a:endParaRPr lang="nl-BE" dirty="0">
+              <a:solidFill>
+                <a:schemeClr val="tx1"/>
+              </a:solidFill>
+            </a:endParaRPr>
+          </a:p>
+        </p:txBody>
+      </p:sp>
+      <p:sp>
+        <p:nvSpPr>
+          <p:cNvPr id="90" name="Afgeronde rechthoek 89"/>
+          <p:cNvSpPr/>
+          <p:nvPr/>
+        </p:nvSpPr>
+        <p:spPr bwMode="auto">
+          <a:xfrm>
+            <a:off x="2786050" y="2714620"/>
+            <a:ext cx="1857388" cy="500066"/>
+          </a:xfrm>
+          <a:prstGeom prst="roundRect">
+            <a:avLst/>
+          </a:prstGeom>
+          <a:ln>
+            <a:headEnd type="none" w="med" len="med"/>
+            <a:tailEnd type="none" w="med" len="med"/>
+          </a:ln>
+        </p:spPr>
+        <p:style>
+          <a:lnRef idx="1">
+            <a:schemeClr val="accent2"/>
+          </a:lnRef>
+          <a:fillRef idx="2">
+            <a:schemeClr val="accent2"/>
+          </a:fillRef>
+          <a:effectRef idx="1">
+            <a:schemeClr val="accent2"/>
+          </a:effectRef>
+          <a:fontRef idx="minor">
+            <a:schemeClr val="dk1"/>
+          </a:fontRef>
+        </p:style>
+        <p:txBody>
+          <a:bodyPr/>
+          <a:lstStyle/>
+          <a:p>
+            <a:pPr>
+              <a:defRPr/>
+            </a:pPr>
+            <a:r>
+              <a:rPr lang="nl-BE" dirty="0" err="1" smtClean="0">
+                <a:solidFill>
+                  <a:schemeClr val="tx1"/>
+                </a:solidFill>
+              </a:rPr>
+              <a:t>Rules</a:t>
+            </a:r>
+            <a:r>
+              <a:rPr lang="nl-BE" dirty="0" smtClean="0">
+                <a:solidFill>
+                  <a:schemeClr val="tx1"/>
+                </a:solidFill>
+              </a:rPr>
+              <a:t> plug-in</a:t>
+            </a:r>
+            <a:endParaRPr lang="nl-BE" dirty="0">
+              <a:solidFill>
+                <a:schemeClr val="tx1"/>
+              </a:solidFill>
+            </a:endParaRPr>
+          </a:p>
+        </p:txBody>
+      </p:sp>
+      <p:sp>
+        <p:nvSpPr>
+          <p:cNvPr id="91" name="Afgeronde rechthoek 90"/>
+          <p:cNvSpPr/>
+          <p:nvPr/>
+        </p:nvSpPr>
+        <p:spPr bwMode="auto">
+          <a:xfrm>
+            <a:off x="2786050" y="3286124"/>
+            <a:ext cx="1857388" cy="500066"/>
+          </a:xfrm>
+          <a:prstGeom prst="roundRect">
+            <a:avLst/>
+          </a:prstGeom>
+          <a:ln>
+            <a:headEnd type="none" w="med" len="med"/>
+            <a:tailEnd type="none" w="med" len="med"/>
+          </a:ln>
+        </p:spPr>
+        <p:style>
+          <a:lnRef idx="1">
+            <a:schemeClr val="accent2"/>
+          </a:lnRef>
+          <a:fillRef idx="2">
+            <a:schemeClr val="accent2"/>
+          </a:fillRef>
+          <a:effectRef idx="1">
+            <a:schemeClr val="accent2"/>
+          </a:effectRef>
+          <a:fontRef idx="minor">
+            <a:schemeClr val="dk1"/>
+          </a:fontRef>
+        </p:style>
+        <p:txBody>
+          <a:bodyPr/>
+          <a:lstStyle/>
+          <a:p>
+            <a:pPr>
+              <a:defRPr/>
+            </a:pPr>
+            <a:r>
+              <a:rPr lang="nl-BE" dirty="0" err="1" smtClean="0">
+                <a:solidFill>
+                  <a:schemeClr val="tx1"/>
+                </a:solidFill>
+              </a:rPr>
+              <a:t>Caching</a:t>
+            </a:r>
+            <a:r>
+              <a:rPr lang="nl-BE" dirty="0" smtClean="0">
+                <a:solidFill>
+                  <a:schemeClr val="tx1"/>
+                </a:solidFill>
+              </a:rPr>
+              <a:t> plug-in</a:t>
+            </a:r>
+            <a:endParaRPr lang="nl-BE" dirty="0">
+              <a:solidFill>
+                <a:schemeClr val="tx1"/>
+              </a:solidFill>
+            </a:endParaRPr>
+          </a:p>
+        </p:txBody>
+      </p:sp>
+      <p:sp>
+        <p:nvSpPr>
+          <p:cNvPr id="92" name="Afgeronde rechthoek 91"/>
+          <p:cNvSpPr/>
+          <p:nvPr/>
+        </p:nvSpPr>
+        <p:spPr bwMode="auto">
+          <a:xfrm>
+            <a:off x="7358082" y="3929066"/>
+            <a:ext cx="1285875" cy="1000127"/>
+          </a:xfrm>
+          <a:prstGeom prst="roundRect">
+            <a:avLst/>
+          </a:prstGeom>
+          <a:ln>
+            <a:headEnd type="none" w="med" len="med"/>
+            <a:tailEnd type="none" w="med" len="med"/>
+          </a:ln>
+        </p:spPr>
+        <p:style>
+          <a:lnRef idx="1">
+            <a:schemeClr val="accent1"/>
+          </a:lnRef>
+          <a:fillRef idx="2">
+            <a:schemeClr val="accent1"/>
+          </a:fillRef>
+          <a:effectRef idx="1">
+            <a:schemeClr val="accent1"/>
+          </a:effectRef>
+          <a:fontRef idx="minor">
+            <a:schemeClr val="dk1"/>
+          </a:fontRef>
+        </p:style>
+        <p:txBody>
+          <a:bodyPr/>
+          <a:lstStyle/>
+          <a:p>
+            <a:pPr>
+              <a:defRPr/>
+            </a:pPr>
+            <a:r>
+              <a:rPr lang="nl-BE" dirty="0" smtClean="0">
+                <a:solidFill>
+                  <a:schemeClr val="tx1"/>
+                </a:solidFill>
+              </a:rPr>
+              <a:t>JTS</a:t>
+            </a:r>
+            <a:endParaRPr lang="nl-BE" dirty="0">
+              <a:solidFill>
+                <a:schemeClr val="tx1"/>
+              </a:solidFill>
+            </a:endParaRPr>
+          </a:p>
+        </p:txBody>
+      </p:sp>
+      <p:sp>
+        <p:nvSpPr>
+          <p:cNvPr id="94" name="Afgeronde rechthoek 93"/>
+          <p:cNvSpPr/>
+          <p:nvPr/>
+        </p:nvSpPr>
+        <p:spPr bwMode="auto">
+          <a:xfrm>
+            <a:off x="571472" y="1785926"/>
+            <a:ext cx="1285875" cy="1000119"/>
+          </a:xfrm>
+          <a:prstGeom prst="roundRect">
+            <a:avLst/>
+          </a:prstGeom>
+          <a:ln>
+            <a:headEnd type="none" w="med" len="med"/>
+            <a:tailEnd type="none" w="med" len="med"/>
+          </a:ln>
+        </p:spPr>
+        <p:style>
+          <a:lnRef idx="1">
+            <a:schemeClr val="accent1"/>
+          </a:lnRef>
+          <a:fillRef idx="2">
+            <a:schemeClr val="accent1"/>
+          </a:fillRef>
+          <a:effectRef idx="1">
+            <a:schemeClr val="accent1"/>
+          </a:effectRef>
+          <a:fontRef idx="minor">
+            <a:schemeClr val="dk1"/>
+          </a:fontRef>
+        </p:style>
+        <p:txBody>
+          <a:bodyPr/>
+          <a:lstStyle/>
+          <a:p>
+            <a:pPr>
+              <a:defRPr/>
+            </a:pPr>
+            <a:r>
+              <a:rPr lang="nl-BE" dirty="0" err="1" smtClean="0">
+                <a:solidFill>
+                  <a:schemeClr val="tx1"/>
+                </a:solidFill>
+              </a:rPr>
+              <a:t>iText</a:t>
+            </a:r>
+            <a:endParaRPr lang="nl-BE" dirty="0">
+              <a:solidFill>
+                <a:schemeClr val="tx1"/>
+              </a:solidFill>
+            </a:endParaRPr>
+          </a:p>
+        </p:txBody>
+      </p:sp>
+      <p:sp>
+        <p:nvSpPr>
+          <p:cNvPr id="95" name="Afgeronde rechthoek 94"/>
+          <p:cNvSpPr/>
+          <p:nvPr/>
+        </p:nvSpPr>
+        <p:spPr bwMode="auto">
+          <a:xfrm>
+            <a:off x="571472" y="2857496"/>
+            <a:ext cx="1285875" cy="1000119"/>
+          </a:xfrm>
+          <a:prstGeom prst="roundRect">
+            <a:avLst/>
+          </a:prstGeom>
+          <a:ln>
+            <a:headEnd type="none" w="med" len="med"/>
+            <a:tailEnd type="none" w="med" len="med"/>
+          </a:ln>
+        </p:spPr>
+        <p:style>
+          <a:lnRef idx="1">
+            <a:schemeClr val="accent1"/>
+          </a:lnRef>
+          <a:fillRef idx="2">
+            <a:schemeClr val="accent1"/>
+          </a:fillRef>
+          <a:effectRef idx="1">
+            <a:schemeClr val="accent1"/>
+          </a:effectRef>
+          <a:fontRef idx="minor">
+            <a:schemeClr val="dk1"/>
+          </a:fontRef>
+        </p:style>
+        <p:txBody>
+          <a:bodyPr/>
+          <a:lstStyle/>
+          <a:p>
+            <a:pPr>
+              <a:defRPr/>
+            </a:pPr>
+            <a:r>
+              <a:rPr lang="nl-BE" dirty="0" err="1" smtClean="0">
+                <a:solidFill>
+                  <a:schemeClr val="tx1"/>
+                </a:solidFill>
+              </a:rPr>
+              <a:t>drools</a:t>
+            </a:r>
+            <a:endParaRPr lang="nl-BE" dirty="0">
+              <a:solidFill>
+                <a:schemeClr val="tx1"/>
+              </a:solidFill>
+            </a:endParaRPr>
+          </a:p>
+        </p:txBody>
+      </p:sp>
+      <p:sp>
+        <p:nvSpPr>
+          <p:cNvPr id="96" name="Afgeronde rechthoek 95"/>
+          <p:cNvSpPr/>
+          <p:nvPr/>
+        </p:nvSpPr>
+        <p:spPr bwMode="auto">
+          <a:xfrm>
+            <a:off x="571472" y="3929066"/>
+            <a:ext cx="1285875" cy="1000119"/>
+          </a:xfrm>
+          <a:prstGeom prst="roundRect">
+            <a:avLst/>
+          </a:prstGeom>
+          <a:ln>
+            <a:headEnd type="none" w="med" len="med"/>
+            <a:tailEnd type="none" w="med" len="med"/>
+          </a:ln>
+        </p:spPr>
+        <p:style>
+          <a:lnRef idx="1">
+            <a:schemeClr val="accent1"/>
+          </a:lnRef>
+          <a:fillRef idx="2">
+            <a:schemeClr val="accent1"/>
+          </a:fillRef>
+          <a:effectRef idx="1">
+            <a:schemeClr val="accent1"/>
+          </a:effectRef>
+          <a:fontRef idx="minor">
+            <a:schemeClr val="dk1"/>
+          </a:fontRef>
+        </p:style>
+        <p:txBody>
+          <a:bodyPr/>
+          <a:lstStyle/>
+          <a:p>
+            <a:pPr>
+              <a:defRPr/>
+            </a:pPr>
+            <a:r>
+              <a:rPr lang="nl-BE" dirty="0" err="1" smtClean="0">
+                <a:solidFill>
+                  <a:schemeClr val="tx1"/>
+                </a:solidFill>
+              </a:rPr>
+              <a:t>infinispan</a:t>
+            </a:r>
+            <a:endParaRPr lang="nl-BE" dirty="0">
+              <a:solidFill>
+                <a:schemeClr val="tx1"/>
+              </a:solidFill>
+            </a:endParaRPr>
+          </a:p>
+        </p:txBody>
+      </p:sp>
+      <p:cxnSp>
+        <p:nvCxnSpPr>
+          <p:cNvPr id="100" name="Rechte verbindingslijn met pijl 69"/>
+          <p:cNvCxnSpPr>
+            <a:cxnSpLocks noChangeShapeType="1"/>
+          </p:cNvCxnSpPr>
+          <p:nvPr/>
+        </p:nvCxnSpPr>
+        <p:spPr bwMode="auto">
+          <a:xfrm rot="10800000">
+            <a:off x="6286512" y="2786058"/>
+            <a:ext cx="1071572" cy="214316"/>
+          </a:xfrm>
+          <a:prstGeom prst="straightConnector1">
+            <a:avLst/>
+          </a:prstGeom>
+          <a:noFill/>
+          <a:ln w="25400" algn="ctr">
+            <a:solidFill>
+              <a:schemeClr val="tx1"/>
+            </a:solidFill>
+            <a:round/>
+            <a:headEnd type="stealth" w="med" len="med"/>
+            <a:tailEnd type="stealth" w="med" len="med"/>
+          </a:ln>
+        </p:spPr>
+      </p:cxnSp>
+      <p:cxnSp>
+        <p:nvCxnSpPr>
+          <p:cNvPr id="103" name="Rechte verbindingslijn met pijl 69"/>
+          <p:cNvCxnSpPr>
+            <a:cxnSpLocks noChangeShapeType="1"/>
+          </p:cNvCxnSpPr>
+          <p:nvPr/>
+        </p:nvCxnSpPr>
+        <p:spPr bwMode="auto">
+          <a:xfrm rot="10800000">
+            <a:off x="6286512" y="3214686"/>
+            <a:ext cx="1071570" cy="1000132"/>
+          </a:xfrm>
+          <a:prstGeom prst="straightConnector1">
+            <a:avLst/>
+          </a:prstGeom>
+          <a:noFill/>
+          <a:ln w="25400" algn="ctr">
+            <a:solidFill>
+              <a:schemeClr val="tx1"/>
+            </a:solidFill>
+            <a:round/>
+            <a:headEnd type="stealth" w="med" len="med"/>
+            <a:tailEnd type="stealth" w="med" len="med"/>
+          </a:ln>
+        </p:spPr>
+      </p:cxnSp>
+      <p:cxnSp>
+        <p:nvCxnSpPr>
+          <p:cNvPr id="115" name="Rechte verbindingslijn met pijl 72"/>
+          <p:cNvCxnSpPr>
+            <a:cxnSpLocks noChangeShapeType="1"/>
+            <a:stCxn id="94" idx="3"/>
+            <a:endCxn id="86" idx="1"/>
+          </p:cNvCxnSpPr>
+          <p:nvPr/>
+        </p:nvCxnSpPr>
+        <p:spPr bwMode="auto">
+          <a:xfrm>
+            <a:off x="1857347" y="2285986"/>
+            <a:ext cx="928703" cy="107163"/>
+          </a:xfrm>
+          <a:prstGeom prst="straightConnector1">
+            <a:avLst/>
+          </a:prstGeom>
+          <a:noFill/>
+          <a:ln w="25400" algn="ctr">
+            <a:solidFill>
+              <a:schemeClr val="tx1"/>
+            </a:solidFill>
+            <a:round/>
+            <a:headEnd type="stealth" w="med" len="med"/>
+            <a:tailEnd type="stealth" w="med" len="med"/>
+          </a:ln>
+        </p:spPr>
+      </p:cxnSp>
+      <p:cxnSp>
+        <p:nvCxnSpPr>
+          <p:cNvPr id="116" name="Rechte verbindingslijn met pijl 72"/>
+          <p:cNvCxnSpPr>
+            <a:cxnSpLocks noChangeShapeType="1"/>
+            <a:stCxn id="95" idx="3"/>
+            <a:endCxn id="90" idx="1"/>
+          </p:cNvCxnSpPr>
+          <p:nvPr/>
+        </p:nvCxnSpPr>
+        <p:spPr bwMode="auto">
+          <a:xfrm flipV="1">
+            <a:off x="1857347" y="2964653"/>
+            <a:ext cx="928703" cy="392903"/>
+          </a:xfrm>
+          <a:prstGeom prst="straightConnector1">
+            <a:avLst/>
+          </a:prstGeom>
+          <a:noFill/>
+          <a:ln w="25400" algn="ctr">
+            <a:solidFill>
+              <a:schemeClr val="tx1"/>
+            </a:solidFill>
+            <a:round/>
+            <a:headEnd type="stealth" w="med" len="med"/>
+            <a:tailEnd type="stealth" w="med" len="med"/>
+          </a:ln>
+        </p:spPr>
+      </p:cxnSp>
+      <p:cxnSp>
+        <p:nvCxnSpPr>
+          <p:cNvPr id="117" name="Rechte verbindingslijn met pijl 72"/>
+          <p:cNvCxnSpPr>
+            <a:cxnSpLocks noChangeShapeType="1"/>
+            <a:stCxn id="96" idx="3"/>
+            <a:endCxn id="91" idx="1"/>
+          </p:cNvCxnSpPr>
+          <p:nvPr/>
+        </p:nvCxnSpPr>
+        <p:spPr bwMode="auto">
+          <a:xfrm flipV="1">
+            <a:off x="1857347" y="3536157"/>
+            <a:ext cx="928703" cy="892969"/>
+          </a:xfrm>
+          <a:prstGeom prst="straightConnector1">
+            <a:avLst/>
+          </a:prstGeom>
+          <a:noFill/>
+          <a:ln w="25400" algn="ctr">
+            <a:solidFill>
+              <a:schemeClr val="tx1"/>
+            </a:solidFill>
+            <a:round/>
+            <a:headEnd type="stealth" w="med" len="med"/>
+            <a:tailEnd type="stealth" w="med" len="med"/>
+          </a:ln>
         </p:spPr>
       </p:cxnSp>
     </p:spTree>

--- a/devuserguide/en-GB/images/architecture slides.pptx
+++ b/devuserguide/en-GB/images/architecture slides.pptx
@@ -5,7 +5,7 @@
     <p:sldMasterId id="2147483648" r:id="rId1"/>
   </p:sldMasterIdLst>
   <p:notesMasterIdLst>
-    <p:notesMasterId r:id="rId13"/>
+    <p:notesMasterId r:id="rId14"/>
   </p:notesMasterIdLst>
   <p:sldIdLst>
     <p:sldId id="257" r:id="rId2"/>
@@ -19,6 +19,7 @@
     <p:sldId id="267" r:id="rId10"/>
     <p:sldId id="268" r:id="rId11"/>
     <p:sldId id="269" r:id="rId12"/>
+    <p:sldId id="270" r:id="rId13"/>
   </p:sldIdLst>
   <p:sldSz cx="9144000" cy="6858000" type="screen4x3"/>
   <p:notesSz cx="6858000" cy="9144000"/>
@@ -653,6 +654,101 @@
 </file>
 
 <file path=ppt/notesSlides/notesSlide11.xml><?xml version="1.0" encoding="utf-8"?>
+<p:notes xmlns:a="http://schemas.openxmlformats.org/drawingml/2006/main" xmlns:r="http://schemas.openxmlformats.org/officeDocument/2006/relationships" xmlns:p="http://schemas.openxmlformats.org/presentationml/2006/main">
+  <p:cSld>
+    <p:bg>
+      <p:bgPr>
+        <a:solidFill>
+          <a:srgbClr val="FFFFFF"/>
+        </a:solidFill>
+        <a:effectLst/>
+      </p:bgPr>
+    </p:bg>
+    <p:spTree>
+      <p:nvGrpSpPr>
+        <p:cNvPr id="1" name=""/>
+        <p:cNvGrpSpPr/>
+        <p:nvPr/>
+      </p:nvGrpSpPr>
+      <p:grpSpPr>
+        <a:xfrm>
+          <a:off x="0" y="0"/>
+          <a:ext cx="0" cy="0"/>
+          <a:chOff x="0" y="0"/>
+          <a:chExt cx="0" cy="0"/>
+        </a:xfrm>
+      </p:grpSpPr>
+      <p:sp>
+        <p:nvSpPr>
+          <p:cNvPr id="14338" name="Text Box 1"/>
+          <p:cNvSpPr txBox="1">
+            <a:spLocks noChangeArrowheads="1"/>
+          </p:cNvSpPr>
+          <p:nvPr/>
+        </p:nvSpPr>
+        <p:spPr bwMode="auto">
+          <a:xfrm>
+            <a:off x="2143125" y="695325"/>
+            <a:ext cx="2571750" cy="3429000"/>
+          </a:xfrm>
+          <a:prstGeom prst="rect">
+            <a:avLst/>
+          </a:prstGeom>
+          <a:solidFill>
+            <a:srgbClr val="FFFFFF"/>
+          </a:solidFill>
+          <a:ln w="9525">
+            <a:solidFill>
+              <a:srgbClr val="000000"/>
+            </a:solidFill>
+            <a:miter lim="800000"/>
+            <a:headEnd/>
+            <a:tailEnd/>
+          </a:ln>
+        </p:spPr>
+        <p:txBody>
+          <a:bodyPr wrap="none" anchor="ctr"/>
+          <a:lstStyle/>
+          <a:p>
+            <a:endParaRPr lang="nl-BE"/>
+          </a:p>
+        </p:txBody>
+      </p:sp>
+      <p:sp>
+        <p:nvSpPr>
+          <p:cNvPr id="14339" name="Rectangle 2"/>
+          <p:cNvSpPr>
+            <a:spLocks noGrp="1" noChangeArrowheads="1"/>
+          </p:cNvSpPr>
+          <p:nvPr>
+            <p:ph type="body"/>
+          </p:nvPr>
+        </p:nvSpPr>
+        <p:spPr>
+          <a:xfrm>
+            <a:off x="685800" y="4343400"/>
+            <a:ext cx="5484813" cy="4114800"/>
+          </a:xfrm>
+          <a:noFill/>
+          <a:ln/>
+        </p:spPr>
+        <p:txBody>
+          <a:bodyPr wrap="none" anchor="ctr"/>
+          <a:lstStyle/>
+          <a:p>
+            <a:endParaRPr lang="nl-BE" smtClean="0"/>
+          </a:p>
+        </p:txBody>
+      </p:sp>
+    </p:spTree>
+  </p:cSld>
+  <p:clrMapOvr>
+    <a:masterClrMapping/>
+  </p:clrMapOvr>
+</p:notes>
+</file>
+
+<file path=ppt/notesSlides/notesSlide12.xml><?xml version="1.0" encoding="utf-8"?>
 <p:notes xmlns:a="http://schemas.openxmlformats.org/drawingml/2006/main" xmlns:r="http://schemas.openxmlformats.org/officeDocument/2006/relationships" xmlns:p="http://schemas.openxmlformats.org/presentationml/2006/main">
   <p:cSld>
     <p:bg>
@@ -5672,49 +5768,6 @@
               </a:rPr>
               <a:t>data</a:t>
             </a:r>
-            <a:endParaRPr kumimoji="0" lang="nl-BE" sz="1800" b="1" i="0" u="none" strike="noStrike" cap="all" normalizeH="0" baseline="0" dirty="0" smtClean="0">
-              <a:ln w="9000" cmpd="sng">
-                <a:solidFill>
-                  <a:schemeClr val="accent4">
-                    <a:shade val="50000"/>
-                    <a:satMod val="120000"/>
-                  </a:schemeClr>
-                </a:solidFill>
-                <a:prstDash val="solid"/>
-              </a:ln>
-              <a:gradFill>
-                <a:gsLst>
-                  <a:gs pos="0">
-                    <a:schemeClr val="accent4">
-                      <a:shade val="20000"/>
-                      <a:satMod val="245000"/>
-                    </a:schemeClr>
-                  </a:gs>
-                  <a:gs pos="43000">
-                    <a:schemeClr val="accent4">
-                      <a:satMod val="255000"/>
-                    </a:schemeClr>
-                  </a:gs>
-                  <a:gs pos="48000">
-                    <a:schemeClr val="accent4">
-                      <a:shade val="85000"/>
-                      <a:satMod val="255000"/>
-                    </a:schemeClr>
-                  </a:gs>
-                  <a:gs pos="100000">
-                    <a:schemeClr val="accent4">
-                      <a:shade val="20000"/>
-                      <a:satMod val="245000"/>
-                    </a:schemeClr>
-                  </a:gs>
-                </a:gsLst>
-                <a:lin ang="5400000"/>
-              </a:gradFill>
-              <a:effectLst>
-                <a:reflection blurRad="12700" stA="28000" endPos="45000" dist="1000" dir="5400000" sy="-100000" algn="bl" rotWithShape="0"/>
-              </a:effectLst>
-              <a:latin typeface="Arial" charset="0"/>
-            </a:endParaRPr>
           </a:p>
         </p:txBody>
       </p:sp>
@@ -6022,15 +6075,7 @@
                   <a:schemeClr val="tx1"/>
                 </a:solidFill>
               </a:rPr>
-              <a:t>s</a:t>
-            </a:r>
-            <a:r>
-              <a:rPr lang="nl-BE" dirty="0" err="1" smtClean="0">
-                <a:solidFill>
-                  <a:schemeClr val="tx1"/>
-                </a:solidFill>
-              </a:rPr>
-              <a:t>hared</a:t>
+              <a:t>shared</a:t>
             </a:r>
             <a:endParaRPr lang="nl-BE" dirty="0" smtClean="0">
               <a:solidFill>
@@ -8653,6 +8698,682 @@
           </a:p>
         </p:txBody>
       </p:sp>
+    </p:spTree>
+  </p:cSld>
+  <p:clrMapOvr>
+    <a:masterClrMapping/>
+  </p:clrMapOvr>
+  <p:transition spd="med"/>
+  <p:timing>
+    <p:tnLst>
+      <p:par>
+        <p:cTn id="1" dur="indefinite" restart="never" nodeType="tmRoot">
+          <p:childTnLst>
+            <p:seq concurrent="1" nextAc="seek">
+              <p:cTn id="2" dur="indefinite" nodeType="mainSeq"/>
+              <p:prevCondLst>
+                <p:cond evt="onPrev" delay="0">
+                  <p:tgtEl>
+                    <p:sldTgt/>
+                  </p:tgtEl>
+                </p:cond>
+              </p:prevCondLst>
+              <p:nextCondLst>
+                <p:cond evt="onNext" delay="0">
+                  <p:tgtEl>
+                    <p:sldTgt/>
+                  </p:tgtEl>
+                </p:cond>
+              </p:nextCondLst>
+            </p:seq>
+          </p:childTnLst>
+        </p:cTn>
+      </p:par>
+    </p:tnLst>
+  </p:timing>
+</p:sld>
+</file>
+
+<file path=ppt/slides/slide12.xml><?xml version="1.0" encoding="utf-8"?>
+<p:sld xmlns:a="http://schemas.openxmlformats.org/drawingml/2006/main" xmlns:r="http://schemas.openxmlformats.org/officeDocument/2006/relationships" xmlns:p="http://schemas.openxmlformats.org/presentationml/2006/main">
+  <p:cSld>
+    <p:spTree>
+      <p:nvGrpSpPr>
+        <p:cNvPr id="1" name=""/>
+        <p:cNvGrpSpPr/>
+        <p:nvPr/>
+      </p:nvGrpSpPr>
+      <p:grpSpPr>
+        <a:xfrm>
+          <a:off x="0" y="0"/>
+          <a:ext cx="0" cy="0"/>
+          <a:chOff x="0" y="0"/>
+          <a:chExt cx="0" cy="0"/>
+        </a:xfrm>
+      </p:grpSpPr>
+      <p:sp>
+        <p:nvSpPr>
+          <p:cNvPr id="17" name="Cilinder 16"/>
+          <p:cNvSpPr/>
+          <p:nvPr/>
+        </p:nvSpPr>
+        <p:spPr bwMode="auto">
+          <a:xfrm rot="16200000">
+            <a:off x="3821901" y="-1035875"/>
+            <a:ext cx="1285884" cy="7929618"/>
+          </a:xfrm>
+          <a:prstGeom prst="can">
+            <a:avLst>
+              <a:gd name="adj" fmla="val 26046"/>
+            </a:avLst>
+          </a:prstGeom>
+          <a:ln>
+            <a:headEnd type="none" w="med" len="med"/>
+            <a:tailEnd type="none" w="med" len="med"/>
+          </a:ln>
+        </p:spPr>
+        <p:style>
+          <a:lnRef idx="1">
+            <a:schemeClr val="dk1"/>
+          </a:lnRef>
+          <a:fillRef idx="2">
+            <a:schemeClr val="dk1"/>
+          </a:fillRef>
+          <a:effectRef idx="1">
+            <a:schemeClr val="dk1"/>
+          </a:effectRef>
+          <a:fontRef idx="minor">
+            <a:schemeClr val="dk1"/>
+          </a:fontRef>
+        </p:style>
+        <p:txBody>
+          <a:bodyPr vert="horz" wrap="square" lIns="91440" tIns="45720" rIns="91440" bIns="45720" numCol="1" rtlCol="0" anchor="t" anchorCtr="0" compatLnSpc="1">
+            <a:prstTxWarp prst="textNoShape">
+              <a:avLst/>
+            </a:prstTxWarp>
+          </a:bodyPr>
+          <a:lstStyle/>
+          <a:p>
+            <a:pPr marL="0" marR="0" indent="0" algn="l" defTabSz="457200" rtl="0" eaLnBrk="1" fontAlgn="base" latinLnBrk="0" hangingPunct="1">
+              <a:lnSpc>
+                <a:spcPct val="100000"/>
+              </a:lnSpc>
+              <a:spcBef>
+                <a:spcPct val="0"/>
+              </a:spcBef>
+              <a:spcAft>
+                <a:spcPct val="0"/>
+              </a:spcAft>
+              <a:buClr>
+                <a:srgbClr val="000000"/>
+              </a:buClr>
+              <a:buSzPct val="100000"/>
+              <a:buFont typeface="Times New Roman" pitchFamily="16" charset="0"/>
+              <a:buNone/>
+              <a:tabLst/>
+            </a:pPr>
+            <a:endParaRPr kumimoji="0" lang="nl-BE" sz="1800" b="0" i="0" u="none" strike="noStrike" cap="none" normalizeH="0" baseline="0" smtClean="0">
+              <a:ln>
+                <a:noFill/>
+              </a:ln>
+              <a:solidFill>
+                <a:schemeClr val="bg1"/>
+              </a:solidFill>
+              <a:effectLst/>
+              <a:latin typeface="Arial" charset="0"/>
+            </a:endParaRPr>
+          </a:p>
+        </p:txBody>
+      </p:sp>
+      <p:pic>
+        <p:nvPicPr>
+          <p:cNvPr id="6146" name="Picture 27"/>
+          <p:cNvPicPr>
+            <a:picLocks noChangeAspect="1" noChangeArrowheads="1"/>
+          </p:cNvPicPr>
+          <p:nvPr/>
+        </p:nvPicPr>
+        <p:blipFill>
+          <a:blip r:embed="rId3"/>
+          <a:srcRect/>
+          <a:stretch>
+            <a:fillRect/>
+          </a:stretch>
+        </p:blipFill>
+        <p:spPr bwMode="auto">
+          <a:xfrm>
+            <a:off x="285750" y="285750"/>
+            <a:ext cx="1981200" cy="508000"/>
+          </a:xfrm>
+          <a:prstGeom prst="rect">
+            <a:avLst/>
+          </a:prstGeom>
+          <a:noFill/>
+          <a:ln w="9525">
+            <a:noFill/>
+            <a:round/>
+            <a:headEnd/>
+            <a:tailEnd/>
+          </a:ln>
+        </p:spPr>
+      </p:pic>
+      <p:sp>
+        <p:nvSpPr>
+          <p:cNvPr id="6151" name="Tekstvak 33"/>
+          <p:cNvSpPr txBox="1">
+            <a:spLocks noChangeArrowheads="1"/>
+          </p:cNvSpPr>
+          <p:nvPr/>
+        </p:nvSpPr>
+        <p:spPr bwMode="auto">
+          <a:xfrm>
+            <a:off x="714348" y="1928802"/>
+            <a:ext cx="1005403" cy="369332"/>
+          </a:xfrm>
+          <a:prstGeom prst="rect">
+            <a:avLst/>
+          </a:prstGeom>
+          <a:noFill/>
+          <a:ln w="9525">
+            <a:noFill/>
+            <a:miter lim="800000"/>
+            <a:headEnd/>
+            <a:tailEnd/>
+          </a:ln>
+        </p:spPr>
+        <p:txBody>
+          <a:bodyPr wrap="none">
+            <a:spAutoFit/>
+          </a:bodyPr>
+          <a:lstStyle/>
+          <a:p>
+            <a:r>
+              <a:rPr lang="nl-BE" dirty="0" err="1" smtClean="0">
+                <a:solidFill>
+                  <a:schemeClr val="tx1"/>
+                </a:solidFill>
+              </a:rPr>
+              <a:t>Pipeline</a:t>
+            </a:r>
+            <a:endParaRPr lang="nl-BE" dirty="0">
+              <a:solidFill>
+                <a:schemeClr val="tx1"/>
+              </a:solidFill>
+            </a:endParaRPr>
+          </a:p>
+        </p:txBody>
+      </p:sp>
+      <p:sp>
+        <p:nvSpPr>
+          <p:cNvPr id="37" name="Afgeronde rechthoek 36"/>
+          <p:cNvSpPr/>
+          <p:nvPr/>
+        </p:nvSpPr>
+        <p:spPr bwMode="auto">
+          <a:xfrm>
+            <a:off x="928662" y="2786058"/>
+            <a:ext cx="214314" cy="285752"/>
+          </a:xfrm>
+          <a:prstGeom prst="roundRect">
+            <a:avLst/>
+          </a:prstGeom>
+          <a:ln>
+            <a:headEnd type="none" w="med" len="med"/>
+            <a:tailEnd type="none" w="med" len="med"/>
+          </a:ln>
+        </p:spPr>
+        <p:style>
+          <a:lnRef idx="1">
+            <a:schemeClr val="accent1"/>
+          </a:lnRef>
+          <a:fillRef idx="2">
+            <a:schemeClr val="accent1"/>
+          </a:fillRef>
+          <a:effectRef idx="1">
+            <a:schemeClr val="accent1"/>
+          </a:effectRef>
+          <a:fontRef idx="minor">
+            <a:schemeClr val="dk1"/>
+          </a:fontRef>
+        </p:style>
+        <p:txBody>
+          <a:bodyPr/>
+          <a:lstStyle/>
+          <a:p>
+            <a:pPr>
+              <a:defRPr/>
+            </a:pPr>
+            <a:endParaRPr lang="nl-BE" dirty="0">
+              <a:solidFill>
+                <a:schemeClr val="tx1"/>
+              </a:solidFill>
+            </a:endParaRPr>
+          </a:p>
+        </p:txBody>
+      </p:sp>
+      <p:sp>
+        <p:nvSpPr>
+          <p:cNvPr id="96" name="Afgeronde rechthoek 95"/>
+          <p:cNvSpPr/>
+          <p:nvPr/>
+        </p:nvSpPr>
+        <p:spPr bwMode="auto">
+          <a:xfrm>
+            <a:off x="1357290" y="2500306"/>
+            <a:ext cx="1714512" cy="857256"/>
+          </a:xfrm>
+          <a:prstGeom prst="roundRect">
+            <a:avLst/>
+          </a:prstGeom>
+          <a:ln>
+            <a:headEnd type="none" w="med" len="med"/>
+            <a:tailEnd type="none" w="med" len="med"/>
+          </a:ln>
+        </p:spPr>
+        <p:style>
+          <a:lnRef idx="1">
+            <a:schemeClr val="accent2"/>
+          </a:lnRef>
+          <a:fillRef idx="2">
+            <a:schemeClr val="accent2"/>
+          </a:fillRef>
+          <a:effectRef idx="1">
+            <a:schemeClr val="accent2"/>
+          </a:effectRef>
+          <a:fontRef idx="minor">
+            <a:schemeClr val="dk1"/>
+          </a:fontRef>
+        </p:style>
+        <p:txBody>
+          <a:bodyPr/>
+          <a:lstStyle/>
+          <a:p>
+            <a:pPr>
+              <a:defRPr/>
+            </a:pPr>
+            <a:r>
+              <a:rPr lang="nl-BE" dirty="0" smtClean="0">
+                <a:solidFill>
+                  <a:schemeClr val="tx1"/>
+                </a:solidFill>
+              </a:rPr>
+              <a:t>Step</a:t>
+            </a:r>
+            <a:endParaRPr lang="nl-BE" dirty="0">
+              <a:solidFill>
+                <a:schemeClr val="tx1"/>
+              </a:solidFill>
+            </a:endParaRPr>
+          </a:p>
+        </p:txBody>
+      </p:sp>
+      <p:sp>
+        <p:nvSpPr>
+          <p:cNvPr id="23" name="Afgeronde rechthoek 22"/>
+          <p:cNvSpPr/>
+          <p:nvPr/>
+        </p:nvSpPr>
+        <p:spPr bwMode="auto">
+          <a:xfrm>
+            <a:off x="3714744" y="2500306"/>
+            <a:ext cx="1714512" cy="857256"/>
+          </a:xfrm>
+          <a:prstGeom prst="roundRect">
+            <a:avLst/>
+          </a:prstGeom>
+          <a:ln>
+            <a:headEnd type="none" w="med" len="med"/>
+            <a:tailEnd type="none" w="med" len="med"/>
+          </a:ln>
+        </p:spPr>
+        <p:style>
+          <a:lnRef idx="1">
+            <a:schemeClr val="accent2"/>
+          </a:lnRef>
+          <a:fillRef idx="2">
+            <a:schemeClr val="accent2"/>
+          </a:fillRef>
+          <a:effectRef idx="1">
+            <a:schemeClr val="accent2"/>
+          </a:effectRef>
+          <a:fontRef idx="minor">
+            <a:schemeClr val="dk1"/>
+          </a:fontRef>
+        </p:style>
+        <p:txBody>
+          <a:bodyPr/>
+          <a:lstStyle/>
+          <a:p>
+            <a:pPr>
+              <a:defRPr/>
+            </a:pPr>
+            <a:r>
+              <a:rPr lang="nl-BE" dirty="0" smtClean="0">
+                <a:solidFill>
+                  <a:schemeClr val="tx1"/>
+                </a:solidFill>
+              </a:rPr>
+              <a:t>Step</a:t>
+            </a:r>
+            <a:endParaRPr lang="nl-BE" dirty="0">
+              <a:solidFill>
+                <a:schemeClr val="tx1"/>
+              </a:solidFill>
+            </a:endParaRPr>
+          </a:p>
+        </p:txBody>
+      </p:sp>
+      <p:sp>
+        <p:nvSpPr>
+          <p:cNvPr id="24" name="Afgeronde rechthoek 23"/>
+          <p:cNvSpPr/>
+          <p:nvPr/>
+        </p:nvSpPr>
+        <p:spPr bwMode="auto">
+          <a:xfrm>
+            <a:off x="6072198" y="2500306"/>
+            <a:ext cx="1714512" cy="857256"/>
+          </a:xfrm>
+          <a:prstGeom prst="roundRect">
+            <a:avLst/>
+          </a:prstGeom>
+          <a:ln>
+            <a:headEnd type="none" w="med" len="med"/>
+            <a:tailEnd type="none" w="med" len="med"/>
+          </a:ln>
+        </p:spPr>
+        <p:style>
+          <a:lnRef idx="1">
+            <a:schemeClr val="accent2"/>
+          </a:lnRef>
+          <a:fillRef idx="2">
+            <a:schemeClr val="accent2"/>
+          </a:fillRef>
+          <a:effectRef idx="1">
+            <a:schemeClr val="accent2"/>
+          </a:effectRef>
+          <a:fontRef idx="minor">
+            <a:schemeClr val="dk1"/>
+          </a:fontRef>
+        </p:style>
+        <p:txBody>
+          <a:bodyPr/>
+          <a:lstStyle/>
+          <a:p>
+            <a:pPr>
+              <a:defRPr/>
+            </a:pPr>
+            <a:r>
+              <a:rPr lang="nl-BE" dirty="0" smtClean="0">
+                <a:solidFill>
+                  <a:schemeClr val="tx1"/>
+                </a:solidFill>
+              </a:rPr>
+              <a:t>Step</a:t>
+            </a:r>
+            <a:endParaRPr lang="nl-BE" dirty="0">
+              <a:solidFill>
+                <a:schemeClr val="tx1"/>
+              </a:solidFill>
+            </a:endParaRPr>
+          </a:p>
+        </p:txBody>
+      </p:sp>
+      <p:cxnSp>
+        <p:nvCxnSpPr>
+          <p:cNvPr id="30" name="Rechte verbindingslijn met pijl 69"/>
+          <p:cNvCxnSpPr>
+            <a:cxnSpLocks noChangeShapeType="1"/>
+            <a:endCxn id="96" idx="1"/>
+          </p:cNvCxnSpPr>
+          <p:nvPr/>
+        </p:nvCxnSpPr>
+        <p:spPr bwMode="auto">
+          <a:xfrm>
+            <a:off x="214282" y="2928934"/>
+            <a:ext cx="1143008" cy="1588"/>
+          </a:xfrm>
+          <a:prstGeom prst="straightConnector1">
+            <a:avLst/>
+          </a:prstGeom>
+          <a:noFill/>
+          <a:ln w="25400" algn="ctr">
+            <a:solidFill>
+              <a:schemeClr val="tx1"/>
+            </a:solidFill>
+            <a:round/>
+            <a:headEnd type="none" w="med" len="med"/>
+            <a:tailEnd type="stealth" w="med" len="med"/>
+          </a:ln>
+        </p:spPr>
+      </p:cxnSp>
+      <p:sp>
+        <p:nvSpPr>
+          <p:cNvPr id="41" name="Afgeronde rechthoek 40"/>
+          <p:cNvSpPr/>
+          <p:nvPr/>
+        </p:nvSpPr>
+        <p:spPr bwMode="auto">
+          <a:xfrm>
+            <a:off x="3286116" y="2786058"/>
+            <a:ext cx="214314" cy="285752"/>
+          </a:xfrm>
+          <a:prstGeom prst="roundRect">
+            <a:avLst/>
+          </a:prstGeom>
+          <a:ln>
+            <a:headEnd type="none" w="med" len="med"/>
+            <a:tailEnd type="none" w="med" len="med"/>
+          </a:ln>
+        </p:spPr>
+        <p:style>
+          <a:lnRef idx="1">
+            <a:schemeClr val="accent1"/>
+          </a:lnRef>
+          <a:fillRef idx="2">
+            <a:schemeClr val="accent1"/>
+          </a:fillRef>
+          <a:effectRef idx="1">
+            <a:schemeClr val="accent1"/>
+          </a:effectRef>
+          <a:fontRef idx="minor">
+            <a:schemeClr val="dk1"/>
+          </a:fontRef>
+        </p:style>
+        <p:txBody>
+          <a:bodyPr/>
+          <a:lstStyle/>
+          <a:p>
+            <a:pPr>
+              <a:defRPr/>
+            </a:pPr>
+            <a:endParaRPr lang="nl-BE" dirty="0">
+              <a:solidFill>
+                <a:schemeClr val="tx1"/>
+              </a:solidFill>
+            </a:endParaRPr>
+          </a:p>
+        </p:txBody>
+      </p:sp>
+      <p:sp>
+        <p:nvSpPr>
+          <p:cNvPr id="42" name="Afgeronde rechthoek 41"/>
+          <p:cNvSpPr/>
+          <p:nvPr/>
+        </p:nvSpPr>
+        <p:spPr bwMode="auto">
+          <a:xfrm>
+            <a:off x="5643570" y="2786058"/>
+            <a:ext cx="214314" cy="285752"/>
+          </a:xfrm>
+          <a:prstGeom prst="roundRect">
+            <a:avLst/>
+          </a:prstGeom>
+          <a:ln>
+            <a:headEnd type="none" w="med" len="med"/>
+            <a:tailEnd type="none" w="med" len="med"/>
+          </a:ln>
+        </p:spPr>
+        <p:style>
+          <a:lnRef idx="1">
+            <a:schemeClr val="accent1"/>
+          </a:lnRef>
+          <a:fillRef idx="2">
+            <a:schemeClr val="accent1"/>
+          </a:fillRef>
+          <a:effectRef idx="1">
+            <a:schemeClr val="accent1"/>
+          </a:effectRef>
+          <a:fontRef idx="minor">
+            <a:schemeClr val="dk1"/>
+          </a:fontRef>
+        </p:style>
+        <p:txBody>
+          <a:bodyPr/>
+          <a:lstStyle/>
+          <a:p>
+            <a:pPr>
+              <a:defRPr/>
+            </a:pPr>
+            <a:endParaRPr lang="nl-BE" dirty="0">
+              <a:solidFill>
+                <a:schemeClr val="tx1"/>
+              </a:solidFill>
+            </a:endParaRPr>
+          </a:p>
+        </p:txBody>
+      </p:sp>
+      <p:sp>
+        <p:nvSpPr>
+          <p:cNvPr id="43" name="Afgeronde rechthoek 42"/>
+          <p:cNvSpPr/>
+          <p:nvPr/>
+        </p:nvSpPr>
+        <p:spPr bwMode="auto">
+          <a:xfrm>
+            <a:off x="8001024" y="2786058"/>
+            <a:ext cx="214314" cy="285752"/>
+          </a:xfrm>
+          <a:prstGeom prst="roundRect">
+            <a:avLst/>
+          </a:prstGeom>
+          <a:ln>
+            <a:headEnd type="none" w="med" len="med"/>
+            <a:tailEnd type="none" w="med" len="med"/>
+          </a:ln>
+        </p:spPr>
+        <p:style>
+          <a:lnRef idx="1">
+            <a:schemeClr val="accent1"/>
+          </a:lnRef>
+          <a:fillRef idx="2">
+            <a:schemeClr val="accent1"/>
+          </a:fillRef>
+          <a:effectRef idx="1">
+            <a:schemeClr val="accent1"/>
+          </a:effectRef>
+          <a:fontRef idx="minor">
+            <a:schemeClr val="dk1"/>
+          </a:fontRef>
+        </p:style>
+        <p:txBody>
+          <a:bodyPr/>
+          <a:lstStyle/>
+          <a:p>
+            <a:pPr>
+              <a:defRPr/>
+            </a:pPr>
+            <a:endParaRPr lang="nl-BE" dirty="0">
+              <a:solidFill>
+                <a:schemeClr val="tx1"/>
+              </a:solidFill>
+            </a:endParaRPr>
+          </a:p>
+        </p:txBody>
+      </p:sp>
+      <p:cxnSp>
+        <p:nvCxnSpPr>
+          <p:cNvPr id="103" name="Rechte verbindingslijn met pijl 69"/>
+          <p:cNvCxnSpPr>
+            <a:cxnSpLocks noChangeShapeType="1"/>
+            <a:stCxn id="96" idx="3"/>
+            <a:endCxn id="23" idx="1"/>
+          </p:cNvCxnSpPr>
+          <p:nvPr/>
+        </p:nvCxnSpPr>
+        <p:spPr bwMode="auto">
+          <a:xfrm>
+            <a:off x="3071802" y="2928934"/>
+            <a:ext cx="642942" cy="1588"/>
+          </a:xfrm>
+          <a:prstGeom prst="straightConnector1">
+            <a:avLst/>
+          </a:prstGeom>
+          <a:noFill/>
+          <a:ln w="25400" algn="ctr">
+            <a:solidFill>
+              <a:schemeClr val="tx1"/>
+            </a:solidFill>
+            <a:round/>
+            <a:headEnd type="none" w="med" len="med"/>
+            <a:tailEnd type="stealth" w="med" len="med"/>
+          </a:ln>
+        </p:spPr>
+      </p:cxnSp>
+      <p:cxnSp>
+        <p:nvCxnSpPr>
+          <p:cNvPr id="29" name="Rechte verbindingslijn met pijl 69"/>
+          <p:cNvCxnSpPr>
+            <a:cxnSpLocks noChangeShapeType="1"/>
+          </p:cNvCxnSpPr>
+          <p:nvPr/>
+        </p:nvCxnSpPr>
+        <p:spPr bwMode="auto">
+          <a:xfrm>
+            <a:off x="5429256" y="2928934"/>
+            <a:ext cx="642942" cy="1588"/>
+          </a:xfrm>
+          <a:prstGeom prst="straightConnector1">
+            <a:avLst/>
+          </a:prstGeom>
+          <a:noFill/>
+          <a:ln w="25400" algn="ctr">
+            <a:solidFill>
+              <a:schemeClr val="tx1"/>
+            </a:solidFill>
+            <a:round/>
+            <a:headEnd type="none" w="med" len="med"/>
+            <a:tailEnd type="stealth" w="med" len="med"/>
+          </a:ln>
+        </p:spPr>
+      </p:cxnSp>
+      <p:cxnSp>
+        <p:nvCxnSpPr>
+          <p:cNvPr id="36" name="Rechte verbindingslijn met pijl 69"/>
+          <p:cNvCxnSpPr>
+            <a:cxnSpLocks noChangeShapeType="1"/>
+          </p:cNvCxnSpPr>
+          <p:nvPr/>
+        </p:nvCxnSpPr>
+        <p:spPr bwMode="auto">
+          <a:xfrm>
+            <a:off x="7786678" y="2928934"/>
+            <a:ext cx="1143008" cy="1588"/>
+          </a:xfrm>
+          <a:prstGeom prst="straightConnector1">
+            <a:avLst/>
+          </a:prstGeom>
+          <a:noFill/>
+          <a:ln w="25400" algn="ctr">
+            <a:solidFill>
+              <a:schemeClr val="tx1"/>
+            </a:solidFill>
+            <a:round/>
+            <a:headEnd type="none" w="med" len="med"/>
+            <a:tailEnd type="stealth" w="med" len="med"/>
+          </a:ln>
+        </p:spPr>
+      </p:cxnSp>
     </p:spTree>
   </p:cSld>
   <p:clrMapOvr>
